--- a/ブース設計図/ブース設計図.pptx
+++ b/ブース設計図/ブース設計図.pptx
@@ -6,6 +6,7 @@
   </p:sldMasterIdLst>
   <p:sldIdLst>
     <p:sldId id="256" r:id="rId2"/>
+    <p:sldId id="258" r:id="rId3"/>
   </p:sldIdLst>
   <p:sldSz cx="6858000" cy="9906000" type="A4"/>
   <p:notesSz cx="6858000" cy="9144000"/>
@@ -104,6 +105,11 @@
       </a:defRPr>
     </a:lvl9pPr>
   </p:defaultTextStyle>
+  <p:extLst>
+    <p:ext uri="{EFAFB233-063F-42B5-8137-9DF3F51BA10A}">
+      <p15:sldGuideLst xmlns:p15="http://schemas.microsoft.com/office/powerpoint/2012/main"/>
+    </p:ext>
+  </p:extLst>
 </p:presentation>
 </file>
 
@@ -5073,6 +5079,843 @@
   <p:clrMapOvr>
     <a:masterClrMapping/>
   </p:clrMapOvr>
+  <p:timing>
+    <p:tnLst>
+      <p:par>
+        <p:cTn id="1" dur="indefinite" restart="never" nodeType="tmRoot"/>
+      </p:par>
+    </p:tnLst>
+  </p:timing>
+</p:sld>
+</file>
+
+<file path=ppt/slides/slide2.xml><?xml version="1.0" encoding="utf-8"?>
+<p:sld xmlns:a="http://schemas.openxmlformats.org/drawingml/2006/main" xmlns:r="http://schemas.openxmlformats.org/officeDocument/2006/relationships" xmlns:p="http://schemas.openxmlformats.org/presentationml/2006/main">
+  <p:cSld>
+    <p:spTree>
+      <p:nvGrpSpPr>
+        <p:cNvPr id="1" name=""/>
+        <p:cNvGrpSpPr/>
+        <p:nvPr/>
+      </p:nvGrpSpPr>
+      <p:grpSpPr>
+        <a:xfrm>
+          <a:off x="0" y="0"/>
+          <a:ext cx="0" cy="0"/>
+          <a:chOff x="0" y="0"/>
+          <a:chExt cx="0" cy="0"/>
+        </a:xfrm>
+      </p:grpSpPr>
+      <p:sp>
+        <p:nvSpPr>
+          <p:cNvPr id="2" name="タイトル 1"/>
+          <p:cNvSpPr>
+            <a:spLocks noGrp="1"/>
+          </p:cNvSpPr>
+          <p:nvPr>
+            <p:ph type="ctrTitle"/>
+          </p:nvPr>
+        </p:nvSpPr>
+        <p:spPr>
+          <a:xfrm>
+            <a:off x="1372568" y="641707"/>
+            <a:ext cx="5829300" cy="516219"/>
+          </a:xfrm>
+        </p:spPr>
+        <p:txBody>
+          <a:bodyPr>
+            <a:noAutofit/>
+          </a:bodyPr>
+          <a:lstStyle/>
+          <a:p>
+            <a:r>
+              <a:rPr kumimoji="1" lang="ja-JP" altLang="en-US" sz="4000" dirty="0" smtClean="0">
+                <a:latin typeface="HGS明朝E" panose="02020900000000000000" pitchFamily="18" charset="-128"/>
+                <a:ea typeface="HGS明朝E" panose="02020900000000000000" pitchFamily="18" charset="-128"/>
+              </a:rPr>
+              <a:t>ブース設計図</a:t>
+            </a:r>
+            <a:endParaRPr kumimoji="1" lang="ja-JP" altLang="en-US" sz="4000" dirty="0">
+              <a:latin typeface="HGS明朝E" panose="02020900000000000000" pitchFamily="18" charset="-128"/>
+              <a:ea typeface="HGS明朝E" panose="02020900000000000000" pitchFamily="18" charset="-128"/>
+            </a:endParaRPr>
+          </a:p>
+        </p:txBody>
+      </p:sp>
+      <p:pic>
+        <p:nvPicPr>
+          <p:cNvPr id="81" name="図 80"/>
+          <p:cNvPicPr>
+            <a:picLocks noChangeAspect="1"/>
+          </p:cNvPicPr>
+          <p:nvPr/>
+        </p:nvPicPr>
+        <p:blipFill>
+          <a:blip r:embed="rId2">
+            <a:extLst>
+              <a:ext uri="{28A0092B-C50C-407E-A947-70E740481C1C}">
+                <a14:useLocalDpi xmlns:a14="http://schemas.microsoft.com/office/drawing/2010/main" val="0"/>
+              </a:ext>
+            </a:extLst>
+          </a:blip>
+          <a:stretch>
+            <a:fillRect/>
+          </a:stretch>
+        </p:blipFill>
+        <p:spPr>
+          <a:xfrm>
+            <a:off x="469113" y="-33327"/>
+            <a:ext cx="2114755" cy="1572030"/>
+          </a:xfrm>
+          <a:prstGeom prst="rect">
+            <a:avLst/>
+          </a:prstGeom>
+        </p:spPr>
+      </p:pic>
+      <p:sp>
+        <p:nvSpPr>
+          <p:cNvPr id="47" name="正方形/長方形 46"/>
+          <p:cNvSpPr/>
+          <p:nvPr/>
+        </p:nvSpPr>
+        <p:spPr>
+          <a:xfrm>
+            <a:off x="142875" y="5793167"/>
+            <a:ext cx="6572250" cy="3816688"/>
+          </a:xfrm>
+          <a:prstGeom prst="rect">
+            <a:avLst/>
+          </a:prstGeom>
+          <a:solidFill>
+            <a:schemeClr val="bg1"/>
+          </a:solidFill>
+          <a:ln>
+            <a:solidFill>
+              <a:schemeClr val="tx1"/>
+            </a:solidFill>
+          </a:ln>
+        </p:spPr>
+        <p:style>
+          <a:lnRef idx="2">
+            <a:schemeClr val="accent1">
+              <a:shade val="50000"/>
+            </a:schemeClr>
+          </a:lnRef>
+          <a:fillRef idx="1">
+            <a:schemeClr val="accent1"/>
+          </a:fillRef>
+          <a:effectRef idx="0">
+            <a:schemeClr val="accent1"/>
+          </a:effectRef>
+          <a:fontRef idx="minor">
+            <a:schemeClr val="lt1"/>
+          </a:fontRef>
+        </p:style>
+        <p:txBody>
+          <a:bodyPr rtlCol="0" anchor="ctr"/>
+          <a:lstStyle/>
+          <a:p>
+            <a:pPr algn="ctr"/>
+            <a:endParaRPr kumimoji="1" lang="ja-JP" altLang="en-US"/>
+          </a:p>
+        </p:txBody>
+      </p:sp>
+      <p:sp>
+        <p:nvSpPr>
+          <p:cNvPr id="71" name="正方形/長方形 70"/>
+          <p:cNvSpPr/>
+          <p:nvPr/>
+        </p:nvSpPr>
+        <p:spPr>
+          <a:xfrm>
+            <a:off x="142875" y="1658460"/>
+            <a:ext cx="6572250" cy="3618389"/>
+          </a:xfrm>
+          <a:prstGeom prst="rect">
+            <a:avLst/>
+          </a:prstGeom>
+          <a:solidFill>
+            <a:schemeClr val="bg1"/>
+          </a:solidFill>
+          <a:ln>
+            <a:solidFill>
+              <a:schemeClr val="tx1"/>
+            </a:solidFill>
+          </a:ln>
+        </p:spPr>
+        <p:style>
+          <a:lnRef idx="2">
+            <a:schemeClr val="accent1">
+              <a:shade val="50000"/>
+            </a:schemeClr>
+          </a:lnRef>
+          <a:fillRef idx="1">
+            <a:schemeClr val="accent1"/>
+          </a:fillRef>
+          <a:effectRef idx="0">
+            <a:schemeClr val="accent1"/>
+          </a:effectRef>
+          <a:fontRef idx="minor">
+            <a:schemeClr val="lt1"/>
+          </a:fontRef>
+        </p:style>
+        <p:txBody>
+          <a:bodyPr rtlCol="0" anchor="ctr"/>
+          <a:lstStyle/>
+          <a:p>
+            <a:pPr algn="ctr"/>
+            <a:r>
+              <a:rPr kumimoji="1" lang="ja-JP" altLang="en-US" dirty="0" smtClean="0"/>
+              <a:t>あああ</a:t>
+            </a:r>
+            <a:endParaRPr kumimoji="1" lang="ja-JP" altLang="en-US" dirty="0"/>
+          </a:p>
+        </p:txBody>
+      </p:sp>
+      <p:sp>
+        <p:nvSpPr>
+          <p:cNvPr id="3" name="テキスト ボックス 2"/>
+          <p:cNvSpPr txBox="1"/>
+          <p:nvPr/>
+        </p:nvSpPr>
+        <p:spPr>
+          <a:xfrm>
+            <a:off x="374005" y="1691290"/>
+            <a:ext cx="1924050" cy="461665"/>
+          </a:xfrm>
+          <a:prstGeom prst="rect">
+            <a:avLst/>
+          </a:prstGeom>
+          <a:noFill/>
+        </p:spPr>
+        <p:txBody>
+          <a:bodyPr wrap="square" rtlCol="0">
+            <a:spAutoFit/>
+          </a:bodyPr>
+          <a:lstStyle/>
+          <a:p>
+            <a:r>
+              <a:rPr lang="ja-JP" altLang="en-US" sz="2400" dirty="0">
+                <a:latin typeface="HGS明朝E" panose="02020900000000000000" pitchFamily="18" charset="-128"/>
+                <a:ea typeface="HGS明朝E" panose="02020900000000000000" pitchFamily="18" charset="-128"/>
+              </a:rPr>
+              <a:t>装飾品</a:t>
+            </a:r>
+            <a:endParaRPr kumimoji="1" lang="ja-JP" altLang="en-US" sz="2400" dirty="0">
+              <a:latin typeface="HGS明朝E" panose="02020900000000000000" pitchFamily="18" charset="-128"/>
+              <a:ea typeface="HGS明朝E" panose="02020900000000000000" pitchFamily="18" charset="-128"/>
+            </a:endParaRPr>
+          </a:p>
+        </p:txBody>
+      </p:sp>
+      <p:sp>
+        <p:nvSpPr>
+          <p:cNvPr id="72" name="テキスト ボックス 71"/>
+          <p:cNvSpPr txBox="1"/>
+          <p:nvPr/>
+        </p:nvSpPr>
+        <p:spPr>
+          <a:xfrm>
+            <a:off x="247649" y="2374932"/>
+            <a:ext cx="5876925" cy="2677656"/>
+          </a:xfrm>
+          <a:prstGeom prst="rect">
+            <a:avLst/>
+          </a:prstGeom>
+          <a:noFill/>
+        </p:spPr>
+        <p:txBody>
+          <a:bodyPr wrap="square" rtlCol="0">
+            <a:spAutoFit/>
+          </a:bodyPr>
+          <a:lstStyle/>
+          <a:p>
+            <a:r>
+              <a:rPr lang="ja-JP" altLang="en-US" sz="2400" dirty="0" smtClean="0">
+                <a:latin typeface="HGS明朝E" panose="02020900000000000000" pitchFamily="18" charset="-128"/>
+                <a:ea typeface="HGS明朝E" panose="02020900000000000000" pitchFamily="18" charset="-128"/>
+              </a:rPr>
+              <a:t>･空き瓶のようなもの</a:t>
+            </a:r>
+            <a:r>
+              <a:rPr lang="en-US" altLang="ja-JP" sz="2400" dirty="0" smtClean="0">
+                <a:latin typeface="HGS明朝E" panose="02020900000000000000" pitchFamily="18" charset="-128"/>
+                <a:ea typeface="HGS明朝E" panose="02020900000000000000" pitchFamily="18" charset="-128"/>
+              </a:rPr>
+              <a:t>(</a:t>
+            </a:r>
+            <a:r>
+              <a:rPr lang="ja-JP" altLang="en-US" sz="2400" dirty="0" smtClean="0">
+                <a:latin typeface="HGS明朝E" panose="02020900000000000000" pitchFamily="18" charset="-128"/>
+                <a:ea typeface="HGS明朝E" panose="02020900000000000000" pitchFamily="18" charset="-128"/>
+              </a:rPr>
+              <a:t>プラスチック</a:t>
+            </a:r>
+            <a:r>
+              <a:rPr lang="ja-JP" altLang="en-US" sz="2400" dirty="0">
+                <a:latin typeface="HGS明朝E" panose="02020900000000000000" pitchFamily="18" charset="-128"/>
+                <a:ea typeface="HGS明朝E" panose="02020900000000000000" pitchFamily="18" charset="-128"/>
+              </a:rPr>
+              <a:t>製</a:t>
+            </a:r>
+            <a:r>
+              <a:rPr lang="en-US" altLang="ja-JP" sz="2400" dirty="0" smtClean="0">
+                <a:latin typeface="HGS明朝E" panose="02020900000000000000" pitchFamily="18" charset="-128"/>
+                <a:ea typeface="HGS明朝E" panose="02020900000000000000" pitchFamily="18" charset="-128"/>
+              </a:rPr>
+              <a:t>)</a:t>
+            </a:r>
+          </a:p>
+          <a:p>
+            <a:r>
+              <a:rPr kumimoji="1" lang="ja-JP" altLang="en-US" sz="2400" dirty="0" smtClean="0">
+                <a:latin typeface="HGS明朝E" panose="02020900000000000000" pitchFamily="18" charset="-128"/>
+                <a:ea typeface="HGS明朝E" panose="02020900000000000000" pitchFamily="18" charset="-128"/>
+              </a:rPr>
+              <a:t>･グラス</a:t>
+            </a:r>
+            <a:r>
+              <a:rPr kumimoji="1" lang="en-US" altLang="ja-JP" sz="2400" dirty="0" smtClean="0">
+                <a:latin typeface="HGS明朝E" panose="02020900000000000000" pitchFamily="18" charset="-128"/>
+                <a:ea typeface="HGS明朝E" panose="02020900000000000000" pitchFamily="18" charset="-128"/>
+              </a:rPr>
+              <a:t>(</a:t>
+            </a:r>
+            <a:r>
+              <a:rPr kumimoji="1" lang="ja-JP" altLang="en-US" sz="2400" dirty="0" smtClean="0">
+                <a:latin typeface="HGS明朝E" panose="02020900000000000000" pitchFamily="18" charset="-128"/>
+                <a:ea typeface="HGS明朝E" panose="02020900000000000000" pitchFamily="18" charset="-128"/>
+              </a:rPr>
+              <a:t>プラスチック製</a:t>
+            </a:r>
+            <a:r>
+              <a:rPr kumimoji="1" lang="en-US" altLang="ja-JP" sz="2400" dirty="0" smtClean="0">
+                <a:latin typeface="HGS明朝E" panose="02020900000000000000" pitchFamily="18" charset="-128"/>
+                <a:ea typeface="HGS明朝E" panose="02020900000000000000" pitchFamily="18" charset="-128"/>
+              </a:rPr>
+              <a:t>)</a:t>
+            </a:r>
+          </a:p>
+          <a:p>
+            <a:r>
+              <a:rPr kumimoji="1" lang="ja-JP" altLang="en-US" sz="2400" dirty="0" smtClean="0">
+                <a:latin typeface="HGS明朝E" panose="02020900000000000000" pitchFamily="18" charset="-128"/>
+                <a:ea typeface="HGS明朝E" panose="02020900000000000000" pitchFamily="18" charset="-128"/>
+              </a:rPr>
+              <a:t>･椅子にかけるユニフォーム</a:t>
+            </a:r>
+            <a:endParaRPr kumimoji="1" lang="en-US" altLang="ja-JP" sz="2400" dirty="0" smtClean="0">
+              <a:latin typeface="HGS明朝E" panose="02020900000000000000" pitchFamily="18" charset="-128"/>
+              <a:ea typeface="HGS明朝E" panose="02020900000000000000" pitchFamily="18" charset="-128"/>
+            </a:endParaRPr>
+          </a:p>
+          <a:p>
+            <a:r>
+              <a:rPr lang="ja-JP" altLang="en-US" sz="2400" dirty="0" smtClean="0">
+                <a:latin typeface="HGS明朝E" panose="02020900000000000000" pitchFamily="18" charset="-128"/>
+                <a:ea typeface="HGS明朝E" panose="02020900000000000000" pitchFamily="18" charset="-128"/>
+              </a:rPr>
+              <a:t>･メニュー</a:t>
+            </a:r>
+            <a:r>
+              <a:rPr lang="en-US" altLang="ja-JP" sz="2400" dirty="0" smtClean="0">
+                <a:latin typeface="HGS明朝E" panose="02020900000000000000" pitchFamily="18" charset="-128"/>
+                <a:ea typeface="HGS明朝E" panose="02020900000000000000" pitchFamily="18" charset="-128"/>
+              </a:rPr>
+              <a:t>(</a:t>
+            </a:r>
+            <a:r>
+              <a:rPr lang="ja-JP" altLang="en-US" sz="2400" dirty="0" smtClean="0">
+                <a:latin typeface="HGS明朝E" panose="02020900000000000000" pitchFamily="18" charset="-128"/>
+                <a:ea typeface="HGS明朝E" panose="02020900000000000000" pitchFamily="18" charset="-128"/>
+              </a:rPr>
+              <a:t>説明書</a:t>
+            </a:r>
+            <a:r>
+              <a:rPr lang="en-US" altLang="ja-JP" sz="2400" dirty="0" smtClean="0">
+                <a:latin typeface="HGS明朝E" panose="02020900000000000000" pitchFamily="18" charset="-128"/>
+                <a:ea typeface="HGS明朝E" panose="02020900000000000000" pitchFamily="18" charset="-128"/>
+              </a:rPr>
+              <a:t>)</a:t>
+            </a:r>
+          </a:p>
+          <a:p>
+            <a:r>
+              <a:rPr kumimoji="1" lang="ja-JP" altLang="en-US" sz="2400" dirty="0" smtClean="0">
+                <a:latin typeface="HGS明朝E" panose="02020900000000000000" pitchFamily="18" charset="-128"/>
+                <a:ea typeface="HGS明朝E" panose="02020900000000000000" pitchFamily="18" charset="-128"/>
+              </a:rPr>
+              <a:t>･造花</a:t>
+            </a:r>
+            <a:endParaRPr kumimoji="1" lang="en-US" altLang="ja-JP" sz="2400" dirty="0" smtClean="0">
+              <a:latin typeface="HGS明朝E" panose="02020900000000000000" pitchFamily="18" charset="-128"/>
+              <a:ea typeface="HGS明朝E" panose="02020900000000000000" pitchFamily="18" charset="-128"/>
+            </a:endParaRPr>
+          </a:p>
+          <a:p>
+            <a:r>
+              <a:rPr lang="ja-JP" altLang="en-US" sz="2400" dirty="0" smtClean="0">
+                <a:latin typeface="HGS明朝E" panose="02020900000000000000" pitchFamily="18" charset="-128"/>
+                <a:ea typeface="HGS明朝E" panose="02020900000000000000" pitchFamily="18" charset="-128"/>
+              </a:rPr>
+              <a:t>･小さい冷蔵庫</a:t>
+            </a:r>
+            <a:r>
+              <a:rPr lang="en-US" altLang="ja-JP" sz="2400" dirty="0" smtClean="0">
+                <a:latin typeface="HGS明朝E" panose="02020900000000000000" pitchFamily="18" charset="-128"/>
+                <a:ea typeface="HGS明朝E" panose="02020900000000000000" pitchFamily="18" charset="-128"/>
+              </a:rPr>
+              <a:t>(</a:t>
+            </a:r>
+            <a:r>
+              <a:rPr lang="ja-JP" altLang="en-US" sz="2400" dirty="0" smtClean="0">
+                <a:latin typeface="HGS明朝E" panose="02020900000000000000" pitchFamily="18" charset="-128"/>
+                <a:ea typeface="HGS明朝E" panose="02020900000000000000" pitchFamily="18" charset="-128"/>
+              </a:rPr>
+              <a:t>段ボール</a:t>
+            </a:r>
+            <a:r>
+              <a:rPr lang="en-US" altLang="ja-JP" sz="2400" dirty="0" smtClean="0">
+                <a:latin typeface="HGS明朝E" panose="02020900000000000000" pitchFamily="18" charset="-128"/>
+                <a:ea typeface="HGS明朝E" panose="02020900000000000000" pitchFamily="18" charset="-128"/>
+              </a:rPr>
+              <a:t>)</a:t>
+            </a:r>
+          </a:p>
+          <a:p>
+            <a:r>
+              <a:rPr kumimoji="1" lang="ja-JP" altLang="en-US" sz="2400" dirty="0" smtClean="0">
+                <a:latin typeface="HGS明朝E" panose="02020900000000000000" pitchFamily="18" charset="-128"/>
+                <a:ea typeface="HGS明朝E" panose="02020900000000000000" pitchFamily="18" charset="-128"/>
+              </a:rPr>
+              <a:t>･テーブルクロス</a:t>
+            </a:r>
+            <a:endParaRPr kumimoji="1" lang="ja-JP" altLang="en-US" sz="2400" dirty="0">
+              <a:latin typeface="HGS明朝E" panose="02020900000000000000" pitchFamily="18" charset="-128"/>
+              <a:ea typeface="HGS明朝E" panose="02020900000000000000" pitchFamily="18" charset="-128"/>
+            </a:endParaRPr>
+          </a:p>
+        </p:txBody>
+      </p:sp>
+      <p:cxnSp>
+        <p:nvCxnSpPr>
+          <p:cNvPr id="8" name="直線コネクタ 7"/>
+          <p:cNvCxnSpPr/>
+          <p:nvPr/>
+        </p:nvCxnSpPr>
+        <p:spPr>
+          <a:xfrm>
+            <a:off x="247650" y="2212834"/>
+            <a:ext cx="6324600" cy="0"/>
+          </a:xfrm>
+          <a:prstGeom prst="line">
+            <a:avLst/>
+          </a:prstGeom>
+          <a:ln>
+            <a:solidFill>
+              <a:schemeClr val="tx1"/>
+            </a:solidFill>
+          </a:ln>
+        </p:spPr>
+        <p:style>
+          <a:lnRef idx="1">
+            <a:schemeClr val="accent1"/>
+          </a:lnRef>
+          <a:fillRef idx="0">
+            <a:schemeClr val="accent1"/>
+          </a:fillRef>
+          <a:effectRef idx="0">
+            <a:schemeClr val="accent1"/>
+          </a:effectRef>
+          <a:fontRef idx="minor">
+            <a:schemeClr val="tx1"/>
+          </a:fontRef>
+        </p:style>
+      </p:cxnSp>
+      <p:sp>
+        <p:nvSpPr>
+          <p:cNvPr id="74" name="テキスト ボックス 73"/>
+          <p:cNvSpPr txBox="1"/>
+          <p:nvPr/>
+        </p:nvSpPr>
+        <p:spPr>
+          <a:xfrm>
+            <a:off x="374005" y="5866452"/>
+            <a:ext cx="1924050" cy="461665"/>
+          </a:xfrm>
+          <a:prstGeom prst="rect">
+            <a:avLst/>
+          </a:prstGeom>
+          <a:noFill/>
+        </p:spPr>
+        <p:txBody>
+          <a:bodyPr wrap="square" rtlCol="0">
+            <a:spAutoFit/>
+          </a:bodyPr>
+          <a:lstStyle/>
+          <a:p>
+            <a:r>
+              <a:rPr lang="ja-JP" altLang="en-US" sz="2400" dirty="0" smtClean="0">
+                <a:latin typeface="HGS明朝E" panose="02020900000000000000" pitchFamily="18" charset="-128"/>
+                <a:ea typeface="HGS明朝E" panose="02020900000000000000" pitchFamily="18" charset="-128"/>
+              </a:rPr>
+              <a:t>機材</a:t>
+            </a:r>
+            <a:endParaRPr kumimoji="1" lang="ja-JP" altLang="en-US" sz="2400" dirty="0">
+              <a:latin typeface="HGS明朝E" panose="02020900000000000000" pitchFamily="18" charset="-128"/>
+              <a:ea typeface="HGS明朝E" panose="02020900000000000000" pitchFamily="18" charset="-128"/>
+            </a:endParaRPr>
+          </a:p>
+        </p:txBody>
+      </p:sp>
+      <p:cxnSp>
+        <p:nvCxnSpPr>
+          <p:cNvPr id="75" name="直線コネクタ 74"/>
+          <p:cNvCxnSpPr/>
+          <p:nvPr/>
+        </p:nvCxnSpPr>
+        <p:spPr>
+          <a:xfrm>
+            <a:off x="247650" y="6387996"/>
+            <a:ext cx="6324600" cy="0"/>
+          </a:xfrm>
+          <a:prstGeom prst="line">
+            <a:avLst/>
+          </a:prstGeom>
+          <a:ln>
+            <a:solidFill>
+              <a:schemeClr val="tx1"/>
+            </a:solidFill>
+          </a:ln>
+        </p:spPr>
+        <p:style>
+          <a:lnRef idx="1">
+            <a:schemeClr val="accent1"/>
+          </a:lnRef>
+          <a:fillRef idx="0">
+            <a:schemeClr val="accent1"/>
+          </a:fillRef>
+          <a:effectRef idx="0">
+            <a:schemeClr val="accent1"/>
+          </a:effectRef>
+          <a:fontRef idx="minor">
+            <a:schemeClr val="tx1"/>
+          </a:fontRef>
+        </p:style>
+      </p:cxnSp>
+      <p:sp>
+        <p:nvSpPr>
+          <p:cNvPr id="76" name="テキスト ボックス 75"/>
+          <p:cNvSpPr txBox="1"/>
+          <p:nvPr/>
+        </p:nvSpPr>
+        <p:spPr>
+          <a:xfrm>
+            <a:off x="247649" y="6547349"/>
+            <a:ext cx="4747262" cy="2677656"/>
+          </a:xfrm>
+          <a:prstGeom prst="rect">
+            <a:avLst/>
+          </a:prstGeom>
+          <a:noFill/>
+        </p:spPr>
+        <p:txBody>
+          <a:bodyPr wrap="square" rtlCol="0">
+            <a:spAutoFit/>
+          </a:bodyPr>
+          <a:lstStyle/>
+          <a:p>
+            <a:r>
+              <a:rPr lang="ja-JP" altLang="en-US" sz="2400" dirty="0" smtClean="0">
+                <a:latin typeface="HGS明朝E" panose="02020900000000000000" pitchFamily="18" charset="-128"/>
+                <a:ea typeface="HGS明朝E" panose="02020900000000000000" pitchFamily="18" charset="-128"/>
+              </a:rPr>
+              <a:t>･モニタ</a:t>
+            </a:r>
+            <a:r>
+              <a:rPr lang="en-US" altLang="ja-JP" sz="2400" dirty="0" smtClean="0">
+                <a:latin typeface="HGS明朝E" panose="02020900000000000000" pitchFamily="18" charset="-128"/>
+                <a:ea typeface="HGS明朝E" panose="02020900000000000000" pitchFamily="18" charset="-128"/>
+              </a:rPr>
+              <a:t>(</a:t>
+            </a:r>
+            <a:r>
+              <a:rPr lang="ja-JP" altLang="en-US" sz="2400" dirty="0">
+                <a:latin typeface="HGS明朝E" panose="02020900000000000000" pitchFamily="18" charset="-128"/>
+                <a:ea typeface="HGS明朝E" panose="02020900000000000000" pitchFamily="18" charset="-128"/>
+              </a:rPr>
+              <a:t>大</a:t>
+            </a:r>
+            <a:r>
+              <a:rPr lang="en-US" altLang="ja-JP" sz="2400" dirty="0" smtClean="0">
+                <a:latin typeface="HGS明朝E" panose="02020900000000000000" pitchFamily="18" charset="-128"/>
+                <a:ea typeface="HGS明朝E" panose="02020900000000000000" pitchFamily="18" charset="-128"/>
+              </a:rPr>
+              <a:t>)			1</a:t>
+            </a:r>
+            <a:r>
+              <a:rPr lang="ja-JP" altLang="en-US" sz="2400" dirty="0" smtClean="0">
+                <a:latin typeface="HGS明朝E" panose="02020900000000000000" pitchFamily="18" charset="-128"/>
+                <a:ea typeface="HGS明朝E" panose="02020900000000000000" pitchFamily="18" charset="-128"/>
+              </a:rPr>
+              <a:t>台</a:t>
+            </a:r>
+            <a:endParaRPr lang="en-US" altLang="ja-JP" sz="2400" dirty="0" smtClean="0">
+              <a:latin typeface="HGS明朝E" panose="02020900000000000000" pitchFamily="18" charset="-128"/>
+              <a:ea typeface="HGS明朝E" panose="02020900000000000000" pitchFamily="18" charset="-128"/>
+            </a:endParaRPr>
+          </a:p>
+          <a:p>
+            <a:r>
+              <a:rPr lang="ja-JP" altLang="en-US" sz="2400" dirty="0">
+                <a:latin typeface="HGS明朝E" panose="02020900000000000000" pitchFamily="18" charset="-128"/>
+                <a:ea typeface="HGS明朝E" panose="02020900000000000000" pitchFamily="18" charset="-128"/>
+              </a:rPr>
+              <a:t>･モニタ</a:t>
+            </a:r>
+            <a:r>
+              <a:rPr lang="en-US" altLang="ja-JP" sz="2400" dirty="0" smtClean="0">
+                <a:latin typeface="HGS明朝E" panose="02020900000000000000" pitchFamily="18" charset="-128"/>
+                <a:ea typeface="HGS明朝E" panose="02020900000000000000" pitchFamily="18" charset="-128"/>
+              </a:rPr>
+              <a:t>(</a:t>
+            </a:r>
+            <a:r>
+              <a:rPr lang="ja-JP" altLang="en-US" sz="2400" dirty="0" smtClean="0">
+                <a:latin typeface="HGS明朝E" panose="02020900000000000000" pitchFamily="18" charset="-128"/>
+                <a:ea typeface="HGS明朝E" panose="02020900000000000000" pitchFamily="18" charset="-128"/>
+              </a:rPr>
+              <a:t>特大</a:t>
+            </a:r>
+            <a:r>
+              <a:rPr lang="en-US" altLang="ja-JP" sz="2400" dirty="0" smtClean="0">
+                <a:latin typeface="HGS明朝E" panose="02020900000000000000" pitchFamily="18" charset="-128"/>
+                <a:ea typeface="HGS明朝E" panose="02020900000000000000" pitchFamily="18" charset="-128"/>
+              </a:rPr>
+              <a:t>)		1</a:t>
+            </a:r>
+            <a:r>
+              <a:rPr lang="ja-JP" altLang="en-US" sz="2400" dirty="0" smtClean="0">
+                <a:latin typeface="HGS明朝E" panose="02020900000000000000" pitchFamily="18" charset="-128"/>
+                <a:ea typeface="HGS明朝E" panose="02020900000000000000" pitchFamily="18" charset="-128"/>
+              </a:rPr>
+              <a:t>台</a:t>
+            </a:r>
+            <a:endParaRPr lang="en-US" altLang="ja-JP" sz="2400" dirty="0" smtClean="0">
+              <a:latin typeface="HGS明朝E" panose="02020900000000000000" pitchFamily="18" charset="-128"/>
+              <a:ea typeface="HGS明朝E" panose="02020900000000000000" pitchFamily="18" charset="-128"/>
+            </a:endParaRPr>
+          </a:p>
+          <a:p>
+            <a:r>
+              <a:rPr kumimoji="1" lang="ja-JP" altLang="en-US" sz="2400" dirty="0" smtClean="0">
+                <a:latin typeface="HGS明朝E" panose="02020900000000000000" pitchFamily="18" charset="-128"/>
+                <a:ea typeface="HGS明朝E" panose="02020900000000000000" pitchFamily="18" charset="-128"/>
+              </a:rPr>
+              <a:t>･アケコン</a:t>
+            </a:r>
+            <a:r>
+              <a:rPr kumimoji="1" lang="en-US" altLang="ja-JP" sz="2400" dirty="0" smtClean="0">
+                <a:latin typeface="HGS明朝E" panose="02020900000000000000" pitchFamily="18" charset="-128"/>
+                <a:ea typeface="HGS明朝E" panose="02020900000000000000" pitchFamily="18" charset="-128"/>
+              </a:rPr>
+              <a:t>			4</a:t>
+            </a:r>
+            <a:r>
+              <a:rPr kumimoji="1" lang="ja-JP" altLang="en-US" sz="2400" dirty="0" smtClean="0">
+                <a:latin typeface="HGS明朝E" panose="02020900000000000000" pitchFamily="18" charset="-128"/>
+                <a:ea typeface="HGS明朝E" panose="02020900000000000000" pitchFamily="18" charset="-128"/>
+              </a:rPr>
+              <a:t>台</a:t>
+            </a:r>
+            <a:endParaRPr kumimoji="1" lang="en-US" altLang="ja-JP" sz="2400" dirty="0" smtClean="0">
+              <a:latin typeface="HGS明朝E" panose="02020900000000000000" pitchFamily="18" charset="-128"/>
+              <a:ea typeface="HGS明朝E" panose="02020900000000000000" pitchFamily="18" charset="-128"/>
+            </a:endParaRPr>
+          </a:p>
+          <a:p>
+            <a:r>
+              <a:rPr kumimoji="1" lang="ja-JP" altLang="en-US" sz="2400" dirty="0" smtClean="0">
+                <a:latin typeface="HGS明朝E" panose="02020900000000000000" pitchFamily="18" charset="-128"/>
+                <a:ea typeface="HGS明朝E" panose="02020900000000000000" pitchFamily="18" charset="-128"/>
+              </a:rPr>
+              <a:t>･パソコン</a:t>
+            </a:r>
+            <a:r>
+              <a:rPr kumimoji="1" lang="en-US" altLang="ja-JP" sz="2400" dirty="0" smtClean="0">
+                <a:latin typeface="HGS明朝E" panose="02020900000000000000" pitchFamily="18" charset="-128"/>
+                <a:ea typeface="HGS明朝E" panose="02020900000000000000" pitchFamily="18" charset="-128"/>
+              </a:rPr>
+              <a:t>			1</a:t>
+            </a:r>
+            <a:r>
+              <a:rPr kumimoji="1" lang="ja-JP" altLang="en-US" sz="2400" dirty="0" smtClean="0">
+                <a:latin typeface="HGS明朝E" panose="02020900000000000000" pitchFamily="18" charset="-128"/>
+                <a:ea typeface="HGS明朝E" panose="02020900000000000000" pitchFamily="18" charset="-128"/>
+              </a:rPr>
+              <a:t>台</a:t>
+            </a:r>
+            <a:endParaRPr kumimoji="1" lang="en-US" altLang="ja-JP" sz="2400" dirty="0" smtClean="0">
+              <a:latin typeface="HGS明朝E" panose="02020900000000000000" pitchFamily="18" charset="-128"/>
+              <a:ea typeface="HGS明朝E" panose="02020900000000000000" pitchFamily="18" charset="-128"/>
+            </a:endParaRPr>
+          </a:p>
+          <a:p>
+            <a:r>
+              <a:rPr lang="ja-JP" altLang="en-US" sz="2400" dirty="0" smtClean="0">
+                <a:latin typeface="HGS明朝E" panose="02020900000000000000" pitchFamily="18" charset="-128"/>
+                <a:ea typeface="HGS明朝E" panose="02020900000000000000" pitchFamily="18" charset="-128"/>
+              </a:rPr>
+              <a:t>･</a:t>
+            </a:r>
+            <a:r>
+              <a:rPr lang="en-US" altLang="ja-JP" sz="2400" dirty="0" smtClean="0">
+                <a:latin typeface="HGS明朝E" panose="02020900000000000000" pitchFamily="18" charset="-128"/>
+                <a:ea typeface="HGS明朝E" panose="02020900000000000000" pitchFamily="18" charset="-128"/>
+              </a:rPr>
+              <a:t>USB</a:t>
+            </a:r>
+            <a:r>
+              <a:rPr lang="ja-JP" altLang="en-US" sz="2400" dirty="0" smtClean="0">
+                <a:latin typeface="HGS明朝E" panose="02020900000000000000" pitchFamily="18" charset="-128"/>
+                <a:ea typeface="HGS明朝E" panose="02020900000000000000" pitchFamily="18" charset="-128"/>
+              </a:rPr>
+              <a:t>ハブ</a:t>
+            </a:r>
+            <a:r>
+              <a:rPr lang="en-US" altLang="ja-JP" sz="2400" dirty="0" smtClean="0">
+                <a:latin typeface="HGS明朝E" panose="02020900000000000000" pitchFamily="18" charset="-128"/>
+                <a:ea typeface="HGS明朝E" panose="02020900000000000000" pitchFamily="18" charset="-128"/>
+              </a:rPr>
+              <a:t>			2</a:t>
+            </a:r>
+            <a:r>
+              <a:rPr lang="ja-JP" altLang="en-US" sz="2400" dirty="0" smtClean="0">
+                <a:latin typeface="HGS明朝E" panose="02020900000000000000" pitchFamily="18" charset="-128"/>
+                <a:ea typeface="HGS明朝E" panose="02020900000000000000" pitchFamily="18" charset="-128"/>
+              </a:rPr>
+              <a:t>個</a:t>
+            </a:r>
+            <a:endParaRPr lang="en-US" altLang="ja-JP" sz="2400" dirty="0" smtClean="0">
+              <a:latin typeface="HGS明朝E" panose="02020900000000000000" pitchFamily="18" charset="-128"/>
+              <a:ea typeface="HGS明朝E" panose="02020900000000000000" pitchFamily="18" charset="-128"/>
+            </a:endParaRPr>
+          </a:p>
+          <a:p>
+            <a:r>
+              <a:rPr kumimoji="1" lang="ja-JP" altLang="en-US" sz="2400" dirty="0" smtClean="0">
+                <a:latin typeface="HGS明朝E" panose="02020900000000000000" pitchFamily="18" charset="-128"/>
+                <a:ea typeface="HGS明朝E" panose="02020900000000000000" pitchFamily="18" charset="-128"/>
+              </a:rPr>
+              <a:t>･予備コントローラー</a:t>
+            </a:r>
+            <a:r>
+              <a:rPr kumimoji="1" lang="en-US" altLang="ja-JP" sz="2400" dirty="0" smtClean="0">
+                <a:latin typeface="HGS明朝E" panose="02020900000000000000" pitchFamily="18" charset="-128"/>
+                <a:ea typeface="HGS明朝E" panose="02020900000000000000" pitchFamily="18" charset="-128"/>
+              </a:rPr>
+              <a:t>	4</a:t>
+            </a:r>
+            <a:r>
+              <a:rPr kumimoji="1" lang="ja-JP" altLang="en-US" sz="2400" dirty="0" smtClean="0">
+                <a:latin typeface="HGS明朝E" panose="02020900000000000000" pitchFamily="18" charset="-128"/>
+                <a:ea typeface="HGS明朝E" panose="02020900000000000000" pitchFamily="18" charset="-128"/>
+              </a:rPr>
+              <a:t>台</a:t>
+            </a:r>
+            <a:endParaRPr kumimoji="1" lang="en-US" altLang="ja-JP" sz="2400" dirty="0" smtClean="0">
+              <a:latin typeface="HGS明朝E" panose="02020900000000000000" pitchFamily="18" charset="-128"/>
+              <a:ea typeface="HGS明朝E" panose="02020900000000000000" pitchFamily="18" charset="-128"/>
+            </a:endParaRPr>
+          </a:p>
+          <a:p>
+            <a:r>
+              <a:rPr lang="ja-JP" altLang="en-US" sz="2400" dirty="0" smtClean="0">
+                <a:latin typeface="HGS明朝E" panose="02020900000000000000" pitchFamily="18" charset="-128"/>
+                <a:ea typeface="HGS明朝E" panose="02020900000000000000" pitchFamily="18" charset="-128"/>
+              </a:rPr>
+              <a:t>･</a:t>
+            </a:r>
+            <a:r>
+              <a:rPr lang="en-US" altLang="ja-JP" sz="2400" dirty="0" smtClean="0">
+                <a:latin typeface="HGS明朝E" panose="02020900000000000000" pitchFamily="18" charset="-128"/>
+                <a:ea typeface="HGS明朝E" panose="02020900000000000000" pitchFamily="18" charset="-128"/>
+              </a:rPr>
+              <a:t>Web</a:t>
+            </a:r>
+            <a:r>
+              <a:rPr lang="ja-JP" altLang="en-US" sz="2400" dirty="0" smtClean="0">
+                <a:latin typeface="HGS明朝E" panose="02020900000000000000" pitchFamily="18" charset="-128"/>
+                <a:ea typeface="HGS明朝E" panose="02020900000000000000" pitchFamily="18" charset="-128"/>
+              </a:rPr>
+              <a:t>カメラ</a:t>
+            </a:r>
+            <a:r>
+              <a:rPr lang="en-US" altLang="ja-JP" sz="2400" dirty="0" smtClean="0">
+                <a:latin typeface="HGS明朝E" panose="02020900000000000000" pitchFamily="18" charset="-128"/>
+                <a:ea typeface="HGS明朝E" panose="02020900000000000000" pitchFamily="18" charset="-128"/>
+              </a:rPr>
+              <a:t>(</a:t>
+            </a:r>
+            <a:r>
+              <a:rPr lang="ja-JP" altLang="en-US" sz="2400" dirty="0" smtClean="0">
+                <a:latin typeface="HGS明朝E" panose="02020900000000000000" pitchFamily="18" charset="-128"/>
+                <a:ea typeface="HGS明朝E" panose="02020900000000000000" pitchFamily="18" charset="-128"/>
+              </a:rPr>
+              <a:t>購入未定</a:t>
+            </a:r>
+            <a:r>
+              <a:rPr lang="en-US" altLang="ja-JP" sz="2400" dirty="0" smtClean="0">
+                <a:latin typeface="HGS明朝E" panose="02020900000000000000" pitchFamily="18" charset="-128"/>
+                <a:ea typeface="HGS明朝E" panose="02020900000000000000" pitchFamily="18" charset="-128"/>
+              </a:rPr>
+              <a:t>)</a:t>
+            </a:r>
+            <a:r>
+              <a:rPr lang="en-US" altLang="ja-JP" sz="2400" dirty="0">
+                <a:latin typeface="HGS明朝E" panose="02020900000000000000" pitchFamily="18" charset="-128"/>
+                <a:ea typeface="HGS明朝E" panose="02020900000000000000" pitchFamily="18" charset="-128"/>
+              </a:rPr>
+              <a:t> </a:t>
+            </a:r>
+            <a:r>
+              <a:rPr lang="en-US" altLang="ja-JP" sz="2400" dirty="0" smtClean="0">
+                <a:latin typeface="HGS明朝E" panose="02020900000000000000" pitchFamily="18" charset="-128"/>
+                <a:ea typeface="HGS明朝E" panose="02020900000000000000" pitchFamily="18" charset="-128"/>
+              </a:rPr>
+              <a:t>	4</a:t>
+            </a:r>
+            <a:r>
+              <a:rPr lang="ja-JP" altLang="en-US" sz="2400" dirty="0">
+                <a:latin typeface="HGS明朝E" panose="02020900000000000000" pitchFamily="18" charset="-128"/>
+                <a:ea typeface="HGS明朝E" panose="02020900000000000000" pitchFamily="18" charset="-128"/>
+              </a:rPr>
+              <a:t>台</a:t>
+            </a:r>
+            <a:endParaRPr kumimoji="1" lang="ja-JP" altLang="en-US" sz="2400" dirty="0">
+              <a:latin typeface="HGS明朝E" panose="02020900000000000000" pitchFamily="18" charset="-128"/>
+              <a:ea typeface="HGS明朝E" panose="02020900000000000000" pitchFamily="18" charset="-128"/>
+            </a:endParaRPr>
+          </a:p>
+        </p:txBody>
+      </p:sp>
+    </p:spTree>
+    <p:extLst>
+      <p:ext uri="{BB962C8B-B14F-4D97-AF65-F5344CB8AC3E}">
+        <p14:creationId xmlns:p14="http://schemas.microsoft.com/office/powerpoint/2010/main" val="304237367"/>
+      </p:ext>
+    </p:extLst>
+  </p:cSld>
+  <p:clrMapOvr>
+    <a:masterClrMapping/>
+  </p:clrMapOvr>
+  <p:timing>
+    <p:tnLst>
+      <p:par>
+        <p:cTn id="1" dur="indefinite" restart="never" nodeType="tmRoot"/>
+      </p:par>
+    </p:tnLst>
+  </p:timing>
 </p:sld>
 </file>
 

--- a/ブース設計図/ブース設計図.pptx
+++ b/ブース設計図/ブース設計図.pptx
@@ -7,6 +7,8 @@
   <p:sldIdLst>
     <p:sldId id="256" r:id="rId2"/>
     <p:sldId id="258" r:id="rId3"/>
+    <p:sldId id="259" r:id="rId4"/>
+    <p:sldId id="260" r:id="rId5"/>
   </p:sldIdLst>
   <p:sldSz cx="6858000" cy="9906000" type="A4"/>
   <p:notesSz cx="6858000" cy="9144000"/>
@@ -244,7 +246,7 @@
           <a:p>
             <a:fld id="{3C65786E-3F88-4773-8ADE-C5710A5FBB27}" type="datetimeFigureOut">
               <a:rPr kumimoji="1" lang="ja-JP" altLang="en-US" smtClean="0"/>
-              <a:t>2019/10/8</a:t>
+              <a:t>2019/10/9</a:t>
             </a:fld>
             <a:endParaRPr kumimoji="1" lang="ja-JP" altLang="en-US"/>
           </a:p>
@@ -446,7 +448,7 @@
           <a:p>
             <a:fld id="{3C65786E-3F88-4773-8ADE-C5710A5FBB27}" type="datetimeFigureOut">
               <a:rPr kumimoji="1" lang="ja-JP" altLang="en-US" smtClean="0"/>
-              <a:t>2019/10/8</a:t>
+              <a:t>2019/10/9</a:t>
             </a:fld>
             <a:endParaRPr kumimoji="1" lang="ja-JP" altLang="en-US"/>
           </a:p>
@@ -658,7 +660,7 @@
           <a:p>
             <a:fld id="{3C65786E-3F88-4773-8ADE-C5710A5FBB27}" type="datetimeFigureOut">
               <a:rPr kumimoji="1" lang="ja-JP" altLang="en-US" smtClean="0"/>
-              <a:t>2019/10/8</a:t>
+              <a:t>2019/10/9</a:t>
             </a:fld>
             <a:endParaRPr kumimoji="1" lang="ja-JP" altLang="en-US"/>
           </a:p>
@@ -860,7 +862,7 @@
           <a:p>
             <a:fld id="{3C65786E-3F88-4773-8ADE-C5710A5FBB27}" type="datetimeFigureOut">
               <a:rPr kumimoji="1" lang="ja-JP" altLang="en-US" smtClean="0"/>
-              <a:t>2019/10/8</a:t>
+              <a:t>2019/10/9</a:t>
             </a:fld>
             <a:endParaRPr kumimoji="1" lang="ja-JP" altLang="en-US"/>
           </a:p>
@@ -1104,7 +1106,7 @@
           <a:p>
             <a:fld id="{3C65786E-3F88-4773-8ADE-C5710A5FBB27}" type="datetimeFigureOut">
               <a:rPr kumimoji="1" lang="ja-JP" altLang="en-US" smtClean="0"/>
-              <a:t>2019/10/8</a:t>
+              <a:t>2019/10/9</a:t>
             </a:fld>
             <a:endParaRPr kumimoji="1" lang="ja-JP" altLang="en-US"/>
           </a:p>
@@ -1400,7 +1402,7 @@
           <a:p>
             <a:fld id="{3C65786E-3F88-4773-8ADE-C5710A5FBB27}" type="datetimeFigureOut">
               <a:rPr kumimoji="1" lang="ja-JP" altLang="en-US" smtClean="0"/>
-              <a:t>2019/10/8</a:t>
+              <a:t>2019/10/9</a:t>
             </a:fld>
             <a:endParaRPr kumimoji="1" lang="ja-JP" altLang="en-US"/>
           </a:p>
@@ -1831,7 +1833,7 @@
           <a:p>
             <a:fld id="{3C65786E-3F88-4773-8ADE-C5710A5FBB27}" type="datetimeFigureOut">
               <a:rPr kumimoji="1" lang="ja-JP" altLang="en-US" smtClean="0"/>
-              <a:t>2019/10/8</a:t>
+              <a:t>2019/10/9</a:t>
             </a:fld>
             <a:endParaRPr kumimoji="1" lang="ja-JP" altLang="en-US"/>
           </a:p>
@@ -1949,7 +1951,7 @@
           <a:p>
             <a:fld id="{3C65786E-3F88-4773-8ADE-C5710A5FBB27}" type="datetimeFigureOut">
               <a:rPr kumimoji="1" lang="ja-JP" altLang="en-US" smtClean="0"/>
-              <a:t>2019/10/8</a:t>
+              <a:t>2019/10/9</a:t>
             </a:fld>
             <a:endParaRPr kumimoji="1" lang="ja-JP" altLang="en-US"/>
           </a:p>
@@ -2044,7 +2046,7 @@
           <a:p>
             <a:fld id="{3C65786E-3F88-4773-8ADE-C5710A5FBB27}" type="datetimeFigureOut">
               <a:rPr kumimoji="1" lang="ja-JP" altLang="en-US" smtClean="0"/>
-              <a:t>2019/10/8</a:t>
+              <a:t>2019/10/9</a:t>
             </a:fld>
             <a:endParaRPr kumimoji="1" lang="ja-JP" altLang="en-US"/>
           </a:p>
@@ -2353,7 +2355,7 @@
           <a:p>
             <a:fld id="{3C65786E-3F88-4773-8ADE-C5710A5FBB27}" type="datetimeFigureOut">
               <a:rPr kumimoji="1" lang="ja-JP" altLang="en-US" smtClean="0"/>
-              <a:t>2019/10/8</a:t>
+              <a:t>2019/10/9</a:t>
             </a:fld>
             <a:endParaRPr kumimoji="1" lang="ja-JP" altLang="en-US"/>
           </a:p>
@@ -2610,7 +2612,7 @@
           <a:p>
             <a:fld id="{3C65786E-3F88-4773-8ADE-C5710A5FBB27}" type="datetimeFigureOut">
               <a:rPr kumimoji="1" lang="ja-JP" altLang="en-US" smtClean="0"/>
-              <a:t>2019/10/8</a:t>
+              <a:t>2019/10/9</a:t>
             </a:fld>
             <a:endParaRPr kumimoji="1" lang="ja-JP" altLang="en-US"/>
           </a:p>
@@ -2855,7 +2857,7 @@
           <a:p>
             <a:fld id="{3C65786E-3F88-4773-8ADE-C5710A5FBB27}" type="datetimeFigureOut">
               <a:rPr kumimoji="1" lang="ja-JP" altLang="en-US" smtClean="0"/>
-              <a:t>2019/10/8</a:t>
+              <a:t>2019/10/9</a:t>
             </a:fld>
             <a:endParaRPr kumimoji="1" lang="ja-JP" altLang="en-US"/>
           </a:p>
@@ -3304,8 +3306,8 @@
         </p:nvSpPr>
         <p:spPr>
           <a:xfrm>
-            <a:off x="142875" y="5069267"/>
-            <a:ext cx="6572250" cy="3816688"/>
+            <a:off x="142875" y="5069266"/>
+            <a:ext cx="6572250" cy="4102351"/>
           </a:xfrm>
           <a:prstGeom prst="rect">
             <a:avLst/>
@@ -3389,757 +3391,6 @@
           <a:p>
             <a:pPr algn="ctr"/>
             <a:endParaRPr kumimoji="1" lang="ja-JP" altLang="en-US"/>
-          </a:p>
-        </p:txBody>
-      </p:sp>
-      <p:sp>
-        <p:nvSpPr>
-          <p:cNvPr id="6" name="正方形/長方形 5"/>
-          <p:cNvSpPr/>
-          <p:nvPr/>
-        </p:nvSpPr>
-        <p:spPr>
-          <a:xfrm rot="5400000">
-            <a:off x="4390179" y="7018350"/>
-            <a:ext cx="2228850" cy="588463"/>
-          </a:xfrm>
-          <a:prstGeom prst="rect">
-            <a:avLst/>
-          </a:prstGeom>
-          <a:solidFill>
-            <a:schemeClr val="bg1"/>
-          </a:solidFill>
-          <a:ln>
-            <a:solidFill>
-              <a:schemeClr val="tx1"/>
-            </a:solidFill>
-          </a:ln>
-        </p:spPr>
-        <p:style>
-          <a:lnRef idx="2">
-            <a:schemeClr val="accent1">
-              <a:shade val="50000"/>
-            </a:schemeClr>
-          </a:lnRef>
-          <a:fillRef idx="1">
-            <a:schemeClr val="accent1"/>
-          </a:fillRef>
-          <a:effectRef idx="0">
-            <a:schemeClr val="accent1"/>
-          </a:effectRef>
-          <a:fontRef idx="minor">
-            <a:schemeClr val="lt1"/>
-          </a:fontRef>
-        </p:style>
-        <p:txBody>
-          <a:bodyPr rtlCol="0" anchor="ctr"/>
-          <a:lstStyle/>
-          <a:p>
-            <a:pPr algn="ctr"/>
-            <a:endParaRPr kumimoji="1" lang="ja-JP" altLang="en-US"/>
-          </a:p>
-        </p:txBody>
-      </p:sp>
-      <p:sp>
-        <p:nvSpPr>
-          <p:cNvPr id="11" name="正方形/長方形 10"/>
-          <p:cNvSpPr/>
-          <p:nvPr/>
-        </p:nvSpPr>
-        <p:spPr>
-          <a:xfrm>
-            <a:off x="1692265" y="5576910"/>
-            <a:ext cx="1523118" cy="480163"/>
-          </a:xfrm>
-          <a:prstGeom prst="rect">
-            <a:avLst/>
-          </a:prstGeom>
-          <a:solidFill>
-            <a:schemeClr val="bg1"/>
-          </a:solidFill>
-          <a:ln>
-            <a:solidFill>
-              <a:schemeClr val="tx1"/>
-            </a:solidFill>
-          </a:ln>
-        </p:spPr>
-        <p:style>
-          <a:lnRef idx="2">
-            <a:schemeClr val="accent1">
-              <a:shade val="50000"/>
-            </a:schemeClr>
-          </a:lnRef>
-          <a:fillRef idx="1">
-            <a:schemeClr val="accent1"/>
-          </a:fillRef>
-          <a:effectRef idx="0">
-            <a:schemeClr val="accent1"/>
-          </a:effectRef>
-          <a:fontRef idx="minor">
-            <a:schemeClr val="lt1"/>
-          </a:fontRef>
-        </p:style>
-        <p:txBody>
-          <a:bodyPr rtlCol="0" anchor="ctr"/>
-          <a:lstStyle/>
-          <a:p>
-            <a:pPr algn="ctr"/>
-            <a:endParaRPr kumimoji="1" lang="ja-JP" altLang="en-US"/>
-          </a:p>
-        </p:txBody>
-      </p:sp>
-      <p:cxnSp>
-        <p:nvCxnSpPr>
-          <p:cNvPr id="28" name="カギ線コネクタ 27"/>
-          <p:cNvCxnSpPr>
-            <a:stCxn id="6" idx="1"/>
-            <a:endCxn id="11" idx="0"/>
-          </p:cNvCxnSpPr>
-          <p:nvPr/>
-        </p:nvCxnSpPr>
-        <p:spPr>
-          <a:xfrm rot="16200000" flipV="1">
-            <a:off x="3668591" y="4362144"/>
-            <a:ext cx="621247" cy="3050780"/>
-          </a:xfrm>
-          <a:prstGeom prst="bentConnector3">
-            <a:avLst>
-              <a:gd name="adj1" fmla="val 136797"/>
-            </a:avLst>
-          </a:prstGeom>
-          <a:ln>
-            <a:solidFill>
-              <a:schemeClr val="tx1"/>
-            </a:solidFill>
-            <a:tailEnd type="triangle"/>
-          </a:ln>
-        </p:spPr>
-        <p:style>
-          <a:lnRef idx="1">
-            <a:schemeClr val="accent1"/>
-          </a:lnRef>
-          <a:fillRef idx="0">
-            <a:schemeClr val="accent1"/>
-          </a:fillRef>
-          <a:effectRef idx="0">
-            <a:schemeClr val="accent1"/>
-          </a:effectRef>
-          <a:fontRef idx="minor">
-            <a:schemeClr val="tx1"/>
-          </a:fontRef>
-        </p:style>
-      </p:cxnSp>
-      <p:sp>
-        <p:nvSpPr>
-          <p:cNvPr id="29" name="正方形/長方形 28"/>
-          <p:cNvSpPr/>
-          <p:nvPr/>
-        </p:nvSpPr>
-        <p:spPr>
-          <a:xfrm>
-            <a:off x="3429000" y="5249362"/>
-            <a:ext cx="1716437" cy="307197"/>
-          </a:xfrm>
-          <a:prstGeom prst="rect">
-            <a:avLst/>
-          </a:prstGeom>
-          <a:solidFill>
-            <a:schemeClr val="bg1"/>
-          </a:solidFill>
-          <a:ln>
-            <a:solidFill>
-              <a:schemeClr val="tx1"/>
-            </a:solidFill>
-          </a:ln>
-        </p:spPr>
-        <p:style>
-          <a:lnRef idx="2">
-            <a:schemeClr val="accent1">
-              <a:shade val="50000"/>
-            </a:schemeClr>
-          </a:lnRef>
-          <a:fillRef idx="1">
-            <a:schemeClr val="accent1"/>
-          </a:fillRef>
-          <a:effectRef idx="0">
-            <a:schemeClr val="accent1"/>
-          </a:effectRef>
-          <a:fontRef idx="minor">
-            <a:schemeClr val="lt1"/>
-          </a:fontRef>
-        </p:style>
-        <p:txBody>
-          <a:bodyPr rtlCol="0" anchor="ctr"/>
-          <a:lstStyle/>
-          <a:p>
-            <a:pPr algn="ctr"/>
-            <a:endParaRPr kumimoji="1" lang="ja-JP" altLang="en-US"/>
-          </a:p>
-        </p:txBody>
-      </p:sp>
-      <p:sp>
-        <p:nvSpPr>
-          <p:cNvPr id="31" name="テキスト ボックス 30"/>
-          <p:cNvSpPr txBox="1"/>
-          <p:nvPr/>
-        </p:nvSpPr>
-        <p:spPr>
-          <a:xfrm>
-            <a:off x="5286375" y="6317916"/>
-            <a:ext cx="400110" cy="1968024"/>
-          </a:xfrm>
-          <a:prstGeom prst="rect">
-            <a:avLst/>
-          </a:prstGeom>
-          <a:noFill/>
-        </p:spPr>
-        <p:txBody>
-          <a:bodyPr vert="eaVert" wrap="square" rtlCol="0">
-            <a:spAutoFit/>
-          </a:bodyPr>
-          <a:lstStyle/>
-          <a:p>
-            <a:r>
-              <a:rPr lang="ja-JP" altLang="en-US" sz="1400" dirty="0" smtClean="0"/>
-              <a:t>プレイヤー用モニター</a:t>
-            </a:r>
-            <a:endParaRPr kumimoji="1" lang="ja-JP" altLang="en-US" sz="1400" dirty="0"/>
-          </a:p>
-        </p:txBody>
-      </p:sp>
-      <p:sp>
-        <p:nvSpPr>
-          <p:cNvPr id="32" name="テキスト ボックス 31"/>
-          <p:cNvSpPr txBox="1"/>
-          <p:nvPr/>
-        </p:nvSpPr>
-        <p:spPr>
-          <a:xfrm>
-            <a:off x="1692264" y="5658134"/>
-            <a:ext cx="1563349" cy="369332"/>
-          </a:xfrm>
-          <a:prstGeom prst="rect">
-            <a:avLst/>
-          </a:prstGeom>
-          <a:noFill/>
-        </p:spPr>
-        <p:txBody>
-          <a:bodyPr wrap="square" rtlCol="0">
-            <a:spAutoFit/>
-          </a:bodyPr>
-          <a:lstStyle/>
-          <a:p>
-            <a:r>
-              <a:rPr kumimoji="1" lang="ja-JP" altLang="en-US" dirty="0" smtClean="0"/>
-              <a:t>観客用モニタ</a:t>
-            </a:r>
-            <a:endParaRPr kumimoji="1" lang="ja-JP" altLang="en-US" dirty="0"/>
-          </a:p>
-        </p:txBody>
-      </p:sp>
-      <p:sp>
-        <p:nvSpPr>
-          <p:cNvPr id="33" name="正方形/長方形 32"/>
-          <p:cNvSpPr/>
-          <p:nvPr/>
-        </p:nvSpPr>
-        <p:spPr>
-          <a:xfrm>
-            <a:off x="1139374" y="6168550"/>
-            <a:ext cx="2628900" cy="411378"/>
-          </a:xfrm>
-          <a:prstGeom prst="rect">
-            <a:avLst/>
-          </a:prstGeom>
-          <a:solidFill>
-            <a:schemeClr val="bg1"/>
-          </a:solidFill>
-          <a:ln>
-            <a:solidFill>
-              <a:schemeClr val="tx1"/>
-            </a:solidFill>
-          </a:ln>
-        </p:spPr>
-        <p:style>
-          <a:lnRef idx="2">
-            <a:schemeClr val="accent1">
-              <a:shade val="50000"/>
-            </a:schemeClr>
-          </a:lnRef>
-          <a:fillRef idx="1">
-            <a:schemeClr val="accent1"/>
-          </a:fillRef>
-          <a:effectRef idx="0">
-            <a:schemeClr val="accent1"/>
-          </a:effectRef>
-          <a:fontRef idx="minor">
-            <a:schemeClr val="lt1"/>
-          </a:fontRef>
-        </p:style>
-        <p:txBody>
-          <a:bodyPr rtlCol="0" anchor="ctr"/>
-          <a:lstStyle/>
-          <a:p>
-            <a:pPr algn="ctr"/>
-            <a:endParaRPr kumimoji="1" lang="ja-JP" altLang="en-US"/>
-          </a:p>
-        </p:txBody>
-      </p:sp>
-      <p:sp>
-        <p:nvSpPr>
-          <p:cNvPr id="34" name="テキスト ボックス 33"/>
-          <p:cNvSpPr txBox="1"/>
-          <p:nvPr/>
-        </p:nvSpPr>
-        <p:spPr>
-          <a:xfrm>
-            <a:off x="1853092" y="6198157"/>
-            <a:ext cx="1201463" cy="369332"/>
-          </a:xfrm>
-          <a:prstGeom prst="rect">
-            <a:avLst/>
-          </a:prstGeom>
-          <a:noFill/>
-        </p:spPr>
-        <p:txBody>
-          <a:bodyPr wrap="square" rtlCol="0">
-            <a:spAutoFit/>
-          </a:bodyPr>
-          <a:lstStyle/>
-          <a:p>
-            <a:r>
-              <a:rPr kumimoji="1" lang="ja-JP" altLang="en-US" dirty="0" smtClean="0"/>
-              <a:t>テーブル</a:t>
-            </a:r>
-            <a:endParaRPr kumimoji="1" lang="ja-JP" altLang="en-US" dirty="0"/>
-          </a:p>
-        </p:txBody>
-      </p:sp>
-      <p:sp>
-        <p:nvSpPr>
-          <p:cNvPr id="36" name="テキスト ボックス 35"/>
-          <p:cNvSpPr txBox="1"/>
-          <p:nvPr/>
-        </p:nvSpPr>
-        <p:spPr>
-          <a:xfrm>
-            <a:off x="3507492" y="5273090"/>
-            <a:ext cx="1615193" cy="338554"/>
-          </a:xfrm>
-          <a:prstGeom prst="rect">
-            <a:avLst/>
-          </a:prstGeom>
-          <a:noFill/>
-        </p:spPr>
-        <p:txBody>
-          <a:bodyPr wrap="square" rtlCol="0">
-            <a:spAutoFit/>
-          </a:bodyPr>
-          <a:lstStyle/>
-          <a:p>
-            <a:r>
-              <a:rPr kumimoji="1" lang="ja-JP" altLang="en-US" sz="1600" dirty="0" smtClean="0"/>
-              <a:t>プレイ映像出力</a:t>
-            </a:r>
-            <a:endParaRPr kumimoji="1" lang="ja-JP" altLang="en-US" sz="1600" dirty="0"/>
-          </a:p>
-        </p:txBody>
-      </p:sp>
-      <p:sp>
-        <p:nvSpPr>
-          <p:cNvPr id="37" name="正方形/長方形 36"/>
-          <p:cNvSpPr/>
-          <p:nvPr/>
-        </p:nvSpPr>
-        <p:spPr>
-          <a:xfrm rot="5400000">
-            <a:off x="4686335" y="7146013"/>
-            <a:ext cx="2645009" cy="333136"/>
-          </a:xfrm>
-          <a:prstGeom prst="rect">
-            <a:avLst/>
-          </a:prstGeom>
-          <a:solidFill>
-            <a:schemeClr val="bg1"/>
-          </a:solidFill>
-          <a:ln>
-            <a:solidFill>
-              <a:schemeClr val="tx1"/>
-            </a:solidFill>
-          </a:ln>
-        </p:spPr>
-        <p:style>
-          <a:lnRef idx="2">
-            <a:schemeClr val="accent1">
-              <a:shade val="50000"/>
-            </a:schemeClr>
-          </a:lnRef>
-          <a:fillRef idx="1">
-            <a:schemeClr val="accent1"/>
-          </a:fillRef>
-          <a:effectRef idx="0">
-            <a:schemeClr val="accent1"/>
-          </a:effectRef>
-          <a:fontRef idx="minor">
-            <a:schemeClr val="lt1"/>
-          </a:fontRef>
-        </p:style>
-        <p:txBody>
-          <a:bodyPr rtlCol="0" anchor="ctr"/>
-          <a:lstStyle/>
-          <a:p>
-            <a:pPr algn="ctr"/>
-            <a:endParaRPr kumimoji="1" lang="ja-JP" altLang="en-US"/>
-          </a:p>
-        </p:txBody>
-      </p:sp>
-      <p:sp>
-        <p:nvSpPr>
-          <p:cNvPr id="38" name="テキスト ボックス 37"/>
-          <p:cNvSpPr txBox="1"/>
-          <p:nvPr/>
-        </p:nvSpPr>
-        <p:spPr>
-          <a:xfrm>
-            <a:off x="5798836" y="6707170"/>
-            <a:ext cx="403828" cy="1210822"/>
-          </a:xfrm>
-          <a:prstGeom prst="rect">
-            <a:avLst/>
-          </a:prstGeom>
-          <a:noFill/>
-        </p:spPr>
-        <p:txBody>
-          <a:bodyPr vert="eaVert" wrap="square" rtlCol="0">
-            <a:spAutoFit/>
-          </a:bodyPr>
-          <a:lstStyle/>
-          <a:p>
-            <a:r>
-              <a:rPr lang="ja-JP" altLang="en-US" sz="1400" dirty="0" smtClean="0"/>
-              <a:t>アケコン</a:t>
-            </a:r>
-            <a:r>
-              <a:rPr lang="en-US" altLang="ja-JP" sz="1400" dirty="0" smtClean="0"/>
-              <a:t>4</a:t>
-            </a:r>
-            <a:r>
-              <a:rPr lang="ja-JP" altLang="en-US" sz="1400" dirty="0" smtClean="0"/>
-              <a:t>台</a:t>
-            </a:r>
-            <a:endParaRPr kumimoji="1" lang="ja-JP" altLang="en-US" sz="1400" dirty="0"/>
-          </a:p>
-        </p:txBody>
-      </p:sp>
-      <p:sp>
-        <p:nvSpPr>
-          <p:cNvPr id="39" name="正方形/長方形 38"/>
-          <p:cNvSpPr/>
-          <p:nvPr/>
-        </p:nvSpPr>
-        <p:spPr>
-          <a:xfrm rot="5400000">
-            <a:off x="6143512" y="6116936"/>
-            <a:ext cx="592848" cy="333136"/>
-          </a:xfrm>
-          <a:prstGeom prst="rect">
-            <a:avLst/>
-          </a:prstGeom>
-          <a:solidFill>
-            <a:schemeClr val="bg1"/>
-          </a:solidFill>
-          <a:ln>
-            <a:solidFill>
-              <a:schemeClr val="tx1"/>
-            </a:solidFill>
-          </a:ln>
-        </p:spPr>
-        <p:style>
-          <a:lnRef idx="2">
-            <a:schemeClr val="accent1">
-              <a:shade val="50000"/>
-            </a:schemeClr>
-          </a:lnRef>
-          <a:fillRef idx="1">
-            <a:schemeClr val="accent1"/>
-          </a:fillRef>
-          <a:effectRef idx="0">
-            <a:schemeClr val="accent1"/>
-          </a:effectRef>
-          <a:fontRef idx="minor">
-            <a:schemeClr val="lt1"/>
-          </a:fontRef>
-        </p:style>
-        <p:txBody>
-          <a:bodyPr rtlCol="0" anchor="ctr"/>
-          <a:lstStyle/>
-          <a:p>
-            <a:pPr algn="ctr"/>
-            <a:endParaRPr kumimoji="1" lang="ja-JP" altLang="en-US"/>
-          </a:p>
-        </p:txBody>
-      </p:sp>
-      <p:sp>
-        <p:nvSpPr>
-          <p:cNvPr id="43" name="正方形/長方形 42"/>
-          <p:cNvSpPr/>
-          <p:nvPr/>
-        </p:nvSpPr>
-        <p:spPr>
-          <a:xfrm rot="5400000">
-            <a:off x="6143512" y="6763758"/>
-            <a:ext cx="592848" cy="333136"/>
-          </a:xfrm>
-          <a:prstGeom prst="rect">
-            <a:avLst/>
-          </a:prstGeom>
-          <a:solidFill>
-            <a:schemeClr val="bg1"/>
-          </a:solidFill>
-          <a:ln>
-            <a:solidFill>
-              <a:schemeClr val="tx1"/>
-            </a:solidFill>
-          </a:ln>
-        </p:spPr>
-        <p:style>
-          <a:lnRef idx="2">
-            <a:schemeClr val="accent1">
-              <a:shade val="50000"/>
-            </a:schemeClr>
-          </a:lnRef>
-          <a:fillRef idx="1">
-            <a:schemeClr val="accent1"/>
-          </a:fillRef>
-          <a:effectRef idx="0">
-            <a:schemeClr val="accent1"/>
-          </a:effectRef>
-          <a:fontRef idx="minor">
-            <a:schemeClr val="lt1"/>
-          </a:fontRef>
-        </p:style>
-        <p:txBody>
-          <a:bodyPr rtlCol="0" anchor="ctr"/>
-          <a:lstStyle/>
-          <a:p>
-            <a:pPr algn="ctr"/>
-            <a:endParaRPr kumimoji="1" lang="ja-JP" altLang="en-US"/>
-          </a:p>
-        </p:txBody>
-      </p:sp>
-      <p:sp>
-        <p:nvSpPr>
-          <p:cNvPr id="44" name="正方形/長方形 43"/>
-          <p:cNvSpPr/>
-          <p:nvPr/>
-        </p:nvSpPr>
-        <p:spPr>
-          <a:xfrm rot="5400000">
-            <a:off x="6143512" y="7525272"/>
-            <a:ext cx="592848" cy="333136"/>
-          </a:xfrm>
-          <a:prstGeom prst="rect">
-            <a:avLst/>
-          </a:prstGeom>
-          <a:solidFill>
-            <a:schemeClr val="bg1"/>
-          </a:solidFill>
-          <a:ln>
-            <a:solidFill>
-              <a:schemeClr val="tx1"/>
-            </a:solidFill>
-          </a:ln>
-        </p:spPr>
-        <p:style>
-          <a:lnRef idx="2">
-            <a:schemeClr val="accent1">
-              <a:shade val="50000"/>
-            </a:schemeClr>
-          </a:lnRef>
-          <a:fillRef idx="1">
-            <a:schemeClr val="accent1"/>
-          </a:fillRef>
-          <a:effectRef idx="0">
-            <a:schemeClr val="accent1"/>
-          </a:effectRef>
-          <a:fontRef idx="minor">
-            <a:schemeClr val="lt1"/>
-          </a:fontRef>
-        </p:style>
-        <p:txBody>
-          <a:bodyPr rtlCol="0" anchor="ctr"/>
-          <a:lstStyle/>
-          <a:p>
-            <a:pPr algn="ctr"/>
-            <a:endParaRPr kumimoji="1" lang="ja-JP" altLang="en-US"/>
-          </a:p>
-        </p:txBody>
-      </p:sp>
-      <p:sp>
-        <p:nvSpPr>
-          <p:cNvPr id="45" name="正方形/長方形 44"/>
-          <p:cNvSpPr/>
-          <p:nvPr/>
-        </p:nvSpPr>
-        <p:spPr>
-          <a:xfrm rot="5400000">
-            <a:off x="6144877" y="8172094"/>
-            <a:ext cx="592848" cy="333136"/>
-          </a:xfrm>
-          <a:prstGeom prst="rect">
-            <a:avLst/>
-          </a:prstGeom>
-          <a:solidFill>
-            <a:schemeClr val="bg1"/>
-          </a:solidFill>
-          <a:ln>
-            <a:solidFill>
-              <a:schemeClr val="tx1"/>
-            </a:solidFill>
-          </a:ln>
-        </p:spPr>
-        <p:style>
-          <a:lnRef idx="2">
-            <a:schemeClr val="accent1">
-              <a:shade val="50000"/>
-            </a:schemeClr>
-          </a:lnRef>
-          <a:fillRef idx="1">
-            <a:schemeClr val="accent1"/>
-          </a:fillRef>
-          <a:effectRef idx="0">
-            <a:schemeClr val="accent1"/>
-          </a:effectRef>
-          <a:fontRef idx="minor">
-            <a:schemeClr val="lt1"/>
-          </a:fontRef>
-        </p:style>
-        <p:txBody>
-          <a:bodyPr rtlCol="0" anchor="ctr"/>
-          <a:lstStyle/>
-          <a:p>
-            <a:pPr algn="ctr"/>
-            <a:endParaRPr kumimoji="1" lang="ja-JP" altLang="en-US"/>
-          </a:p>
-        </p:txBody>
-      </p:sp>
-      <p:sp>
-        <p:nvSpPr>
-          <p:cNvPr id="46" name="テキスト ボックス 45"/>
-          <p:cNvSpPr txBox="1"/>
-          <p:nvPr/>
-        </p:nvSpPr>
-        <p:spPr>
-          <a:xfrm>
-            <a:off x="6239881" y="6060991"/>
-            <a:ext cx="400110" cy="572911"/>
-          </a:xfrm>
-          <a:prstGeom prst="rect">
-            <a:avLst/>
-          </a:prstGeom>
-          <a:noFill/>
-        </p:spPr>
-        <p:txBody>
-          <a:bodyPr vert="eaVert" wrap="square" rtlCol="0">
-            <a:spAutoFit/>
-          </a:bodyPr>
-          <a:lstStyle/>
-          <a:p>
-            <a:r>
-              <a:rPr lang="ja-JP" altLang="en-US" sz="1400" dirty="0" smtClean="0"/>
-              <a:t>イス</a:t>
-            </a:r>
-            <a:endParaRPr kumimoji="1" lang="ja-JP" altLang="en-US" sz="1400" dirty="0"/>
-          </a:p>
-        </p:txBody>
-      </p:sp>
-      <p:sp>
-        <p:nvSpPr>
-          <p:cNvPr id="48" name="テキスト ボックス 47"/>
-          <p:cNvSpPr txBox="1"/>
-          <p:nvPr/>
-        </p:nvSpPr>
-        <p:spPr>
-          <a:xfrm>
-            <a:off x="6240686" y="6712438"/>
-            <a:ext cx="400110" cy="572911"/>
-          </a:xfrm>
-          <a:prstGeom prst="rect">
-            <a:avLst/>
-          </a:prstGeom>
-          <a:noFill/>
-        </p:spPr>
-        <p:txBody>
-          <a:bodyPr vert="eaVert" wrap="square" rtlCol="0">
-            <a:spAutoFit/>
-          </a:bodyPr>
-          <a:lstStyle/>
-          <a:p>
-            <a:r>
-              <a:rPr lang="ja-JP" altLang="en-US" sz="1400" dirty="0" smtClean="0"/>
-              <a:t>イス</a:t>
-            </a:r>
-            <a:endParaRPr kumimoji="1" lang="ja-JP" altLang="en-US" sz="1400" dirty="0"/>
-          </a:p>
-        </p:txBody>
-      </p:sp>
-      <p:sp>
-        <p:nvSpPr>
-          <p:cNvPr id="49" name="テキスト ボックス 48"/>
-          <p:cNvSpPr txBox="1"/>
-          <p:nvPr/>
-        </p:nvSpPr>
-        <p:spPr>
-          <a:xfrm>
-            <a:off x="6235232" y="7464054"/>
-            <a:ext cx="400110" cy="572911"/>
-          </a:xfrm>
-          <a:prstGeom prst="rect">
-            <a:avLst/>
-          </a:prstGeom>
-          <a:noFill/>
-        </p:spPr>
-        <p:txBody>
-          <a:bodyPr vert="eaVert" wrap="square" rtlCol="0">
-            <a:spAutoFit/>
-          </a:bodyPr>
-          <a:lstStyle/>
-          <a:p>
-            <a:r>
-              <a:rPr lang="ja-JP" altLang="en-US" sz="1400" dirty="0" smtClean="0"/>
-              <a:t>イス</a:t>
-            </a:r>
-            <a:endParaRPr kumimoji="1" lang="ja-JP" altLang="en-US" sz="1400" dirty="0"/>
-          </a:p>
-        </p:txBody>
-      </p:sp>
-      <p:sp>
-        <p:nvSpPr>
-          <p:cNvPr id="50" name="テキスト ボックス 49"/>
-          <p:cNvSpPr txBox="1"/>
-          <p:nvPr/>
-        </p:nvSpPr>
-        <p:spPr>
-          <a:xfrm>
-            <a:off x="6235232" y="8115501"/>
-            <a:ext cx="400110" cy="572911"/>
-          </a:xfrm>
-          <a:prstGeom prst="rect">
-            <a:avLst/>
-          </a:prstGeom>
-          <a:noFill/>
-        </p:spPr>
-        <p:txBody>
-          <a:bodyPr vert="eaVert" wrap="square" rtlCol="0">
-            <a:spAutoFit/>
-          </a:bodyPr>
-          <a:lstStyle/>
-          <a:p>
-            <a:r>
-              <a:rPr lang="ja-JP" altLang="en-US" sz="1400" dirty="0" smtClean="0"/>
-              <a:t>イス</a:t>
-            </a:r>
-            <a:endParaRPr kumimoji="1" lang="ja-JP" altLang="en-US" sz="1400" dirty="0"/>
           </a:p>
         </p:txBody>
       </p:sp>
@@ -4446,14 +3697,153 @@
       </p:sp>
       <p:sp>
         <p:nvSpPr>
-          <p:cNvPr id="57" name="正方形/長方形 56"/>
+          <p:cNvPr id="66" name="テキスト ボックス 65"/>
+          <p:cNvSpPr txBox="1"/>
+          <p:nvPr/>
+        </p:nvSpPr>
+        <p:spPr>
+          <a:xfrm>
+            <a:off x="142875" y="9519348"/>
+            <a:ext cx="6297514" cy="307777"/>
+          </a:xfrm>
+          <a:prstGeom prst="rect">
+            <a:avLst/>
+          </a:prstGeom>
+          <a:noFill/>
+        </p:spPr>
+        <p:txBody>
+          <a:bodyPr wrap="square" rtlCol="0">
+            <a:spAutoFit/>
+          </a:bodyPr>
+          <a:lstStyle/>
+          <a:p>
+            <a:r>
+              <a:rPr lang="en-US" altLang="ja-JP" sz="1400" dirty="0" smtClean="0">
+                <a:solidFill>
+                  <a:srgbClr val="FF0000"/>
+                </a:solidFill>
+              </a:rPr>
+              <a:t>※</a:t>
+            </a:r>
+            <a:r>
+              <a:rPr lang="ja-JP" altLang="en-US" sz="1400" dirty="0" smtClean="0">
+                <a:solidFill>
+                  <a:srgbClr val="FF0000"/>
+                </a:solidFill>
+              </a:rPr>
+              <a:t>２</a:t>
+            </a:r>
+            <a:r>
+              <a:rPr lang="ja-JP" altLang="en-US" sz="1400" dirty="0" smtClean="0"/>
+              <a:t>　イスは次プレイする人が優先的に座る。</a:t>
+            </a:r>
+            <a:endParaRPr kumimoji="1" lang="ja-JP" altLang="en-US" sz="1400" dirty="0"/>
+          </a:p>
+        </p:txBody>
+      </p:sp>
+      <p:sp>
+        <p:nvSpPr>
+          <p:cNvPr id="68" name="テキスト ボックス 67"/>
+          <p:cNvSpPr txBox="1"/>
+          <p:nvPr/>
+        </p:nvSpPr>
+        <p:spPr>
+          <a:xfrm>
+            <a:off x="142875" y="9217878"/>
+            <a:ext cx="6615452" cy="307777"/>
+          </a:xfrm>
+          <a:prstGeom prst="rect">
+            <a:avLst/>
+          </a:prstGeom>
+          <a:noFill/>
+        </p:spPr>
+        <p:txBody>
+          <a:bodyPr wrap="square" rtlCol="0">
+            <a:spAutoFit/>
+          </a:bodyPr>
+          <a:lstStyle/>
+          <a:p>
+            <a:r>
+              <a:rPr lang="en-US" altLang="ja-JP" sz="1400" dirty="0" smtClean="0">
+                <a:solidFill>
+                  <a:srgbClr val="FF0000"/>
+                </a:solidFill>
+              </a:rPr>
+              <a:t>※</a:t>
+            </a:r>
+            <a:r>
+              <a:rPr lang="ja-JP" altLang="en-US" sz="1400" dirty="0" smtClean="0">
+                <a:solidFill>
+                  <a:srgbClr val="FF0000"/>
+                </a:solidFill>
+              </a:rPr>
+              <a:t>１</a:t>
+            </a:r>
+            <a:r>
+              <a:rPr lang="ja-JP" altLang="en-US" sz="1400" dirty="0" smtClean="0"/>
+              <a:t>　プレイヤー席は</a:t>
+            </a:r>
+            <a:r>
+              <a:rPr lang="en-US" altLang="ja-JP" sz="1400" dirty="0" smtClean="0"/>
+              <a:t>e</a:t>
+            </a:r>
+            <a:r>
+              <a:rPr lang="ja-JP" altLang="en-US" sz="1400" dirty="0" smtClean="0"/>
+              <a:t>スポーツのようにプレイヤーの顔を見えるようにする。</a:t>
+            </a:r>
+            <a:endParaRPr kumimoji="1" lang="ja-JP" altLang="en-US" sz="1400" dirty="0"/>
+          </a:p>
+        </p:txBody>
+      </p:sp>
+      <p:cxnSp>
+        <p:nvCxnSpPr>
+          <p:cNvPr id="28" name="カギ線コネクタ 27"/>
+          <p:cNvCxnSpPr>
+            <a:stCxn id="6" idx="3"/>
+            <a:endCxn id="11" idx="1"/>
+          </p:cNvCxnSpPr>
+          <p:nvPr/>
+        </p:nvCxnSpPr>
+        <p:spPr>
+          <a:xfrm rot="5400000" flipH="1" flipV="1">
+            <a:off x="2503685" y="5194884"/>
+            <a:ext cx="208079" cy="2266919"/>
+          </a:xfrm>
+          <a:prstGeom prst="bentConnector2">
+            <a:avLst/>
+          </a:prstGeom>
+          <a:ln>
+            <a:solidFill>
+              <a:schemeClr val="tx1"/>
+            </a:solidFill>
+            <a:tailEnd type="triangle"/>
+          </a:ln>
+        </p:spPr>
+        <p:style>
+          <a:lnRef idx="1">
+            <a:schemeClr val="accent1"/>
+          </a:lnRef>
+          <a:fillRef idx="0">
+            <a:schemeClr val="accent1"/>
+          </a:fillRef>
+          <a:effectRef idx="0">
+            <a:schemeClr val="accent1"/>
+          </a:effectRef>
+          <a:fontRef idx="minor">
+            <a:schemeClr val="tx1"/>
+          </a:fontRef>
+        </p:style>
+      </p:cxnSp>
+      <p:sp>
+        <p:nvSpPr>
+          <p:cNvPr id="29" name="正方形/長方形 28"/>
           <p:cNvSpPr/>
           <p:nvPr/>
         </p:nvSpPr>
         <p:spPr>
-          <a:xfrm>
-            <a:off x="1143590" y="6704912"/>
-            <a:ext cx="552890" cy="322280"/>
+          <a:xfrm rot="10800000">
+            <a:off x="1768497" y="6080839"/>
+            <a:ext cx="1716437" cy="307197"/>
           </a:xfrm>
           <a:prstGeom prst="rect">
             <a:avLst/>
@@ -4492,511 +3882,661 @@
           </a:p>
         </p:txBody>
       </p:sp>
-      <p:sp>
-        <p:nvSpPr>
-          <p:cNvPr id="58" name="正方形/長方形 57"/>
-          <p:cNvSpPr/>
+      <p:grpSp>
+        <p:nvGrpSpPr>
+          <p:cNvPr id="9" name="グループ化 8"/>
+          <p:cNvGrpSpPr/>
           <p:nvPr/>
-        </p:nvSpPr>
-        <p:spPr>
-          <a:xfrm>
-            <a:off x="1795805" y="6704912"/>
-            <a:ext cx="552890" cy="322280"/>
-          </a:xfrm>
-          <a:prstGeom prst="rect">
-            <a:avLst/>
-          </a:prstGeom>
-          <a:solidFill>
-            <a:schemeClr val="bg1"/>
-          </a:solidFill>
-          <a:ln>
+        </p:nvGrpSpPr>
+        <p:grpSpPr>
+          <a:xfrm>
+            <a:off x="371000" y="6224302"/>
+            <a:ext cx="1397496" cy="2648006"/>
+            <a:chOff x="452246" y="5427579"/>
+            <a:chExt cx="1397496" cy="2648006"/>
+          </a:xfrm>
+        </p:grpSpPr>
+        <p:sp>
+          <p:nvSpPr>
+            <p:cNvPr id="6" name="正方形/長方形 5"/>
+            <p:cNvSpPr/>
+            <p:nvPr/>
+          </p:nvSpPr>
+          <p:spPr>
+            <a:xfrm rot="16200000">
+              <a:off x="441086" y="6455852"/>
+              <a:ext cx="2228850" cy="588463"/>
+            </a:xfrm>
+            <a:prstGeom prst="rect">
+              <a:avLst/>
+            </a:prstGeom>
             <a:solidFill>
-              <a:schemeClr val="tx1"/>
+              <a:schemeClr val="bg1"/>
             </a:solidFill>
-          </a:ln>
-        </p:spPr>
-        <p:style>
-          <a:lnRef idx="2">
-            <a:schemeClr val="accent1">
-              <a:shade val="50000"/>
-            </a:schemeClr>
-          </a:lnRef>
-          <a:fillRef idx="1">
-            <a:schemeClr val="accent1"/>
-          </a:fillRef>
-          <a:effectRef idx="0">
-            <a:schemeClr val="accent1"/>
-          </a:effectRef>
-          <a:fontRef idx="minor">
-            <a:schemeClr val="lt1"/>
-          </a:fontRef>
-        </p:style>
-        <p:txBody>
-          <a:bodyPr rtlCol="0" anchor="ctr"/>
-          <a:lstStyle/>
-          <a:p>
-            <a:pPr algn="ctr"/>
-            <a:endParaRPr kumimoji="1" lang="ja-JP" altLang="en-US"/>
-          </a:p>
-        </p:txBody>
-      </p:sp>
-      <p:sp>
-        <p:nvSpPr>
-          <p:cNvPr id="59" name="正方形/長方形 58"/>
-          <p:cNvSpPr/>
+            <a:ln>
+              <a:solidFill>
+                <a:schemeClr val="tx1"/>
+              </a:solidFill>
+            </a:ln>
+          </p:spPr>
+          <p:style>
+            <a:lnRef idx="2">
+              <a:schemeClr val="accent1">
+                <a:shade val="50000"/>
+              </a:schemeClr>
+            </a:lnRef>
+            <a:fillRef idx="1">
+              <a:schemeClr val="accent1"/>
+            </a:fillRef>
+            <a:effectRef idx="0">
+              <a:schemeClr val="accent1"/>
+            </a:effectRef>
+            <a:fontRef idx="minor">
+              <a:schemeClr val="lt1"/>
+            </a:fontRef>
+          </p:style>
+          <p:txBody>
+            <a:bodyPr rtlCol="0" anchor="ctr"/>
+            <a:lstStyle/>
+            <a:p>
+              <a:pPr algn="ctr"/>
+              <a:endParaRPr kumimoji="1" lang="ja-JP" altLang="en-US"/>
+            </a:p>
+          </p:txBody>
+        </p:sp>
+        <p:sp>
+          <p:nvSpPr>
+            <p:cNvPr id="37" name="正方形/長方形 36"/>
+            <p:cNvSpPr/>
+            <p:nvPr/>
+          </p:nvSpPr>
+          <p:spPr>
+            <a:xfrm rot="16200000">
+              <a:off x="-271229" y="6583516"/>
+              <a:ext cx="2645009" cy="333136"/>
+            </a:xfrm>
+            <a:prstGeom prst="rect">
+              <a:avLst/>
+            </a:prstGeom>
+            <a:solidFill>
+              <a:schemeClr val="bg1"/>
+            </a:solidFill>
+            <a:ln>
+              <a:solidFill>
+                <a:schemeClr val="tx1"/>
+              </a:solidFill>
+            </a:ln>
+          </p:spPr>
+          <p:style>
+            <a:lnRef idx="2">
+              <a:schemeClr val="accent1">
+                <a:shade val="50000"/>
+              </a:schemeClr>
+            </a:lnRef>
+            <a:fillRef idx="1">
+              <a:schemeClr val="accent1"/>
+            </a:fillRef>
+            <a:effectRef idx="0">
+              <a:schemeClr val="accent1"/>
+            </a:effectRef>
+            <a:fontRef idx="minor">
+              <a:schemeClr val="lt1"/>
+            </a:fontRef>
+          </p:style>
+          <p:txBody>
+            <a:bodyPr rtlCol="0" anchor="ctr"/>
+            <a:lstStyle/>
+            <a:p>
+              <a:pPr algn="ctr"/>
+              <a:endParaRPr kumimoji="1" lang="ja-JP" altLang="en-US"/>
+            </a:p>
+          </p:txBody>
+        </p:sp>
+        <p:sp>
+          <p:nvSpPr>
+            <p:cNvPr id="39" name="正方形/長方形 38"/>
+            <p:cNvSpPr/>
+            <p:nvPr/>
+          </p:nvSpPr>
+          <p:spPr>
+            <a:xfrm rot="16200000">
+              <a:off x="323755" y="7612593"/>
+              <a:ext cx="592848" cy="333136"/>
+            </a:xfrm>
+            <a:prstGeom prst="rect">
+              <a:avLst/>
+            </a:prstGeom>
+            <a:solidFill>
+              <a:schemeClr val="bg1"/>
+            </a:solidFill>
+            <a:ln>
+              <a:solidFill>
+                <a:schemeClr val="tx1"/>
+              </a:solidFill>
+            </a:ln>
+          </p:spPr>
+          <p:style>
+            <a:lnRef idx="2">
+              <a:schemeClr val="accent1">
+                <a:shade val="50000"/>
+              </a:schemeClr>
+            </a:lnRef>
+            <a:fillRef idx="1">
+              <a:schemeClr val="accent1"/>
+            </a:fillRef>
+            <a:effectRef idx="0">
+              <a:schemeClr val="accent1"/>
+            </a:effectRef>
+            <a:fontRef idx="minor">
+              <a:schemeClr val="lt1"/>
+            </a:fontRef>
+          </p:style>
+          <p:txBody>
+            <a:bodyPr rtlCol="0" anchor="ctr"/>
+            <a:lstStyle/>
+            <a:p>
+              <a:pPr algn="ctr"/>
+              <a:endParaRPr kumimoji="1" lang="ja-JP" altLang="en-US"/>
+            </a:p>
+          </p:txBody>
+        </p:sp>
+        <p:sp>
+          <p:nvSpPr>
+            <p:cNvPr id="43" name="正方形/長方形 42"/>
+            <p:cNvSpPr/>
+            <p:nvPr/>
+          </p:nvSpPr>
+          <p:spPr>
+            <a:xfrm rot="16200000">
+              <a:off x="323755" y="6965771"/>
+              <a:ext cx="592848" cy="333136"/>
+            </a:xfrm>
+            <a:prstGeom prst="rect">
+              <a:avLst/>
+            </a:prstGeom>
+            <a:solidFill>
+              <a:schemeClr val="bg1"/>
+            </a:solidFill>
+            <a:ln>
+              <a:solidFill>
+                <a:schemeClr val="tx1"/>
+              </a:solidFill>
+            </a:ln>
+          </p:spPr>
+          <p:style>
+            <a:lnRef idx="2">
+              <a:schemeClr val="accent1">
+                <a:shade val="50000"/>
+              </a:schemeClr>
+            </a:lnRef>
+            <a:fillRef idx="1">
+              <a:schemeClr val="accent1"/>
+            </a:fillRef>
+            <a:effectRef idx="0">
+              <a:schemeClr val="accent1"/>
+            </a:effectRef>
+            <a:fontRef idx="minor">
+              <a:schemeClr val="lt1"/>
+            </a:fontRef>
+          </p:style>
+          <p:txBody>
+            <a:bodyPr rtlCol="0" anchor="ctr"/>
+            <a:lstStyle/>
+            <a:p>
+              <a:pPr algn="ctr"/>
+              <a:endParaRPr kumimoji="1" lang="ja-JP" altLang="en-US"/>
+            </a:p>
+          </p:txBody>
+        </p:sp>
+        <p:sp>
+          <p:nvSpPr>
+            <p:cNvPr id="44" name="正方形/長方形 43"/>
+            <p:cNvSpPr/>
+            <p:nvPr/>
+          </p:nvSpPr>
+          <p:spPr>
+            <a:xfrm rot="16200000">
+              <a:off x="323755" y="6204257"/>
+              <a:ext cx="592848" cy="333136"/>
+            </a:xfrm>
+            <a:prstGeom prst="rect">
+              <a:avLst/>
+            </a:prstGeom>
+            <a:solidFill>
+              <a:schemeClr val="bg1"/>
+            </a:solidFill>
+            <a:ln>
+              <a:solidFill>
+                <a:schemeClr val="tx1"/>
+              </a:solidFill>
+            </a:ln>
+          </p:spPr>
+          <p:style>
+            <a:lnRef idx="2">
+              <a:schemeClr val="accent1">
+                <a:shade val="50000"/>
+              </a:schemeClr>
+            </a:lnRef>
+            <a:fillRef idx="1">
+              <a:schemeClr val="accent1"/>
+            </a:fillRef>
+            <a:effectRef idx="0">
+              <a:schemeClr val="accent1"/>
+            </a:effectRef>
+            <a:fontRef idx="minor">
+              <a:schemeClr val="lt1"/>
+            </a:fontRef>
+          </p:style>
+          <p:txBody>
+            <a:bodyPr rtlCol="0" anchor="ctr"/>
+            <a:lstStyle/>
+            <a:p>
+              <a:pPr algn="ctr"/>
+              <a:endParaRPr kumimoji="1" lang="ja-JP" altLang="en-US"/>
+            </a:p>
+          </p:txBody>
+        </p:sp>
+        <p:sp>
+          <p:nvSpPr>
+            <p:cNvPr id="45" name="正方形/長方形 44"/>
+            <p:cNvSpPr/>
+            <p:nvPr/>
+          </p:nvSpPr>
+          <p:spPr>
+            <a:xfrm rot="16200000">
+              <a:off x="322390" y="5557435"/>
+              <a:ext cx="592848" cy="333136"/>
+            </a:xfrm>
+            <a:prstGeom prst="rect">
+              <a:avLst/>
+            </a:prstGeom>
+            <a:solidFill>
+              <a:schemeClr val="bg1"/>
+            </a:solidFill>
+            <a:ln>
+              <a:solidFill>
+                <a:schemeClr val="tx1"/>
+              </a:solidFill>
+            </a:ln>
+          </p:spPr>
+          <p:style>
+            <a:lnRef idx="2">
+              <a:schemeClr val="accent1">
+                <a:shade val="50000"/>
+              </a:schemeClr>
+            </a:lnRef>
+            <a:fillRef idx="1">
+              <a:schemeClr val="accent1"/>
+            </a:fillRef>
+            <a:effectRef idx="0">
+              <a:schemeClr val="accent1"/>
+            </a:effectRef>
+            <a:fontRef idx="minor">
+              <a:schemeClr val="lt1"/>
+            </a:fontRef>
+          </p:style>
+          <p:txBody>
+            <a:bodyPr rtlCol="0" anchor="ctr"/>
+            <a:lstStyle/>
+            <a:p>
+              <a:pPr algn="ctr"/>
+              <a:endParaRPr kumimoji="1" lang="ja-JP" altLang="en-US"/>
+            </a:p>
+          </p:txBody>
+        </p:sp>
+      </p:grpSp>
+      <p:grpSp>
+        <p:nvGrpSpPr>
+          <p:cNvPr id="12" name="グループ化 11"/>
+          <p:cNvGrpSpPr/>
           <p:nvPr/>
-        </p:nvSpPr>
-        <p:spPr>
-          <a:xfrm>
-            <a:off x="3227682" y="6706660"/>
-            <a:ext cx="552890" cy="322280"/>
-          </a:xfrm>
-          <a:prstGeom prst="rect">
-            <a:avLst/>
-          </a:prstGeom>
-          <a:solidFill>
-            <a:schemeClr val="bg1"/>
-          </a:solidFill>
-          <a:ln>
+        </p:nvGrpSpPr>
+        <p:grpSpPr>
+          <a:xfrm rot="10800000">
+            <a:off x="2518032" y="5984221"/>
+            <a:ext cx="4137660" cy="2915562"/>
+            <a:chOff x="2453342" y="5570193"/>
+            <a:chExt cx="4137660" cy="2915562"/>
+          </a:xfrm>
+        </p:grpSpPr>
+        <p:sp>
+          <p:nvSpPr>
+            <p:cNvPr id="11" name="正方形/長方形 10"/>
+            <p:cNvSpPr/>
+            <p:nvPr/>
+          </p:nvSpPr>
+          <p:spPr>
+            <a:xfrm rot="10800000">
+              <a:off x="3844732" y="8005592"/>
+              <a:ext cx="1523118" cy="480163"/>
+            </a:xfrm>
+            <a:prstGeom prst="rect">
+              <a:avLst/>
+            </a:prstGeom>
             <a:solidFill>
-              <a:schemeClr val="tx1"/>
+              <a:schemeClr val="bg1"/>
             </a:solidFill>
-          </a:ln>
-        </p:spPr>
-        <p:style>
-          <a:lnRef idx="2">
-            <a:schemeClr val="accent1">
-              <a:shade val="50000"/>
-            </a:schemeClr>
-          </a:lnRef>
-          <a:fillRef idx="1">
-            <a:schemeClr val="accent1"/>
-          </a:fillRef>
-          <a:effectRef idx="0">
-            <a:schemeClr val="accent1"/>
-          </a:effectRef>
-          <a:fontRef idx="minor">
-            <a:schemeClr val="lt1"/>
-          </a:fontRef>
-        </p:style>
-        <p:txBody>
-          <a:bodyPr rtlCol="0" anchor="ctr"/>
-          <a:lstStyle/>
-          <a:p>
-            <a:pPr algn="ctr"/>
-            <a:endParaRPr kumimoji="1" lang="ja-JP" altLang="en-US"/>
-          </a:p>
-        </p:txBody>
-      </p:sp>
-      <p:sp>
-        <p:nvSpPr>
-          <p:cNvPr id="60" name="正方形/長方形 59"/>
-          <p:cNvSpPr/>
-          <p:nvPr/>
-        </p:nvSpPr>
-        <p:spPr>
-          <a:xfrm>
-            <a:off x="2575467" y="6706660"/>
-            <a:ext cx="552890" cy="322280"/>
-          </a:xfrm>
-          <a:prstGeom prst="rect">
-            <a:avLst/>
-          </a:prstGeom>
-          <a:solidFill>
-            <a:schemeClr val="bg1"/>
-          </a:solidFill>
-          <a:ln>
+            <a:ln>
+              <a:solidFill>
+                <a:schemeClr val="tx1"/>
+              </a:solidFill>
+            </a:ln>
+          </p:spPr>
+          <p:style>
+            <a:lnRef idx="2">
+              <a:schemeClr val="accent1">
+                <a:shade val="50000"/>
+              </a:schemeClr>
+            </a:lnRef>
+            <a:fillRef idx="1">
+              <a:schemeClr val="accent1"/>
+            </a:fillRef>
+            <a:effectRef idx="0">
+              <a:schemeClr val="accent1"/>
+            </a:effectRef>
+            <a:fontRef idx="minor">
+              <a:schemeClr val="lt1"/>
+            </a:fontRef>
+          </p:style>
+          <p:txBody>
+            <a:bodyPr rtlCol="0" anchor="ctr"/>
+            <a:lstStyle/>
+            <a:p>
+              <a:pPr algn="ctr"/>
+              <a:endParaRPr kumimoji="1" lang="ja-JP" altLang="en-US"/>
+            </a:p>
+          </p:txBody>
+        </p:sp>
+        <p:sp>
+          <p:nvSpPr>
+            <p:cNvPr id="33" name="正方形/長方形 32"/>
+            <p:cNvSpPr/>
+            <p:nvPr/>
+          </p:nvSpPr>
+          <p:spPr>
+            <a:xfrm rot="10800000">
+              <a:off x="3291841" y="7482737"/>
+              <a:ext cx="2628900" cy="411378"/>
+            </a:xfrm>
+            <a:prstGeom prst="rect">
+              <a:avLst/>
+            </a:prstGeom>
             <a:solidFill>
-              <a:schemeClr val="tx1"/>
+              <a:schemeClr val="bg1"/>
             </a:solidFill>
-          </a:ln>
-        </p:spPr>
-        <p:style>
-          <a:lnRef idx="2">
-            <a:schemeClr val="accent1">
-              <a:shade val="50000"/>
-            </a:schemeClr>
-          </a:lnRef>
-          <a:fillRef idx="1">
-            <a:schemeClr val="accent1"/>
-          </a:fillRef>
-          <a:effectRef idx="0">
-            <a:schemeClr val="accent1"/>
-          </a:effectRef>
-          <a:fontRef idx="minor">
-            <a:schemeClr val="lt1"/>
-          </a:fontRef>
-        </p:style>
-        <p:txBody>
-          <a:bodyPr rtlCol="0" anchor="ctr"/>
-          <a:lstStyle/>
-          <a:p>
-            <a:pPr algn="ctr"/>
-            <a:endParaRPr kumimoji="1" lang="ja-JP" altLang="en-US"/>
-          </a:p>
-        </p:txBody>
-      </p:sp>
-      <p:sp>
-        <p:nvSpPr>
-          <p:cNvPr id="61" name="テキスト ボックス 60"/>
-          <p:cNvSpPr txBox="1"/>
-          <p:nvPr/>
-        </p:nvSpPr>
-        <p:spPr>
-          <a:xfrm>
-            <a:off x="1136561" y="6721012"/>
-            <a:ext cx="566948" cy="307777"/>
-          </a:xfrm>
-          <a:prstGeom prst="rect">
-            <a:avLst/>
-          </a:prstGeom>
-          <a:noFill/>
-        </p:spPr>
-        <p:txBody>
-          <a:bodyPr wrap="square" rtlCol="0">
-            <a:spAutoFit/>
-          </a:bodyPr>
-          <a:lstStyle/>
-          <a:p>
-            <a:r>
-              <a:rPr lang="ja-JP" altLang="en-US" sz="1400" dirty="0"/>
-              <a:t>イス</a:t>
-            </a:r>
-            <a:endParaRPr kumimoji="1" lang="ja-JP" altLang="en-US" sz="1400" dirty="0"/>
-          </a:p>
-        </p:txBody>
-      </p:sp>
-      <p:sp>
-        <p:nvSpPr>
-          <p:cNvPr id="62" name="テキスト ボックス 61"/>
-          <p:cNvSpPr txBox="1"/>
-          <p:nvPr/>
-        </p:nvSpPr>
-        <p:spPr>
-          <a:xfrm>
-            <a:off x="1779532" y="6721012"/>
-            <a:ext cx="566948" cy="307777"/>
-          </a:xfrm>
-          <a:prstGeom prst="rect">
-            <a:avLst/>
-          </a:prstGeom>
-          <a:noFill/>
-        </p:spPr>
-        <p:txBody>
-          <a:bodyPr wrap="square" rtlCol="0">
-            <a:spAutoFit/>
-          </a:bodyPr>
-          <a:lstStyle/>
-          <a:p>
-            <a:r>
-              <a:rPr lang="ja-JP" altLang="en-US" sz="1400" dirty="0"/>
-              <a:t>イス</a:t>
-            </a:r>
-            <a:endParaRPr kumimoji="1" lang="ja-JP" altLang="en-US" sz="1400" dirty="0"/>
-          </a:p>
-        </p:txBody>
-      </p:sp>
-      <p:sp>
-        <p:nvSpPr>
-          <p:cNvPr id="63" name="テキスト ボックス 62"/>
-          <p:cNvSpPr txBox="1"/>
-          <p:nvPr/>
-        </p:nvSpPr>
-        <p:spPr>
-          <a:xfrm>
-            <a:off x="2573979" y="6712438"/>
-            <a:ext cx="566948" cy="307777"/>
-          </a:xfrm>
-          <a:prstGeom prst="rect">
-            <a:avLst/>
-          </a:prstGeom>
-          <a:noFill/>
-        </p:spPr>
-        <p:txBody>
-          <a:bodyPr wrap="square" rtlCol="0">
-            <a:spAutoFit/>
-          </a:bodyPr>
-          <a:lstStyle/>
-          <a:p>
-            <a:r>
-              <a:rPr lang="ja-JP" altLang="en-US" sz="1400" dirty="0"/>
-              <a:t>イス</a:t>
-            </a:r>
-            <a:endParaRPr kumimoji="1" lang="ja-JP" altLang="en-US" sz="1400" dirty="0"/>
-          </a:p>
-        </p:txBody>
-      </p:sp>
-      <p:sp>
-        <p:nvSpPr>
-          <p:cNvPr id="64" name="テキスト ボックス 63"/>
-          <p:cNvSpPr txBox="1"/>
-          <p:nvPr/>
-        </p:nvSpPr>
-        <p:spPr>
-          <a:xfrm>
-            <a:off x="3227252" y="6703887"/>
-            <a:ext cx="566948" cy="307777"/>
-          </a:xfrm>
-          <a:prstGeom prst="rect">
-            <a:avLst/>
-          </a:prstGeom>
-          <a:noFill/>
-        </p:spPr>
-        <p:txBody>
-          <a:bodyPr wrap="square" rtlCol="0">
-            <a:spAutoFit/>
-          </a:bodyPr>
-          <a:lstStyle/>
-          <a:p>
-            <a:r>
-              <a:rPr lang="ja-JP" altLang="en-US" sz="1400" dirty="0"/>
-              <a:t>イス</a:t>
-            </a:r>
-            <a:endParaRPr kumimoji="1" lang="ja-JP" altLang="en-US" sz="1400" dirty="0"/>
-          </a:p>
-        </p:txBody>
-      </p:sp>
-      <p:sp>
-        <p:nvSpPr>
-          <p:cNvPr id="65" name="テキスト ボックス 64"/>
-          <p:cNvSpPr txBox="1"/>
-          <p:nvPr/>
-        </p:nvSpPr>
-        <p:spPr>
-          <a:xfrm>
-            <a:off x="567041" y="6703887"/>
-            <a:ext cx="576548" cy="307777"/>
-          </a:xfrm>
-          <a:prstGeom prst="rect">
-            <a:avLst/>
-          </a:prstGeom>
-          <a:noFill/>
-        </p:spPr>
-        <p:txBody>
-          <a:bodyPr wrap="square" rtlCol="0">
-            <a:spAutoFit/>
-          </a:bodyPr>
-          <a:lstStyle/>
-          <a:p>
-            <a:r>
-              <a:rPr lang="en-US" altLang="ja-JP" sz="1400" dirty="0" smtClean="0">
-                <a:solidFill>
-                  <a:srgbClr val="FF0000"/>
-                </a:solidFill>
-              </a:rPr>
-              <a:t>※</a:t>
-            </a:r>
-            <a:r>
-              <a:rPr lang="ja-JP" altLang="en-US" sz="1400" dirty="0" smtClean="0">
-                <a:solidFill>
-                  <a:srgbClr val="FF0000"/>
-                </a:solidFill>
-              </a:rPr>
-              <a:t>１</a:t>
-            </a:r>
-            <a:endParaRPr kumimoji="1" lang="ja-JP" altLang="en-US" sz="1400" dirty="0">
+            <a:ln>
               <a:solidFill>
-                <a:srgbClr val="FF0000"/>
+                <a:schemeClr val="tx1"/>
               </a:solidFill>
-            </a:endParaRPr>
-          </a:p>
-        </p:txBody>
-      </p:sp>
-      <p:sp>
-        <p:nvSpPr>
-          <p:cNvPr id="66" name="テキスト ボックス 65"/>
-          <p:cNvSpPr txBox="1"/>
-          <p:nvPr/>
-        </p:nvSpPr>
-        <p:spPr>
-          <a:xfrm>
-            <a:off x="242548" y="8939056"/>
-            <a:ext cx="6297514" cy="307777"/>
-          </a:xfrm>
-          <a:prstGeom prst="rect">
-            <a:avLst/>
-          </a:prstGeom>
-          <a:noFill/>
-        </p:spPr>
-        <p:txBody>
-          <a:bodyPr wrap="square" rtlCol="0">
-            <a:spAutoFit/>
-          </a:bodyPr>
-          <a:lstStyle/>
-          <a:p>
-            <a:r>
-              <a:rPr lang="en-US" altLang="ja-JP" sz="1400" dirty="0" smtClean="0">
-                <a:solidFill>
-                  <a:srgbClr val="FF0000"/>
-                </a:solidFill>
-              </a:rPr>
-              <a:t>※</a:t>
-            </a:r>
-            <a:r>
-              <a:rPr lang="ja-JP" altLang="en-US" sz="1400" dirty="0" smtClean="0">
-                <a:solidFill>
-                  <a:srgbClr val="FF0000"/>
-                </a:solidFill>
-              </a:rPr>
-              <a:t>１</a:t>
-            </a:r>
-            <a:r>
-              <a:rPr lang="ja-JP" altLang="en-US" sz="1400" dirty="0" smtClean="0"/>
-              <a:t>　イスは次プレイする人が優先的に座る。</a:t>
-            </a:r>
-            <a:endParaRPr kumimoji="1" lang="ja-JP" altLang="en-US" sz="1400" dirty="0"/>
-          </a:p>
-        </p:txBody>
-      </p:sp>
-      <p:sp>
-        <p:nvSpPr>
-          <p:cNvPr id="67" name="テキスト ボックス 66"/>
-          <p:cNvSpPr txBox="1"/>
-          <p:nvPr/>
-        </p:nvSpPr>
-        <p:spPr>
-          <a:xfrm>
-            <a:off x="5985094" y="5661062"/>
-            <a:ext cx="576548" cy="307777"/>
-          </a:xfrm>
-          <a:prstGeom prst="rect">
-            <a:avLst/>
-          </a:prstGeom>
-          <a:noFill/>
-        </p:spPr>
-        <p:txBody>
-          <a:bodyPr wrap="square" rtlCol="0">
-            <a:spAutoFit/>
-          </a:bodyPr>
-          <a:lstStyle/>
-          <a:p>
-            <a:r>
-              <a:rPr lang="en-US" altLang="ja-JP" sz="1400" dirty="0" smtClean="0">
-                <a:solidFill>
-                  <a:srgbClr val="FF0000"/>
-                </a:solidFill>
-              </a:rPr>
-              <a:t>※</a:t>
-            </a:r>
-            <a:r>
-              <a:rPr lang="ja-JP" altLang="en-US" sz="1400" dirty="0" smtClean="0">
-                <a:solidFill>
-                  <a:srgbClr val="FF0000"/>
-                </a:solidFill>
-              </a:rPr>
-              <a:t>２</a:t>
-            </a:r>
-            <a:endParaRPr kumimoji="1" lang="ja-JP" altLang="en-US" sz="1400" dirty="0">
+            </a:ln>
+          </p:spPr>
+          <p:style>
+            <a:lnRef idx="2">
+              <a:schemeClr val="accent1">
+                <a:shade val="50000"/>
+              </a:schemeClr>
+            </a:lnRef>
+            <a:fillRef idx="1">
+              <a:schemeClr val="accent1"/>
+            </a:fillRef>
+            <a:effectRef idx="0">
+              <a:schemeClr val="accent1"/>
+            </a:effectRef>
+            <a:fontRef idx="minor">
+              <a:schemeClr val="lt1"/>
+            </a:fontRef>
+          </p:style>
+          <p:txBody>
+            <a:bodyPr rtlCol="0" anchor="ctr"/>
+            <a:lstStyle/>
+            <a:p>
+              <a:pPr algn="ctr"/>
+              <a:endParaRPr kumimoji="1" lang="ja-JP" altLang="en-US"/>
+            </a:p>
+          </p:txBody>
+        </p:sp>
+        <p:sp>
+          <p:nvSpPr>
+            <p:cNvPr id="57" name="正方形/長方形 56"/>
+            <p:cNvSpPr/>
+            <p:nvPr/>
+          </p:nvSpPr>
+          <p:spPr>
+            <a:xfrm rot="10800000">
+              <a:off x="5363635" y="7035473"/>
+              <a:ext cx="552890" cy="322280"/>
+            </a:xfrm>
+            <a:prstGeom prst="rect">
+              <a:avLst/>
+            </a:prstGeom>
+            <a:solidFill>
+              <a:schemeClr val="bg1"/>
+            </a:solidFill>
+            <a:ln>
               <a:solidFill>
-                <a:srgbClr val="FF0000"/>
+                <a:schemeClr val="tx1"/>
               </a:solidFill>
-            </a:endParaRPr>
-          </a:p>
-        </p:txBody>
-      </p:sp>
-      <p:sp>
-        <p:nvSpPr>
-          <p:cNvPr id="68" name="テキスト ボックス 67"/>
-          <p:cNvSpPr txBox="1"/>
-          <p:nvPr/>
-        </p:nvSpPr>
-        <p:spPr>
-          <a:xfrm>
-            <a:off x="242548" y="9316941"/>
-            <a:ext cx="6615452" cy="307777"/>
-          </a:xfrm>
-          <a:prstGeom prst="rect">
-            <a:avLst/>
-          </a:prstGeom>
-          <a:noFill/>
-        </p:spPr>
-        <p:txBody>
-          <a:bodyPr wrap="square" rtlCol="0">
-            <a:spAutoFit/>
-          </a:bodyPr>
-          <a:lstStyle/>
-          <a:p>
-            <a:r>
-              <a:rPr lang="en-US" altLang="ja-JP" sz="1400" dirty="0" smtClean="0">
-                <a:solidFill>
-                  <a:srgbClr val="FF0000"/>
-                </a:solidFill>
-              </a:rPr>
-              <a:t>※</a:t>
-            </a:r>
-            <a:r>
-              <a:rPr lang="ja-JP" altLang="en-US" sz="1400" dirty="0">
-                <a:solidFill>
-                  <a:srgbClr val="FF0000"/>
-                </a:solidFill>
-              </a:rPr>
-              <a:t>２</a:t>
-            </a:r>
-            <a:r>
-              <a:rPr lang="ja-JP" altLang="en-US" sz="1400" dirty="0" smtClean="0"/>
-              <a:t>　プレイヤー席は</a:t>
-            </a:r>
-            <a:r>
-              <a:rPr lang="en-US" altLang="ja-JP" sz="1400" dirty="0" smtClean="0"/>
-              <a:t>e</a:t>
-            </a:r>
-            <a:r>
-              <a:rPr lang="ja-JP" altLang="en-US" sz="1400" dirty="0" smtClean="0"/>
-              <a:t>スポーツのようにプレイヤーの顔を見えるようにする。</a:t>
-            </a:r>
-            <a:endParaRPr kumimoji="1" lang="ja-JP" altLang="en-US" sz="1400" dirty="0"/>
-          </a:p>
-        </p:txBody>
-      </p:sp>
-      <p:sp>
-        <p:nvSpPr>
-          <p:cNvPr id="69" name="正方形/長方形 68"/>
-          <p:cNvSpPr/>
-          <p:nvPr/>
-        </p:nvSpPr>
-        <p:spPr>
-          <a:xfrm>
-            <a:off x="469113" y="7145950"/>
-            <a:ext cx="4137660" cy="1346522"/>
-          </a:xfrm>
-          <a:prstGeom prst="rect">
-            <a:avLst/>
-          </a:prstGeom>
-          <a:solidFill>
-            <a:schemeClr val="bg1"/>
-          </a:solidFill>
-          <a:ln>
+            </a:ln>
+          </p:spPr>
+          <p:style>
+            <a:lnRef idx="2">
+              <a:schemeClr val="accent1">
+                <a:shade val="50000"/>
+              </a:schemeClr>
+            </a:lnRef>
+            <a:fillRef idx="1">
+              <a:schemeClr val="accent1"/>
+            </a:fillRef>
+            <a:effectRef idx="0">
+              <a:schemeClr val="accent1"/>
+            </a:effectRef>
+            <a:fontRef idx="minor">
+              <a:schemeClr val="lt1"/>
+            </a:fontRef>
+          </p:style>
+          <p:txBody>
+            <a:bodyPr rtlCol="0" anchor="ctr"/>
+            <a:lstStyle/>
+            <a:p>
+              <a:pPr algn="ctr"/>
+              <a:endParaRPr kumimoji="1" lang="ja-JP" altLang="en-US"/>
+            </a:p>
+          </p:txBody>
+        </p:sp>
+        <p:sp>
+          <p:nvSpPr>
+            <p:cNvPr id="58" name="正方形/長方形 57"/>
+            <p:cNvSpPr/>
+            <p:nvPr/>
+          </p:nvSpPr>
+          <p:spPr>
+            <a:xfrm rot="10800000">
+              <a:off x="4711420" y="7035473"/>
+              <a:ext cx="552890" cy="322280"/>
+            </a:xfrm>
+            <a:prstGeom prst="rect">
+              <a:avLst/>
+            </a:prstGeom>
             <a:solidFill>
-              <a:schemeClr val="tx1"/>
+              <a:schemeClr val="bg1"/>
             </a:solidFill>
-            <a:prstDash val="dashDot"/>
-          </a:ln>
-        </p:spPr>
-        <p:style>
-          <a:lnRef idx="2">
-            <a:schemeClr val="accent1">
-              <a:shade val="50000"/>
-            </a:schemeClr>
-          </a:lnRef>
-          <a:fillRef idx="1">
-            <a:schemeClr val="accent1"/>
-          </a:fillRef>
-          <a:effectRef idx="0">
-            <a:schemeClr val="accent1"/>
-          </a:effectRef>
-          <a:fontRef idx="minor">
-            <a:schemeClr val="lt1"/>
-          </a:fontRef>
-        </p:style>
-        <p:txBody>
-          <a:bodyPr rtlCol="0" anchor="ctr"/>
-          <a:lstStyle/>
-          <a:p>
-            <a:pPr algn="ctr"/>
-            <a:endParaRPr kumimoji="1" lang="ja-JP" altLang="en-US"/>
-          </a:p>
-        </p:txBody>
-      </p:sp>
+            <a:ln>
+              <a:solidFill>
+                <a:schemeClr val="tx1"/>
+              </a:solidFill>
+            </a:ln>
+          </p:spPr>
+          <p:style>
+            <a:lnRef idx="2">
+              <a:schemeClr val="accent1">
+                <a:shade val="50000"/>
+              </a:schemeClr>
+            </a:lnRef>
+            <a:fillRef idx="1">
+              <a:schemeClr val="accent1"/>
+            </a:fillRef>
+            <a:effectRef idx="0">
+              <a:schemeClr val="accent1"/>
+            </a:effectRef>
+            <a:fontRef idx="minor">
+              <a:schemeClr val="lt1"/>
+            </a:fontRef>
+          </p:style>
+          <p:txBody>
+            <a:bodyPr rtlCol="0" anchor="ctr"/>
+            <a:lstStyle/>
+            <a:p>
+              <a:pPr algn="ctr"/>
+              <a:endParaRPr kumimoji="1" lang="ja-JP" altLang="en-US"/>
+            </a:p>
+          </p:txBody>
+        </p:sp>
+        <p:sp>
+          <p:nvSpPr>
+            <p:cNvPr id="59" name="正方形/長方形 58"/>
+            <p:cNvSpPr/>
+            <p:nvPr/>
+          </p:nvSpPr>
+          <p:spPr>
+            <a:xfrm rot="10800000">
+              <a:off x="3279543" y="7033725"/>
+              <a:ext cx="552890" cy="322280"/>
+            </a:xfrm>
+            <a:prstGeom prst="rect">
+              <a:avLst/>
+            </a:prstGeom>
+            <a:solidFill>
+              <a:schemeClr val="bg1"/>
+            </a:solidFill>
+            <a:ln>
+              <a:solidFill>
+                <a:schemeClr val="tx1"/>
+              </a:solidFill>
+            </a:ln>
+          </p:spPr>
+          <p:style>
+            <a:lnRef idx="2">
+              <a:schemeClr val="accent1">
+                <a:shade val="50000"/>
+              </a:schemeClr>
+            </a:lnRef>
+            <a:fillRef idx="1">
+              <a:schemeClr val="accent1"/>
+            </a:fillRef>
+            <a:effectRef idx="0">
+              <a:schemeClr val="accent1"/>
+            </a:effectRef>
+            <a:fontRef idx="minor">
+              <a:schemeClr val="lt1"/>
+            </a:fontRef>
+          </p:style>
+          <p:txBody>
+            <a:bodyPr rtlCol="0" anchor="ctr"/>
+            <a:lstStyle/>
+            <a:p>
+              <a:pPr algn="ctr"/>
+              <a:endParaRPr kumimoji="1" lang="ja-JP" altLang="en-US"/>
+            </a:p>
+          </p:txBody>
+        </p:sp>
+        <p:sp>
+          <p:nvSpPr>
+            <p:cNvPr id="60" name="正方形/長方形 59"/>
+            <p:cNvSpPr/>
+            <p:nvPr/>
+          </p:nvSpPr>
+          <p:spPr>
+            <a:xfrm rot="10800000">
+              <a:off x="3931758" y="7033725"/>
+              <a:ext cx="552890" cy="322280"/>
+            </a:xfrm>
+            <a:prstGeom prst="rect">
+              <a:avLst/>
+            </a:prstGeom>
+            <a:solidFill>
+              <a:schemeClr val="bg1"/>
+            </a:solidFill>
+            <a:ln>
+              <a:solidFill>
+                <a:schemeClr val="tx1"/>
+              </a:solidFill>
+            </a:ln>
+          </p:spPr>
+          <p:style>
+            <a:lnRef idx="2">
+              <a:schemeClr val="accent1">
+                <a:shade val="50000"/>
+              </a:schemeClr>
+            </a:lnRef>
+            <a:fillRef idx="1">
+              <a:schemeClr val="accent1"/>
+            </a:fillRef>
+            <a:effectRef idx="0">
+              <a:schemeClr val="accent1"/>
+            </a:effectRef>
+            <a:fontRef idx="minor">
+              <a:schemeClr val="lt1"/>
+            </a:fontRef>
+          </p:style>
+          <p:txBody>
+            <a:bodyPr rtlCol="0" anchor="ctr"/>
+            <a:lstStyle/>
+            <a:p>
+              <a:pPr algn="ctr"/>
+              <a:endParaRPr kumimoji="1" lang="ja-JP" altLang="en-US"/>
+            </a:p>
+          </p:txBody>
+        </p:sp>
+        <p:sp>
+          <p:nvSpPr>
+            <p:cNvPr id="69" name="正方形/長方形 68"/>
+            <p:cNvSpPr/>
+            <p:nvPr/>
+          </p:nvSpPr>
+          <p:spPr>
+            <a:xfrm rot="10800000">
+              <a:off x="2453342" y="5570193"/>
+              <a:ext cx="4137660" cy="1346522"/>
+            </a:xfrm>
+            <a:prstGeom prst="rect">
+              <a:avLst/>
+            </a:prstGeom>
+            <a:solidFill>
+              <a:schemeClr val="bg1"/>
+            </a:solidFill>
+            <a:ln>
+              <a:solidFill>
+                <a:schemeClr val="tx1"/>
+              </a:solidFill>
+              <a:prstDash val="dashDot"/>
+            </a:ln>
+          </p:spPr>
+          <p:style>
+            <a:lnRef idx="2">
+              <a:schemeClr val="accent1">
+                <a:shade val="50000"/>
+              </a:schemeClr>
+            </a:lnRef>
+            <a:fillRef idx="1">
+              <a:schemeClr val="accent1"/>
+            </a:fillRef>
+            <a:effectRef idx="0">
+              <a:schemeClr val="accent1"/>
+            </a:effectRef>
+            <a:fontRef idx="minor">
+              <a:schemeClr val="lt1"/>
+            </a:fontRef>
+          </p:style>
+          <p:txBody>
+            <a:bodyPr rtlCol="0" anchor="ctr"/>
+            <a:lstStyle/>
+            <a:p>
+              <a:pPr algn="ctr"/>
+              <a:endParaRPr kumimoji="1" lang="ja-JP" altLang="en-US"/>
+            </a:p>
+          </p:txBody>
+        </p:sp>
+      </p:grpSp>
       <p:sp>
         <p:nvSpPr>
           <p:cNvPr id="70" name="テキスト ボックス 69"/>
@@ -5005,7 +4545,7 @@
         </p:nvSpPr>
         <p:spPr>
           <a:xfrm>
-            <a:off x="1257989" y="7632485"/>
+            <a:off x="3411702" y="8062498"/>
             <a:ext cx="2609588" cy="369332"/>
           </a:xfrm>
           <a:prstGeom prst="rect">
@@ -5069,6 +4609,642 @@
           </a:prstGeom>
         </p:spPr>
       </p:pic>
+      <p:sp>
+        <p:nvSpPr>
+          <p:cNvPr id="71" name="タイトル 1"/>
+          <p:cNvSpPr txBox="1">
+            <a:spLocks/>
+          </p:cNvSpPr>
+          <p:nvPr/>
+        </p:nvSpPr>
+        <p:spPr>
+          <a:xfrm>
+            <a:off x="1752225" y="5046271"/>
+            <a:ext cx="3352800" cy="516219"/>
+          </a:xfrm>
+          <a:prstGeom prst="rect">
+            <a:avLst/>
+          </a:prstGeom>
+        </p:spPr>
+        <p:txBody>
+          <a:bodyPr vert="horz" lIns="91440" tIns="45720" rIns="91440" bIns="45720" rtlCol="0" anchor="b">
+            <a:normAutofit fontScale="82500" lnSpcReduction="10000"/>
+          </a:bodyPr>
+          <a:lstStyle>
+            <a:lvl1pPr algn="ctr" defTabSz="685800" rtl="0" eaLnBrk="1" latinLnBrk="0" hangingPunct="1">
+              <a:lnSpc>
+                <a:spcPct val="90000"/>
+              </a:lnSpc>
+              <a:spcBef>
+                <a:spcPct val="0"/>
+              </a:spcBef>
+              <a:buNone/>
+              <a:defRPr kumimoji="1" sz="4500" kern="1200">
+                <a:solidFill>
+                  <a:schemeClr val="tx1"/>
+                </a:solidFill>
+                <a:latin typeface="+mj-lt"/>
+                <a:ea typeface="+mj-ea"/>
+                <a:cs typeface="+mj-cs"/>
+              </a:defRPr>
+            </a:lvl1pPr>
+          </a:lstStyle>
+          <a:p>
+            <a:r>
+              <a:rPr lang="ja-JP" altLang="en-US" sz="2400" dirty="0" smtClean="0">
+                <a:latin typeface="HGS明朝E" panose="02020900000000000000" pitchFamily="18" charset="-128"/>
+                <a:ea typeface="HGS明朝E" panose="02020900000000000000" pitchFamily="18" charset="-128"/>
+              </a:rPr>
+              <a:t>場所 </a:t>
+            </a:r>
+            <a:r>
+              <a:rPr lang="en-US" altLang="ja-JP" sz="2400" dirty="0" smtClean="0">
+                <a:latin typeface="HGS明朝E" panose="02020900000000000000" pitchFamily="18" charset="-128"/>
+                <a:ea typeface="HGS明朝E" panose="02020900000000000000" pitchFamily="18" charset="-128"/>
+              </a:rPr>
+              <a:t>: </a:t>
+            </a:r>
+            <a:r>
+              <a:rPr lang="en-US" altLang="ja-JP" sz="2400" dirty="0" err="1" smtClean="0">
+                <a:latin typeface="HGS明朝E" panose="02020900000000000000" pitchFamily="18" charset="-128"/>
+                <a:ea typeface="HGS明朝E" panose="02020900000000000000" pitchFamily="18" charset="-128"/>
+              </a:rPr>
+              <a:t>JoBi</a:t>
+            </a:r>
+            <a:r>
+              <a:rPr lang="ja-JP" altLang="en-US" sz="2400" dirty="0" smtClean="0">
+                <a:latin typeface="HGS明朝E" panose="02020900000000000000" pitchFamily="18" charset="-128"/>
+                <a:ea typeface="HGS明朝E" panose="02020900000000000000" pitchFamily="18" charset="-128"/>
+              </a:rPr>
+              <a:t>ホール左側手前</a:t>
+            </a:r>
+            <a:endParaRPr lang="ja-JP" altLang="en-US" sz="2400" dirty="0">
+              <a:latin typeface="HGS明朝E" panose="02020900000000000000" pitchFamily="18" charset="-128"/>
+              <a:ea typeface="HGS明朝E" panose="02020900000000000000" pitchFamily="18" charset="-128"/>
+            </a:endParaRPr>
+          </a:p>
+        </p:txBody>
+      </p:sp>
+      <p:cxnSp>
+        <p:nvCxnSpPr>
+          <p:cNvPr id="14" name="直線コネクタ 13"/>
+          <p:cNvCxnSpPr/>
+          <p:nvPr/>
+        </p:nvCxnSpPr>
+        <p:spPr>
+          <a:xfrm>
+            <a:off x="201558" y="5676243"/>
+            <a:ext cx="6454134" cy="0"/>
+          </a:xfrm>
+          <a:prstGeom prst="line">
+            <a:avLst/>
+          </a:prstGeom>
+          <a:ln>
+            <a:solidFill>
+              <a:schemeClr val="tx1"/>
+            </a:solidFill>
+          </a:ln>
+        </p:spPr>
+        <p:style>
+          <a:lnRef idx="1">
+            <a:schemeClr val="accent1"/>
+          </a:lnRef>
+          <a:fillRef idx="0">
+            <a:schemeClr val="accent1"/>
+          </a:fillRef>
+          <a:effectRef idx="0">
+            <a:schemeClr val="accent1"/>
+          </a:effectRef>
+          <a:fontRef idx="minor">
+            <a:schemeClr val="tx1"/>
+          </a:fontRef>
+        </p:style>
+      </p:cxnSp>
+      <p:cxnSp>
+        <p:nvCxnSpPr>
+          <p:cNvPr id="72" name="直線コネクタ 71"/>
+          <p:cNvCxnSpPr/>
+          <p:nvPr/>
+        </p:nvCxnSpPr>
+        <p:spPr>
+          <a:xfrm>
+            <a:off x="201558" y="2142250"/>
+            <a:ext cx="6454134" cy="0"/>
+          </a:xfrm>
+          <a:prstGeom prst="line">
+            <a:avLst/>
+          </a:prstGeom>
+          <a:ln>
+            <a:solidFill>
+              <a:schemeClr val="tx1"/>
+            </a:solidFill>
+          </a:ln>
+        </p:spPr>
+        <p:style>
+          <a:lnRef idx="1">
+            <a:schemeClr val="accent1"/>
+          </a:lnRef>
+          <a:fillRef idx="0">
+            <a:schemeClr val="accent1"/>
+          </a:fillRef>
+          <a:effectRef idx="0">
+            <a:schemeClr val="accent1"/>
+          </a:effectRef>
+          <a:fontRef idx="minor">
+            <a:schemeClr val="tx1"/>
+          </a:fontRef>
+        </p:style>
+      </p:cxnSp>
+      <p:sp>
+        <p:nvSpPr>
+          <p:cNvPr id="31" name="テキスト ボックス 30"/>
+          <p:cNvSpPr txBox="1"/>
+          <p:nvPr/>
+        </p:nvSpPr>
+        <p:spPr>
+          <a:xfrm>
+            <a:off x="1256539" y="6591382"/>
+            <a:ext cx="400110" cy="1968024"/>
+          </a:xfrm>
+          <a:prstGeom prst="rect">
+            <a:avLst/>
+          </a:prstGeom>
+          <a:noFill/>
+        </p:spPr>
+        <p:txBody>
+          <a:bodyPr vert="eaVert" wrap="square" rtlCol="0">
+            <a:spAutoFit/>
+          </a:bodyPr>
+          <a:lstStyle/>
+          <a:p>
+            <a:r>
+              <a:rPr lang="ja-JP" altLang="en-US" sz="1400" dirty="0" smtClean="0"/>
+              <a:t>プレイヤー用モニター</a:t>
+            </a:r>
+            <a:endParaRPr kumimoji="1" lang="ja-JP" altLang="en-US" sz="1400" dirty="0"/>
+          </a:p>
+        </p:txBody>
+      </p:sp>
+      <p:sp>
+        <p:nvSpPr>
+          <p:cNvPr id="32" name="テキスト ボックス 31"/>
+          <p:cNvSpPr txBox="1"/>
+          <p:nvPr/>
+        </p:nvSpPr>
+        <p:spPr>
+          <a:xfrm>
+            <a:off x="3741182" y="6072729"/>
+            <a:ext cx="1563349" cy="369332"/>
+          </a:xfrm>
+          <a:prstGeom prst="rect">
+            <a:avLst/>
+          </a:prstGeom>
+          <a:noFill/>
+        </p:spPr>
+        <p:txBody>
+          <a:bodyPr wrap="square" rtlCol="0">
+            <a:spAutoFit/>
+          </a:bodyPr>
+          <a:lstStyle/>
+          <a:p>
+            <a:r>
+              <a:rPr kumimoji="1" lang="ja-JP" altLang="en-US" dirty="0" smtClean="0"/>
+              <a:t>観客用モニタ</a:t>
+            </a:r>
+            <a:endParaRPr kumimoji="1" lang="ja-JP" altLang="en-US" dirty="0"/>
+          </a:p>
+        </p:txBody>
+      </p:sp>
+      <p:sp>
+        <p:nvSpPr>
+          <p:cNvPr id="34" name="テキスト ボックス 33"/>
+          <p:cNvSpPr txBox="1"/>
+          <p:nvPr/>
+        </p:nvSpPr>
+        <p:spPr>
+          <a:xfrm>
+            <a:off x="3922124" y="6611662"/>
+            <a:ext cx="1201463" cy="369332"/>
+          </a:xfrm>
+          <a:prstGeom prst="rect">
+            <a:avLst/>
+          </a:prstGeom>
+          <a:noFill/>
+        </p:spPr>
+        <p:txBody>
+          <a:bodyPr wrap="square" rtlCol="0">
+            <a:spAutoFit/>
+          </a:bodyPr>
+          <a:lstStyle/>
+          <a:p>
+            <a:r>
+              <a:rPr kumimoji="1" lang="ja-JP" altLang="en-US" dirty="0" smtClean="0"/>
+              <a:t>テーブル</a:t>
+            </a:r>
+            <a:endParaRPr kumimoji="1" lang="ja-JP" altLang="en-US" dirty="0"/>
+          </a:p>
+        </p:txBody>
+      </p:sp>
+      <p:sp>
+        <p:nvSpPr>
+          <p:cNvPr id="36" name="テキスト ボックス 35"/>
+          <p:cNvSpPr txBox="1"/>
+          <p:nvPr/>
+        </p:nvSpPr>
+        <p:spPr>
+          <a:xfrm>
+            <a:off x="1800127" y="6072391"/>
+            <a:ext cx="1615193" cy="338554"/>
+          </a:xfrm>
+          <a:prstGeom prst="rect">
+            <a:avLst/>
+          </a:prstGeom>
+          <a:noFill/>
+        </p:spPr>
+        <p:txBody>
+          <a:bodyPr wrap="square" rtlCol="0">
+            <a:spAutoFit/>
+          </a:bodyPr>
+          <a:lstStyle/>
+          <a:p>
+            <a:r>
+              <a:rPr kumimoji="1" lang="ja-JP" altLang="en-US" sz="1600" dirty="0" smtClean="0"/>
+              <a:t>プレイ映像出力</a:t>
+            </a:r>
+            <a:endParaRPr kumimoji="1" lang="ja-JP" altLang="en-US" sz="1600" dirty="0"/>
+          </a:p>
+        </p:txBody>
+      </p:sp>
+      <p:sp>
+        <p:nvSpPr>
+          <p:cNvPr id="38" name="テキスト ボックス 37"/>
+          <p:cNvSpPr txBox="1"/>
+          <p:nvPr/>
+        </p:nvSpPr>
+        <p:spPr>
+          <a:xfrm>
+            <a:off x="761684" y="6947850"/>
+            <a:ext cx="403828" cy="1210822"/>
+          </a:xfrm>
+          <a:prstGeom prst="rect">
+            <a:avLst/>
+          </a:prstGeom>
+          <a:noFill/>
+        </p:spPr>
+        <p:txBody>
+          <a:bodyPr vert="eaVert" wrap="square" rtlCol="0">
+            <a:spAutoFit/>
+          </a:bodyPr>
+          <a:lstStyle/>
+          <a:p>
+            <a:r>
+              <a:rPr lang="ja-JP" altLang="en-US" sz="1400" dirty="0" smtClean="0"/>
+              <a:t>アケコン</a:t>
+            </a:r>
+            <a:r>
+              <a:rPr lang="en-US" altLang="ja-JP" sz="1400" dirty="0" smtClean="0"/>
+              <a:t>4</a:t>
+            </a:r>
+            <a:r>
+              <a:rPr lang="ja-JP" altLang="en-US" sz="1400" dirty="0" smtClean="0"/>
+              <a:t>台</a:t>
+            </a:r>
+            <a:endParaRPr kumimoji="1" lang="ja-JP" altLang="en-US" sz="1400" dirty="0"/>
+          </a:p>
+        </p:txBody>
+      </p:sp>
+      <p:sp>
+        <p:nvSpPr>
+          <p:cNvPr id="61" name="テキスト ボックス 60"/>
+          <p:cNvSpPr txBox="1"/>
+          <p:nvPr/>
+        </p:nvSpPr>
+        <p:spPr>
+          <a:xfrm>
+            <a:off x="3189221" y="7132149"/>
+            <a:ext cx="566948" cy="307777"/>
+          </a:xfrm>
+          <a:prstGeom prst="rect">
+            <a:avLst/>
+          </a:prstGeom>
+          <a:noFill/>
+        </p:spPr>
+        <p:txBody>
+          <a:bodyPr wrap="square" rtlCol="0">
+            <a:spAutoFit/>
+          </a:bodyPr>
+          <a:lstStyle/>
+          <a:p>
+            <a:r>
+              <a:rPr lang="ja-JP" altLang="en-US" sz="1400" dirty="0"/>
+              <a:t>イス</a:t>
+            </a:r>
+            <a:endParaRPr kumimoji="1" lang="ja-JP" altLang="en-US" sz="1400" dirty="0"/>
+          </a:p>
+        </p:txBody>
+      </p:sp>
+      <p:sp>
+        <p:nvSpPr>
+          <p:cNvPr id="62" name="テキスト ボックス 61"/>
+          <p:cNvSpPr txBox="1"/>
+          <p:nvPr/>
+        </p:nvSpPr>
+        <p:spPr>
+          <a:xfrm>
+            <a:off x="3855494" y="7135018"/>
+            <a:ext cx="566948" cy="307777"/>
+          </a:xfrm>
+          <a:prstGeom prst="rect">
+            <a:avLst/>
+          </a:prstGeom>
+          <a:noFill/>
+        </p:spPr>
+        <p:txBody>
+          <a:bodyPr wrap="square" rtlCol="0">
+            <a:spAutoFit/>
+          </a:bodyPr>
+          <a:lstStyle/>
+          <a:p>
+            <a:r>
+              <a:rPr lang="ja-JP" altLang="en-US" sz="1400" dirty="0"/>
+              <a:t>イス</a:t>
+            </a:r>
+            <a:endParaRPr kumimoji="1" lang="ja-JP" altLang="en-US" sz="1400" dirty="0"/>
+          </a:p>
+        </p:txBody>
+      </p:sp>
+      <p:sp>
+        <p:nvSpPr>
+          <p:cNvPr id="63" name="テキスト ボックス 62"/>
+          <p:cNvSpPr txBox="1"/>
+          <p:nvPr/>
+        </p:nvSpPr>
+        <p:spPr>
+          <a:xfrm>
+            <a:off x="4629957" y="7135018"/>
+            <a:ext cx="566948" cy="307777"/>
+          </a:xfrm>
+          <a:prstGeom prst="rect">
+            <a:avLst/>
+          </a:prstGeom>
+          <a:noFill/>
+        </p:spPr>
+        <p:txBody>
+          <a:bodyPr wrap="square" rtlCol="0">
+            <a:spAutoFit/>
+          </a:bodyPr>
+          <a:lstStyle/>
+          <a:p>
+            <a:r>
+              <a:rPr lang="ja-JP" altLang="en-US" sz="1400" dirty="0"/>
+              <a:t>イス</a:t>
+            </a:r>
+            <a:endParaRPr kumimoji="1" lang="ja-JP" altLang="en-US" sz="1400" dirty="0"/>
+          </a:p>
+        </p:txBody>
+      </p:sp>
+      <p:sp>
+        <p:nvSpPr>
+          <p:cNvPr id="64" name="テキスト ボックス 63"/>
+          <p:cNvSpPr txBox="1"/>
+          <p:nvPr/>
+        </p:nvSpPr>
+        <p:spPr>
+          <a:xfrm>
+            <a:off x="5296230" y="7135018"/>
+            <a:ext cx="566948" cy="307777"/>
+          </a:xfrm>
+          <a:prstGeom prst="rect">
+            <a:avLst/>
+          </a:prstGeom>
+          <a:noFill/>
+        </p:spPr>
+        <p:txBody>
+          <a:bodyPr wrap="square" rtlCol="0">
+            <a:spAutoFit/>
+          </a:bodyPr>
+          <a:lstStyle/>
+          <a:p>
+            <a:r>
+              <a:rPr lang="ja-JP" altLang="en-US" sz="1400" dirty="0"/>
+              <a:t>イス</a:t>
+            </a:r>
+            <a:endParaRPr kumimoji="1" lang="ja-JP" altLang="en-US" sz="1400" dirty="0"/>
+          </a:p>
+        </p:txBody>
+      </p:sp>
+      <p:sp>
+        <p:nvSpPr>
+          <p:cNvPr id="65" name="テキスト ボックス 64"/>
+          <p:cNvSpPr txBox="1"/>
+          <p:nvPr/>
+        </p:nvSpPr>
+        <p:spPr>
+          <a:xfrm>
+            <a:off x="363323" y="5864595"/>
+            <a:ext cx="576548" cy="307777"/>
+          </a:xfrm>
+          <a:prstGeom prst="rect">
+            <a:avLst/>
+          </a:prstGeom>
+          <a:noFill/>
+        </p:spPr>
+        <p:txBody>
+          <a:bodyPr wrap="square" rtlCol="0">
+            <a:spAutoFit/>
+          </a:bodyPr>
+          <a:lstStyle/>
+          <a:p>
+            <a:r>
+              <a:rPr lang="en-US" altLang="ja-JP" sz="1400" dirty="0" smtClean="0">
+                <a:solidFill>
+                  <a:srgbClr val="FF0000"/>
+                </a:solidFill>
+              </a:rPr>
+              <a:t>※</a:t>
+            </a:r>
+            <a:r>
+              <a:rPr lang="ja-JP" altLang="en-US" sz="1400" dirty="0" smtClean="0">
+                <a:solidFill>
+                  <a:srgbClr val="FF0000"/>
+                </a:solidFill>
+              </a:rPr>
+              <a:t>１</a:t>
+            </a:r>
+            <a:endParaRPr kumimoji="1" lang="ja-JP" altLang="en-US" sz="1400" dirty="0">
+              <a:solidFill>
+                <a:srgbClr val="FF0000"/>
+              </a:solidFill>
+            </a:endParaRPr>
+          </a:p>
+        </p:txBody>
+      </p:sp>
+      <p:sp>
+        <p:nvSpPr>
+          <p:cNvPr id="46" name="テキスト ボックス 45"/>
+          <p:cNvSpPr txBox="1"/>
+          <p:nvPr/>
+        </p:nvSpPr>
+        <p:spPr>
+          <a:xfrm>
+            <a:off x="334058" y="6298213"/>
+            <a:ext cx="400110" cy="572911"/>
+          </a:xfrm>
+          <a:prstGeom prst="rect">
+            <a:avLst/>
+          </a:prstGeom>
+          <a:noFill/>
+        </p:spPr>
+        <p:txBody>
+          <a:bodyPr vert="eaVert" wrap="square" rtlCol="0">
+            <a:spAutoFit/>
+          </a:bodyPr>
+          <a:lstStyle/>
+          <a:p>
+            <a:r>
+              <a:rPr lang="ja-JP" altLang="en-US" sz="1400" dirty="0" smtClean="0"/>
+              <a:t>イス</a:t>
+            </a:r>
+            <a:endParaRPr kumimoji="1" lang="ja-JP" altLang="en-US" sz="1400" dirty="0"/>
+          </a:p>
+        </p:txBody>
+      </p:sp>
+      <p:sp>
+        <p:nvSpPr>
+          <p:cNvPr id="48" name="テキスト ボックス 47"/>
+          <p:cNvSpPr txBox="1"/>
+          <p:nvPr/>
+        </p:nvSpPr>
+        <p:spPr>
+          <a:xfrm>
+            <a:off x="335435" y="6962347"/>
+            <a:ext cx="400110" cy="572911"/>
+          </a:xfrm>
+          <a:prstGeom prst="rect">
+            <a:avLst/>
+          </a:prstGeom>
+          <a:noFill/>
+        </p:spPr>
+        <p:txBody>
+          <a:bodyPr vert="eaVert" wrap="square" rtlCol="0">
+            <a:spAutoFit/>
+          </a:bodyPr>
+          <a:lstStyle/>
+          <a:p>
+            <a:r>
+              <a:rPr lang="ja-JP" altLang="en-US" sz="1400" dirty="0" smtClean="0"/>
+              <a:t>イス</a:t>
+            </a:r>
+            <a:endParaRPr kumimoji="1" lang="ja-JP" altLang="en-US" sz="1400" dirty="0"/>
+          </a:p>
+        </p:txBody>
+      </p:sp>
+      <p:sp>
+        <p:nvSpPr>
+          <p:cNvPr id="49" name="テキスト ボックス 48"/>
+          <p:cNvSpPr txBox="1"/>
+          <p:nvPr/>
+        </p:nvSpPr>
+        <p:spPr>
+          <a:xfrm>
+            <a:off x="333088" y="7706549"/>
+            <a:ext cx="400110" cy="572911"/>
+          </a:xfrm>
+          <a:prstGeom prst="rect">
+            <a:avLst/>
+          </a:prstGeom>
+          <a:noFill/>
+        </p:spPr>
+        <p:txBody>
+          <a:bodyPr vert="eaVert" wrap="square" rtlCol="0">
+            <a:spAutoFit/>
+          </a:bodyPr>
+          <a:lstStyle/>
+          <a:p>
+            <a:r>
+              <a:rPr lang="ja-JP" altLang="en-US" sz="1400" dirty="0" smtClean="0"/>
+              <a:t>イス</a:t>
+            </a:r>
+            <a:endParaRPr kumimoji="1" lang="ja-JP" altLang="en-US" sz="1400" dirty="0"/>
+          </a:p>
+        </p:txBody>
+      </p:sp>
+      <p:sp>
+        <p:nvSpPr>
+          <p:cNvPr id="50" name="テキスト ボックス 49"/>
+          <p:cNvSpPr txBox="1"/>
+          <p:nvPr/>
+        </p:nvSpPr>
+        <p:spPr>
+          <a:xfrm>
+            <a:off x="333088" y="8334451"/>
+            <a:ext cx="400110" cy="572911"/>
+          </a:xfrm>
+          <a:prstGeom prst="rect">
+            <a:avLst/>
+          </a:prstGeom>
+          <a:noFill/>
+        </p:spPr>
+        <p:txBody>
+          <a:bodyPr vert="eaVert" wrap="square" rtlCol="0">
+            <a:spAutoFit/>
+          </a:bodyPr>
+          <a:lstStyle/>
+          <a:p>
+            <a:r>
+              <a:rPr lang="ja-JP" altLang="en-US" sz="1400" dirty="0" smtClean="0"/>
+              <a:t>イス</a:t>
+            </a:r>
+            <a:endParaRPr kumimoji="1" lang="ja-JP" altLang="en-US" sz="1400" dirty="0"/>
+          </a:p>
+        </p:txBody>
+      </p:sp>
+      <p:sp>
+        <p:nvSpPr>
+          <p:cNvPr id="67" name="テキスト ボックス 66"/>
+          <p:cNvSpPr txBox="1"/>
+          <p:nvPr/>
+        </p:nvSpPr>
+        <p:spPr>
+          <a:xfrm>
+            <a:off x="2657727" y="7112223"/>
+            <a:ext cx="576548" cy="307777"/>
+          </a:xfrm>
+          <a:prstGeom prst="rect">
+            <a:avLst/>
+          </a:prstGeom>
+          <a:noFill/>
+        </p:spPr>
+        <p:txBody>
+          <a:bodyPr wrap="square" rtlCol="0">
+            <a:spAutoFit/>
+          </a:bodyPr>
+          <a:lstStyle/>
+          <a:p>
+            <a:r>
+              <a:rPr lang="en-US" altLang="ja-JP" sz="1400" dirty="0" smtClean="0">
+                <a:solidFill>
+                  <a:srgbClr val="FF0000"/>
+                </a:solidFill>
+              </a:rPr>
+              <a:t>※</a:t>
+            </a:r>
+            <a:r>
+              <a:rPr lang="ja-JP" altLang="en-US" sz="1400" dirty="0" smtClean="0">
+                <a:solidFill>
+                  <a:srgbClr val="FF0000"/>
+                </a:solidFill>
+              </a:rPr>
+              <a:t>２</a:t>
+            </a:r>
+            <a:endParaRPr kumimoji="1" lang="ja-JP" altLang="en-US" sz="1400" dirty="0">
+              <a:solidFill>
+                <a:srgbClr val="FF0000"/>
+              </a:solidFill>
+            </a:endParaRPr>
+          </a:p>
+        </p:txBody>
+      </p:sp>
     </p:spTree>
     <p:extLst>
       <p:ext uri="{BB962C8B-B14F-4D97-AF65-F5344CB8AC3E}">
@@ -5129,11 +5305,11 @@
           <a:lstStyle/>
           <a:p>
             <a:r>
-              <a:rPr kumimoji="1" lang="ja-JP" altLang="en-US" sz="4000" dirty="0" smtClean="0">
-                <a:latin typeface="HGS明朝E" panose="02020900000000000000" pitchFamily="18" charset="-128"/>
-                <a:ea typeface="HGS明朝E" panose="02020900000000000000" pitchFamily="18" charset="-128"/>
-              </a:rPr>
-              <a:t>ブース設計図</a:t>
+              <a:rPr lang="ja-JP" altLang="en-US" sz="4000" dirty="0" smtClean="0">
+                <a:latin typeface="HGS明朝E" panose="02020900000000000000" pitchFamily="18" charset="-128"/>
+                <a:ea typeface="HGS明朝E" panose="02020900000000000000" pitchFamily="18" charset="-128"/>
+              </a:rPr>
+              <a:t>必要材料･機材</a:t>
             </a:r>
             <a:endParaRPr kumimoji="1" lang="ja-JP" altLang="en-US" sz="4000" dirty="0">
               <a:latin typeface="HGS明朝E" panose="02020900000000000000" pitchFamily="18" charset="-128"/>
@@ -5180,7 +5356,7 @@
         </p:nvSpPr>
         <p:spPr>
           <a:xfrm>
-            <a:off x="142875" y="5793167"/>
+            <a:off x="142875" y="5915301"/>
             <a:ext cx="6572250" cy="3816688"/>
           </a:xfrm>
           <a:prstGeom prst="rect">
@@ -5229,7 +5405,7 @@
         <p:spPr>
           <a:xfrm>
             <a:off x="142875" y="1658460"/>
-            <a:ext cx="6572250" cy="3618389"/>
+            <a:ext cx="6572250" cy="4132792"/>
           </a:xfrm>
           <a:prstGeom prst="rect">
             <a:avLst/>
@@ -5316,8 +5492,8 @@
         </p:nvSpPr>
         <p:spPr>
           <a:xfrm>
-            <a:off x="247649" y="2374932"/>
-            <a:ext cx="5876925" cy="2677656"/>
+            <a:off x="247649" y="2272712"/>
+            <a:ext cx="5876925" cy="3416320"/>
           </a:xfrm>
           <a:prstGeom prst="rect">
             <a:avLst/>
@@ -5335,6 +5511,36 @@
                 <a:latin typeface="HGS明朝E" panose="02020900000000000000" pitchFamily="18" charset="-128"/>
                 <a:ea typeface="HGS明朝E" panose="02020900000000000000" pitchFamily="18" charset="-128"/>
               </a:rPr>
+              <a:t>･筐体</a:t>
+            </a:r>
+            <a:r>
+              <a:rPr lang="en-US" altLang="ja-JP" sz="2400" dirty="0" smtClean="0">
+                <a:latin typeface="HGS明朝E" panose="02020900000000000000" pitchFamily="18" charset="-128"/>
+                <a:ea typeface="HGS明朝E" panose="02020900000000000000" pitchFamily="18" charset="-128"/>
+              </a:rPr>
+              <a:t>(※</a:t>
+            </a:r>
+            <a:r>
+              <a:rPr lang="ja-JP" altLang="en-US" sz="2400" dirty="0" smtClean="0">
+                <a:latin typeface="HGS明朝E" panose="02020900000000000000" pitchFamily="18" charset="-128"/>
+                <a:ea typeface="HGS明朝E" panose="02020900000000000000" pitchFamily="18" charset="-128"/>
+              </a:rPr>
+              <a:t>次ページ参考</a:t>
+            </a:r>
+            <a:r>
+              <a:rPr lang="en-US" altLang="ja-JP" sz="2400" dirty="0" smtClean="0">
+                <a:latin typeface="HGS明朝E" panose="02020900000000000000" pitchFamily="18" charset="-128"/>
+                <a:ea typeface="HGS明朝E" panose="02020900000000000000" pitchFamily="18" charset="-128"/>
+              </a:rPr>
+              <a:t>)</a:t>
+            </a:r>
+          </a:p>
+          <a:p>
+            <a:r>
+              <a:rPr lang="ja-JP" altLang="en-US" sz="2400" dirty="0" smtClean="0">
+                <a:latin typeface="HGS明朝E" panose="02020900000000000000" pitchFamily="18" charset="-128"/>
+                <a:ea typeface="HGS明朝E" panose="02020900000000000000" pitchFamily="18" charset="-128"/>
+              </a:rPr>
               <a:t>･空き瓶のようなもの</a:t>
             </a:r>
             <a:r>
@@ -5458,7 +5664,48 @@
                 <a:latin typeface="HGS明朝E" panose="02020900000000000000" pitchFamily="18" charset="-128"/>
                 <a:ea typeface="HGS明朝E" panose="02020900000000000000" pitchFamily="18" charset="-128"/>
               </a:rPr>
-              <a:t>･小さい冷蔵庫</a:t>
+              <a:t>･</a:t>
+            </a:r>
+            <a:r>
+              <a:rPr lang="ja-JP" altLang="en-US" sz="2400" dirty="0">
+                <a:latin typeface="HGS明朝E" panose="02020900000000000000" pitchFamily="18" charset="-128"/>
+                <a:ea typeface="HGS明朝E" panose="02020900000000000000" pitchFamily="18" charset="-128"/>
+              </a:rPr>
+              <a:t>シャンデリア</a:t>
+            </a:r>
+            <a:r>
+              <a:rPr lang="en-US" altLang="ja-JP" sz="2400" dirty="0" smtClean="0">
+                <a:latin typeface="HGS明朝E" panose="02020900000000000000" pitchFamily="18" charset="-128"/>
+                <a:ea typeface="HGS明朝E" panose="02020900000000000000" pitchFamily="18" charset="-128"/>
+              </a:rPr>
+              <a:t>(</a:t>
+            </a:r>
+            <a:r>
+              <a:rPr lang="ja-JP" altLang="en-US" sz="2400" dirty="0">
+                <a:latin typeface="HGS明朝E" panose="02020900000000000000" pitchFamily="18" charset="-128"/>
+                <a:ea typeface="HGS明朝E" panose="02020900000000000000" pitchFamily="18" charset="-128"/>
+              </a:rPr>
+              <a:t>段ボール</a:t>
+            </a:r>
+            <a:r>
+              <a:rPr lang="en-US" altLang="ja-JP" sz="2400" dirty="0" smtClean="0">
+                <a:latin typeface="HGS明朝E" panose="02020900000000000000" pitchFamily="18" charset="-128"/>
+                <a:ea typeface="HGS明朝E" panose="02020900000000000000" pitchFamily="18" charset="-128"/>
+              </a:rPr>
+              <a:t>)</a:t>
+            </a:r>
+            <a:endParaRPr kumimoji="1" lang="en-US" altLang="ja-JP" sz="2400" dirty="0" smtClean="0">
+              <a:latin typeface="HGS明朝E" panose="02020900000000000000" pitchFamily="18" charset="-128"/>
+              <a:ea typeface="HGS明朝E" panose="02020900000000000000" pitchFamily="18" charset="-128"/>
+            </a:endParaRPr>
+          </a:p>
+          <a:p>
+            <a:r>
+              <a:rPr lang="ja-JP" altLang="en-US" sz="2400" dirty="0">
+                <a:latin typeface="HGS明朝E" panose="02020900000000000000" pitchFamily="18" charset="-128"/>
+                <a:ea typeface="HGS明朝E" panose="02020900000000000000" pitchFamily="18" charset="-128"/>
+              </a:rPr>
+              <a:t>･ワインセラー</a:t>
             </a:r>
             <a:r>
               <a:rPr lang="en-US" altLang="ja-JP" sz="2400" dirty="0" smtClean="0">
@@ -5540,7 +5787,7 @@
         </p:nvSpPr>
         <p:spPr>
           <a:xfrm>
-            <a:off x="374005" y="5866452"/>
+            <a:off x="374005" y="5988586"/>
             <a:ext cx="1924050" cy="461665"/>
           </a:xfrm>
           <a:prstGeom prst="rect">
@@ -5576,7 +5823,7 @@
         </p:nvCxnSpPr>
         <p:spPr>
           <a:xfrm>
-            <a:off x="247650" y="6387996"/>
+            <a:off x="247650" y="6510130"/>
             <a:ext cx="6324600" cy="0"/>
           </a:xfrm>
           <a:prstGeom prst="line">
@@ -5611,7 +5858,7 @@
         </p:nvSpPr>
         <p:spPr>
           <a:xfrm>
-            <a:off x="247649" y="6547349"/>
+            <a:off x="247649" y="6669483"/>
             <a:ext cx="4747262" cy="2677656"/>
           </a:xfrm>
           <a:prstGeom prst="rect">
@@ -5903,6 +6150,1629 @@
     <p:extLst>
       <p:ext uri="{BB962C8B-B14F-4D97-AF65-F5344CB8AC3E}">
         <p14:creationId xmlns:p14="http://schemas.microsoft.com/office/powerpoint/2010/main" val="304237367"/>
+      </p:ext>
+    </p:extLst>
+  </p:cSld>
+  <p:clrMapOvr>
+    <a:masterClrMapping/>
+  </p:clrMapOvr>
+  <p:timing>
+    <p:tnLst>
+      <p:par>
+        <p:cTn id="1" dur="indefinite" restart="never" nodeType="tmRoot"/>
+      </p:par>
+    </p:tnLst>
+  </p:timing>
+</p:sld>
+</file>
+
+<file path=ppt/slides/slide3.xml><?xml version="1.0" encoding="utf-8"?>
+<p:sld xmlns:a="http://schemas.openxmlformats.org/drawingml/2006/main" xmlns:r="http://schemas.openxmlformats.org/officeDocument/2006/relationships" xmlns:p="http://schemas.openxmlformats.org/presentationml/2006/main">
+  <p:cSld>
+    <p:spTree>
+      <p:nvGrpSpPr>
+        <p:cNvPr id="1" name=""/>
+        <p:cNvGrpSpPr/>
+        <p:nvPr/>
+      </p:nvGrpSpPr>
+      <p:grpSpPr>
+        <a:xfrm>
+          <a:off x="0" y="0"/>
+          <a:ext cx="0" cy="0"/>
+          <a:chOff x="0" y="0"/>
+          <a:chExt cx="0" cy="0"/>
+        </a:xfrm>
+      </p:grpSpPr>
+      <p:sp>
+        <p:nvSpPr>
+          <p:cNvPr id="29" name="正方形/長方形 28"/>
+          <p:cNvSpPr/>
+          <p:nvPr/>
+        </p:nvSpPr>
+        <p:spPr>
+          <a:xfrm>
+            <a:off x="142875" y="5443021"/>
+            <a:ext cx="6572250" cy="4132792"/>
+          </a:xfrm>
+          <a:prstGeom prst="rect">
+            <a:avLst/>
+          </a:prstGeom>
+          <a:solidFill>
+            <a:schemeClr val="bg1"/>
+          </a:solidFill>
+          <a:ln>
+            <a:solidFill>
+              <a:schemeClr val="tx1"/>
+            </a:solidFill>
+          </a:ln>
+        </p:spPr>
+        <p:style>
+          <a:lnRef idx="2">
+            <a:schemeClr val="accent1">
+              <a:shade val="50000"/>
+            </a:schemeClr>
+          </a:lnRef>
+          <a:fillRef idx="1">
+            <a:schemeClr val="accent1"/>
+          </a:fillRef>
+          <a:effectRef idx="0">
+            <a:schemeClr val="accent1"/>
+          </a:effectRef>
+          <a:fontRef idx="minor">
+            <a:schemeClr val="lt1"/>
+          </a:fontRef>
+        </p:style>
+        <p:txBody>
+          <a:bodyPr rtlCol="0" anchor="ctr"/>
+          <a:lstStyle/>
+          <a:p>
+            <a:pPr algn="ctr"/>
+            <a:r>
+              <a:rPr kumimoji="1" lang="ja-JP" altLang="en-US" dirty="0" smtClean="0"/>
+              <a:t>あああ</a:t>
+            </a:r>
+            <a:endParaRPr kumimoji="1" lang="ja-JP" altLang="en-US" dirty="0"/>
+          </a:p>
+        </p:txBody>
+      </p:sp>
+      <p:sp>
+        <p:nvSpPr>
+          <p:cNvPr id="30" name="テキスト ボックス 29"/>
+          <p:cNvSpPr txBox="1"/>
+          <p:nvPr/>
+        </p:nvSpPr>
+        <p:spPr>
+          <a:xfrm>
+            <a:off x="374004" y="5475851"/>
+            <a:ext cx="2723525" cy="461665"/>
+          </a:xfrm>
+          <a:prstGeom prst="rect">
+            <a:avLst/>
+          </a:prstGeom>
+          <a:noFill/>
+        </p:spPr>
+        <p:txBody>
+          <a:bodyPr wrap="square" rtlCol="0">
+            <a:spAutoFit/>
+          </a:bodyPr>
+          <a:lstStyle/>
+          <a:p>
+            <a:r>
+              <a:rPr lang="ja-JP" altLang="en-US" sz="2400" dirty="0" smtClean="0">
+                <a:latin typeface="HGS明朝E" panose="02020900000000000000" pitchFamily="18" charset="-128"/>
+                <a:ea typeface="HGS明朝E" panose="02020900000000000000" pitchFamily="18" charset="-128"/>
+              </a:rPr>
+              <a:t>筐体</a:t>
+            </a:r>
+            <a:endParaRPr kumimoji="1" lang="ja-JP" altLang="en-US" sz="2400" dirty="0">
+              <a:latin typeface="HGS明朝E" panose="02020900000000000000" pitchFamily="18" charset="-128"/>
+              <a:ea typeface="HGS明朝E" panose="02020900000000000000" pitchFamily="18" charset="-128"/>
+            </a:endParaRPr>
+          </a:p>
+        </p:txBody>
+      </p:sp>
+      <p:cxnSp>
+        <p:nvCxnSpPr>
+          <p:cNvPr id="31" name="直線コネクタ 30"/>
+          <p:cNvCxnSpPr/>
+          <p:nvPr/>
+        </p:nvCxnSpPr>
+        <p:spPr>
+          <a:xfrm>
+            <a:off x="247650" y="5997395"/>
+            <a:ext cx="6324600" cy="0"/>
+          </a:xfrm>
+          <a:prstGeom prst="line">
+            <a:avLst/>
+          </a:prstGeom>
+          <a:ln>
+            <a:solidFill>
+              <a:schemeClr val="tx1"/>
+            </a:solidFill>
+          </a:ln>
+        </p:spPr>
+        <p:style>
+          <a:lnRef idx="1">
+            <a:schemeClr val="accent1"/>
+          </a:lnRef>
+          <a:fillRef idx="0">
+            <a:schemeClr val="accent1"/>
+          </a:fillRef>
+          <a:effectRef idx="0">
+            <a:schemeClr val="accent1"/>
+          </a:effectRef>
+          <a:fontRef idx="minor">
+            <a:schemeClr val="tx1"/>
+          </a:fontRef>
+        </p:style>
+      </p:cxnSp>
+      <p:sp>
+        <p:nvSpPr>
+          <p:cNvPr id="2" name="タイトル 1"/>
+          <p:cNvSpPr>
+            <a:spLocks noGrp="1"/>
+          </p:cNvSpPr>
+          <p:nvPr>
+            <p:ph type="ctrTitle"/>
+          </p:nvPr>
+        </p:nvSpPr>
+        <p:spPr>
+          <a:xfrm>
+            <a:off x="1372568" y="641707"/>
+            <a:ext cx="5829300" cy="516219"/>
+          </a:xfrm>
+        </p:spPr>
+        <p:txBody>
+          <a:bodyPr>
+            <a:noAutofit/>
+          </a:bodyPr>
+          <a:lstStyle/>
+          <a:p>
+            <a:r>
+              <a:rPr lang="ja-JP" altLang="en-US" sz="4000" dirty="0" smtClean="0">
+                <a:latin typeface="HGS明朝E" panose="02020900000000000000" pitchFamily="18" charset="-128"/>
+                <a:ea typeface="HGS明朝E" panose="02020900000000000000" pitchFamily="18" charset="-128"/>
+              </a:rPr>
+              <a:t>筐体について</a:t>
+            </a:r>
+            <a:endParaRPr kumimoji="1" lang="ja-JP" altLang="en-US" sz="4000" dirty="0">
+              <a:latin typeface="HGS明朝E" panose="02020900000000000000" pitchFamily="18" charset="-128"/>
+              <a:ea typeface="HGS明朝E" panose="02020900000000000000" pitchFamily="18" charset="-128"/>
+            </a:endParaRPr>
+          </a:p>
+        </p:txBody>
+      </p:sp>
+      <p:pic>
+        <p:nvPicPr>
+          <p:cNvPr id="81" name="図 80"/>
+          <p:cNvPicPr>
+            <a:picLocks noChangeAspect="1"/>
+          </p:cNvPicPr>
+          <p:nvPr/>
+        </p:nvPicPr>
+        <p:blipFill>
+          <a:blip r:embed="rId2">
+            <a:extLst>
+              <a:ext uri="{28A0092B-C50C-407E-A947-70E740481C1C}">
+                <a14:useLocalDpi xmlns:a14="http://schemas.microsoft.com/office/drawing/2010/main" val="0"/>
+              </a:ext>
+            </a:extLst>
+          </a:blip>
+          <a:stretch>
+            <a:fillRect/>
+          </a:stretch>
+        </p:blipFill>
+        <p:spPr>
+          <a:xfrm>
+            <a:off x="469113" y="-33327"/>
+            <a:ext cx="2114755" cy="1572030"/>
+          </a:xfrm>
+          <a:prstGeom prst="rect">
+            <a:avLst/>
+          </a:prstGeom>
+        </p:spPr>
+      </p:pic>
+      <p:sp>
+        <p:nvSpPr>
+          <p:cNvPr id="71" name="正方形/長方形 70"/>
+          <p:cNvSpPr/>
+          <p:nvPr/>
+        </p:nvSpPr>
+        <p:spPr>
+          <a:xfrm>
+            <a:off x="142875" y="1658460"/>
+            <a:ext cx="6572250" cy="3664804"/>
+          </a:xfrm>
+          <a:prstGeom prst="rect">
+            <a:avLst/>
+          </a:prstGeom>
+          <a:solidFill>
+            <a:schemeClr val="bg1"/>
+          </a:solidFill>
+          <a:ln>
+            <a:solidFill>
+              <a:schemeClr val="tx1"/>
+            </a:solidFill>
+          </a:ln>
+        </p:spPr>
+        <p:style>
+          <a:lnRef idx="2">
+            <a:schemeClr val="accent1">
+              <a:shade val="50000"/>
+            </a:schemeClr>
+          </a:lnRef>
+          <a:fillRef idx="1">
+            <a:schemeClr val="accent1"/>
+          </a:fillRef>
+          <a:effectRef idx="0">
+            <a:schemeClr val="accent1"/>
+          </a:effectRef>
+          <a:fontRef idx="minor">
+            <a:schemeClr val="lt1"/>
+          </a:fontRef>
+        </p:style>
+        <p:txBody>
+          <a:bodyPr rtlCol="0" anchor="ctr"/>
+          <a:lstStyle/>
+          <a:p>
+            <a:pPr algn="ctr"/>
+            <a:r>
+              <a:rPr kumimoji="1" lang="ja-JP" altLang="en-US" dirty="0" smtClean="0"/>
+              <a:t>あああ</a:t>
+            </a:r>
+            <a:endParaRPr kumimoji="1" lang="ja-JP" altLang="en-US" dirty="0"/>
+          </a:p>
+        </p:txBody>
+      </p:sp>
+      <p:sp>
+        <p:nvSpPr>
+          <p:cNvPr id="3" name="テキスト ボックス 2"/>
+          <p:cNvSpPr txBox="1"/>
+          <p:nvPr/>
+        </p:nvSpPr>
+        <p:spPr>
+          <a:xfrm>
+            <a:off x="374004" y="1691290"/>
+            <a:ext cx="2723525" cy="461665"/>
+          </a:xfrm>
+          <a:prstGeom prst="rect">
+            <a:avLst/>
+          </a:prstGeom>
+          <a:noFill/>
+        </p:spPr>
+        <p:txBody>
+          <a:bodyPr wrap="square" rtlCol="0">
+            <a:spAutoFit/>
+          </a:bodyPr>
+          <a:lstStyle/>
+          <a:p>
+            <a:r>
+              <a:rPr lang="ja-JP" altLang="en-US" sz="2400" dirty="0" smtClean="0">
+                <a:latin typeface="HGS明朝E" panose="02020900000000000000" pitchFamily="18" charset="-128"/>
+                <a:ea typeface="HGS明朝E" panose="02020900000000000000" pitchFamily="18" charset="-128"/>
+              </a:rPr>
+              <a:t>筐体イメージ図</a:t>
+            </a:r>
+            <a:endParaRPr kumimoji="1" lang="ja-JP" altLang="en-US" sz="2400" dirty="0">
+              <a:latin typeface="HGS明朝E" panose="02020900000000000000" pitchFamily="18" charset="-128"/>
+              <a:ea typeface="HGS明朝E" panose="02020900000000000000" pitchFamily="18" charset="-128"/>
+            </a:endParaRPr>
+          </a:p>
+        </p:txBody>
+      </p:sp>
+      <p:cxnSp>
+        <p:nvCxnSpPr>
+          <p:cNvPr id="8" name="直線コネクタ 7"/>
+          <p:cNvCxnSpPr/>
+          <p:nvPr/>
+        </p:nvCxnSpPr>
+        <p:spPr>
+          <a:xfrm>
+            <a:off x="247650" y="2212834"/>
+            <a:ext cx="6324600" cy="0"/>
+          </a:xfrm>
+          <a:prstGeom prst="line">
+            <a:avLst/>
+          </a:prstGeom>
+          <a:ln>
+            <a:solidFill>
+              <a:schemeClr val="tx1"/>
+            </a:solidFill>
+          </a:ln>
+        </p:spPr>
+        <p:style>
+          <a:lnRef idx="1">
+            <a:schemeClr val="accent1"/>
+          </a:lnRef>
+          <a:fillRef idx="0">
+            <a:schemeClr val="accent1"/>
+          </a:fillRef>
+          <a:effectRef idx="0">
+            <a:schemeClr val="accent1"/>
+          </a:effectRef>
+          <a:fontRef idx="minor">
+            <a:schemeClr val="tx1"/>
+          </a:fontRef>
+        </p:style>
+      </p:cxnSp>
+      <p:pic>
+        <p:nvPicPr>
+          <p:cNvPr id="16" name="図 15"/>
+          <p:cNvPicPr>
+            <a:picLocks noChangeAspect="1"/>
+          </p:cNvPicPr>
+          <p:nvPr/>
+        </p:nvPicPr>
+        <p:blipFill>
+          <a:blip r:embed="rId3" cstate="print">
+            <a:extLst>
+              <a:ext uri="{28A0092B-C50C-407E-A947-70E740481C1C}">
+                <a14:useLocalDpi xmlns:a14="http://schemas.microsoft.com/office/drawing/2010/main" val="0"/>
+              </a:ext>
+            </a:extLst>
+          </a:blip>
+          <a:stretch>
+            <a:fillRect/>
+          </a:stretch>
+        </p:blipFill>
+        <p:spPr>
+          <a:xfrm>
+            <a:off x="1510237" y="2295053"/>
+            <a:ext cx="3799426" cy="2849570"/>
+          </a:xfrm>
+          <a:prstGeom prst="rect">
+            <a:avLst/>
+          </a:prstGeom>
+        </p:spPr>
+      </p:pic>
+      <p:sp>
+        <p:nvSpPr>
+          <p:cNvPr id="17" name="テキスト ボックス 16"/>
+          <p:cNvSpPr txBox="1"/>
+          <p:nvPr/>
+        </p:nvSpPr>
+        <p:spPr>
+          <a:xfrm>
+            <a:off x="247650" y="6280927"/>
+            <a:ext cx="6324600" cy="3354765"/>
+          </a:xfrm>
+          <a:prstGeom prst="rect">
+            <a:avLst/>
+          </a:prstGeom>
+          <a:noFill/>
+        </p:spPr>
+        <p:txBody>
+          <a:bodyPr wrap="square" rtlCol="0">
+            <a:spAutoFit/>
+          </a:bodyPr>
+          <a:lstStyle/>
+          <a:p>
+            <a:pPr>
+              <a:spcAft>
+                <a:spcPts val="600"/>
+              </a:spcAft>
+            </a:pPr>
+            <a:r>
+              <a:rPr lang="ja-JP" altLang="en-US" sz="2400" dirty="0" smtClean="0">
+                <a:latin typeface="HGS明朝E" panose="02020900000000000000" pitchFamily="18" charset="-128"/>
+                <a:ea typeface="HGS明朝E" panose="02020900000000000000" pitchFamily="18" charset="-128"/>
+              </a:rPr>
+              <a:t>･横に長めで</a:t>
+            </a:r>
+            <a:r>
+              <a:rPr lang="en-US" altLang="ja-JP" sz="2400" dirty="0" smtClean="0">
+                <a:latin typeface="HGS明朝E" panose="02020900000000000000" pitchFamily="18" charset="-128"/>
+                <a:ea typeface="HGS明朝E" panose="02020900000000000000" pitchFamily="18" charset="-128"/>
+              </a:rPr>
+              <a:t>4</a:t>
+            </a:r>
+            <a:r>
+              <a:rPr lang="ja-JP" altLang="en-US" sz="2400" dirty="0" smtClean="0">
+                <a:latin typeface="HGS明朝E" panose="02020900000000000000" pitchFamily="18" charset="-128"/>
+                <a:ea typeface="HGS明朝E" panose="02020900000000000000" pitchFamily="18" charset="-128"/>
+              </a:rPr>
+              <a:t>人が並んで遊べるように。</a:t>
+            </a:r>
+            <a:endParaRPr kumimoji="1" lang="en-US" altLang="ja-JP" sz="2400" dirty="0" smtClean="0">
+              <a:latin typeface="HGS明朝E" panose="02020900000000000000" pitchFamily="18" charset="-128"/>
+              <a:ea typeface="HGS明朝E" panose="02020900000000000000" pitchFamily="18" charset="-128"/>
+            </a:endParaRPr>
+          </a:p>
+          <a:p>
+            <a:pPr>
+              <a:spcAft>
+                <a:spcPts val="600"/>
+              </a:spcAft>
+            </a:pPr>
+            <a:r>
+              <a:rPr kumimoji="1" lang="ja-JP" altLang="en-US" sz="2400" dirty="0" smtClean="0">
+                <a:latin typeface="HGS明朝E" panose="02020900000000000000" pitchFamily="18" charset="-128"/>
+                <a:ea typeface="HGS明朝E" panose="02020900000000000000" pitchFamily="18" charset="-128"/>
+              </a:rPr>
+              <a:t>･配線を隠すために、筐体の後ろの幅は余裕を持たせる。</a:t>
+            </a:r>
+            <a:endParaRPr kumimoji="1" lang="en-US" altLang="ja-JP" sz="2400" dirty="0" smtClean="0">
+              <a:latin typeface="HGS明朝E" panose="02020900000000000000" pitchFamily="18" charset="-128"/>
+              <a:ea typeface="HGS明朝E" panose="02020900000000000000" pitchFamily="18" charset="-128"/>
+            </a:endParaRPr>
+          </a:p>
+          <a:p>
+            <a:pPr>
+              <a:spcAft>
+                <a:spcPts val="600"/>
+              </a:spcAft>
+            </a:pPr>
+            <a:r>
+              <a:rPr lang="ja-JP" altLang="en-US" sz="2400" dirty="0" smtClean="0">
+                <a:latin typeface="HGS明朝E" panose="02020900000000000000" pitchFamily="18" charset="-128"/>
+                <a:ea typeface="HGS明朝E" panose="02020900000000000000" pitchFamily="18" charset="-128"/>
+              </a:rPr>
+              <a:t>･画面を出力するための</a:t>
+            </a:r>
+            <a:r>
+              <a:rPr lang="en-US" altLang="ja-JP" sz="2400" dirty="0" smtClean="0">
+                <a:latin typeface="HGS明朝E" panose="02020900000000000000" pitchFamily="18" charset="-128"/>
+                <a:ea typeface="HGS明朝E" panose="02020900000000000000" pitchFamily="18" charset="-128"/>
+              </a:rPr>
+              <a:t>2</a:t>
+            </a:r>
+            <a:r>
+              <a:rPr lang="ja-JP" altLang="en-US" sz="2400" dirty="0" smtClean="0">
+                <a:latin typeface="HGS明朝E" panose="02020900000000000000" pitchFamily="18" charset="-128"/>
+                <a:ea typeface="HGS明朝E" panose="02020900000000000000" pitchFamily="18" charset="-128"/>
+              </a:rPr>
+              <a:t>台目のパソコンも隠せるようにする。</a:t>
+            </a:r>
+            <a:endParaRPr kumimoji="1" lang="en-US" altLang="ja-JP" sz="2400" dirty="0" smtClean="0">
+              <a:latin typeface="HGS明朝E" panose="02020900000000000000" pitchFamily="18" charset="-128"/>
+              <a:ea typeface="HGS明朝E" panose="02020900000000000000" pitchFamily="18" charset="-128"/>
+            </a:endParaRPr>
+          </a:p>
+          <a:p>
+            <a:pPr>
+              <a:spcAft>
+                <a:spcPts val="600"/>
+              </a:spcAft>
+            </a:pPr>
+            <a:r>
+              <a:rPr lang="ja-JP" altLang="en-US" sz="2400" dirty="0" smtClean="0">
+                <a:latin typeface="HGS明朝E" panose="02020900000000000000" pitchFamily="18" charset="-128"/>
+                <a:ea typeface="HGS明朝E" panose="02020900000000000000" pitchFamily="18" charset="-128"/>
+              </a:rPr>
+              <a:t>･モニターの下あたりに</a:t>
+            </a:r>
+            <a:r>
+              <a:rPr lang="en-US" altLang="ja-JP" sz="2400" dirty="0" smtClean="0">
+                <a:latin typeface="HGS明朝E" panose="02020900000000000000" pitchFamily="18" charset="-128"/>
+                <a:ea typeface="HGS明朝E" panose="02020900000000000000" pitchFamily="18" charset="-128"/>
+              </a:rPr>
+              <a:t>Web</a:t>
+            </a:r>
+            <a:r>
+              <a:rPr lang="ja-JP" altLang="en-US" sz="2400" dirty="0" smtClean="0">
+                <a:latin typeface="HGS明朝E" panose="02020900000000000000" pitchFamily="18" charset="-128"/>
+                <a:ea typeface="HGS明朝E" panose="02020900000000000000" pitchFamily="18" charset="-128"/>
+              </a:rPr>
+              <a:t>カメラを</a:t>
+            </a:r>
+            <a:r>
+              <a:rPr lang="en-US" altLang="ja-JP" sz="2400" dirty="0" smtClean="0">
+                <a:latin typeface="HGS明朝E" panose="02020900000000000000" pitchFamily="18" charset="-128"/>
+                <a:ea typeface="HGS明朝E" panose="02020900000000000000" pitchFamily="18" charset="-128"/>
+              </a:rPr>
+              <a:t>4</a:t>
+            </a:r>
+            <a:r>
+              <a:rPr lang="ja-JP" altLang="en-US" sz="2400" dirty="0" smtClean="0">
+                <a:latin typeface="HGS明朝E" panose="02020900000000000000" pitchFamily="18" charset="-128"/>
+                <a:ea typeface="HGS明朝E" panose="02020900000000000000" pitchFamily="18" charset="-128"/>
+              </a:rPr>
+              <a:t>台仕込めるようにする。</a:t>
+            </a:r>
+            <a:r>
+              <a:rPr lang="en-US" altLang="ja-JP" sz="2400" dirty="0" smtClean="0">
+                <a:latin typeface="HGS明朝E" panose="02020900000000000000" pitchFamily="18" charset="-128"/>
+                <a:ea typeface="HGS明朝E" panose="02020900000000000000" pitchFamily="18" charset="-128"/>
+              </a:rPr>
+              <a:t>(※</a:t>
+            </a:r>
+            <a:r>
+              <a:rPr lang="ja-JP" altLang="en-US" sz="2400" dirty="0" smtClean="0">
+                <a:latin typeface="HGS明朝E" panose="02020900000000000000" pitchFamily="18" charset="-128"/>
+                <a:ea typeface="HGS明朝E" panose="02020900000000000000" pitchFamily="18" charset="-128"/>
+              </a:rPr>
+              <a:t>次ページ参考</a:t>
+            </a:r>
+            <a:r>
+              <a:rPr lang="en-US" altLang="ja-JP" sz="2400" dirty="0" smtClean="0">
+                <a:latin typeface="HGS明朝E" panose="02020900000000000000" pitchFamily="18" charset="-128"/>
+                <a:ea typeface="HGS明朝E" panose="02020900000000000000" pitchFamily="18" charset="-128"/>
+              </a:rPr>
+              <a:t>)</a:t>
+            </a:r>
+          </a:p>
+          <a:p>
+            <a:endParaRPr kumimoji="1" lang="ja-JP" altLang="en-US" sz="2400" dirty="0">
+              <a:latin typeface="HGS明朝E" panose="02020900000000000000" pitchFamily="18" charset="-128"/>
+              <a:ea typeface="HGS明朝E" panose="02020900000000000000" pitchFamily="18" charset="-128"/>
+            </a:endParaRPr>
+          </a:p>
+        </p:txBody>
+      </p:sp>
+    </p:spTree>
+    <p:extLst>
+      <p:ext uri="{BB962C8B-B14F-4D97-AF65-F5344CB8AC3E}">
+        <p14:creationId xmlns:p14="http://schemas.microsoft.com/office/powerpoint/2010/main" val="1802401798"/>
+      </p:ext>
+    </p:extLst>
+  </p:cSld>
+  <p:clrMapOvr>
+    <a:masterClrMapping/>
+  </p:clrMapOvr>
+  <p:timing>
+    <p:tnLst>
+      <p:par>
+        <p:cTn id="1" dur="indefinite" restart="never" nodeType="tmRoot"/>
+      </p:par>
+    </p:tnLst>
+  </p:timing>
+</p:sld>
+</file>
+
+<file path=ppt/slides/slide4.xml><?xml version="1.0" encoding="utf-8"?>
+<p:sld xmlns:a="http://schemas.openxmlformats.org/drawingml/2006/main" xmlns:r="http://schemas.openxmlformats.org/officeDocument/2006/relationships" xmlns:p="http://schemas.openxmlformats.org/presentationml/2006/main">
+  <p:cSld>
+    <p:spTree>
+      <p:nvGrpSpPr>
+        <p:cNvPr id="1" name=""/>
+        <p:cNvGrpSpPr/>
+        <p:nvPr/>
+      </p:nvGrpSpPr>
+      <p:grpSpPr>
+        <a:xfrm>
+          <a:off x="0" y="0"/>
+          <a:ext cx="0" cy="0"/>
+          <a:chOff x="0" y="0"/>
+          <a:chExt cx="0" cy="0"/>
+        </a:xfrm>
+      </p:grpSpPr>
+      <p:sp>
+        <p:nvSpPr>
+          <p:cNvPr id="29" name="正方形/長方形 28"/>
+          <p:cNvSpPr/>
+          <p:nvPr/>
+        </p:nvSpPr>
+        <p:spPr>
+          <a:xfrm>
+            <a:off x="142875" y="5443021"/>
+            <a:ext cx="6572250" cy="4132792"/>
+          </a:xfrm>
+          <a:prstGeom prst="rect">
+            <a:avLst/>
+          </a:prstGeom>
+          <a:solidFill>
+            <a:schemeClr val="bg1"/>
+          </a:solidFill>
+          <a:ln>
+            <a:solidFill>
+              <a:schemeClr val="tx1"/>
+            </a:solidFill>
+          </a:ln>
+        </p:spPr>
+        <p:style>
+          <a:lnRef idx="2">
+            <a:schemeClr val="accent1">
+              <a:shade val="50000"/>
+            </a:schemeClr>
+          </a:lnRef>
+          <a:fillRef idx="1">
+            <a:schemeClr val="accent1"/>
+          </a:fillRef>
+          <a:effectRef idx="0">
+            <a:schemeClr val="accent1"/>
+          </a:effectRef>
+          <a:fontRef idx="minor">
+            <a:schemeClr val="lt1"/>
+          </a:fontRef>
+        </p:style>
+        <p:txBody>
+          <a:bodyPr rtlCol="0" anchor="ctr"/>
+          <a:lstStyle/>
+          <a:p>
+            <a:pPr algn="ctr"/>
+            <a:r>
+              <a:rPr kumimoji="1" lang="ja-JP" altLang="en-US" dirty="0" smtClean="0"/>
+              <a:t>あああ</a:t>
+            </a:r>
+            <a:endParaRPr kumimoji="1" lang="ja-JP" altLang="en-US" dirty="0"/>
+          </a:p>
+        </p:txBody>
+      </p:sp>
+      <p:sp>
+        <p:nvSpPr>
+          <p:cNvPr id="30" name="テキスト ボックス 29"/>
+          <p:cNvSpPr txBox="1"/>
+          <p:nvPr/>
+        </p:nvSpPr>
+        <p:spPr>
+          <a:xfrm>
+            <a:off x="374004" y="5475851"/>
+            <a:ext cx="2723525" cy="461665"/>
+          </a:xfrm>
+          <a:prstGeom prst="rect">
+            <a:avLst/>
+          </a:prstGeom>
+          <a:noFill/>
+        </p:spPr>
+        <p:txBody>
+          <a:bodyPr wrap="square" rtlCol="0">
+            <a:spAutoFit/>
+          </a:bodyPr>
+          <a:lstStyle/>
+          <a:p>
+            <a:r>
+              <a:rPr kumimoji="1" lang="ja-JP" altLang="en-US" sz="2400" dirty="0" smtClean="0">
+                <a:latin typeface="HGS明朝E" panose="02020900000000000000" pitchFamily="18" charset="-128"/>
+                <a:ea typeface="HGS明朝E" panose="02020900000000000000" pitchFamily="18" charset="-128"/>
+              </a:rPr>
+              <a:t>解説</a:t>
+            </a:r>
+            <a:endParaRPr kumimoji="1" lang="ja-JP" altLang="en-US" sz="2400" dirty="0">
+              <a:latin typeface="HGS明朝E" panose="02020900000000000000" pitchFamily="18" charset="-128"/>
+              <a:ea typeface="HGS明朝E" panose="02020900000000000000" pitchFamily="18" charset="-128"/>
+            </a:endParaRPr>
+          </a:p>
+        </p:txBody>
+      </p:sp>
+      <p:cxnSp>
+        <p:nvCxnSpPr>
+          <p:cNvPr id="31" name="直線コネクタ 30"/>
+          <p:cNvCxnSpPr/>
+          <p:nvPr/>
+        </p:nvCxnSpPr>
+        <p:spPr>
+          <a:xfrm>
+            <a:off x="247650" y="5997395"/>
+            <a:ext cx="6324600" cy="0"/>
+          </a:xfrm>
+          <a:prstGeom prst="line">
+            <a:avLst/>
+          </a:prstGeom>
+          <a:ln>
+            <a:solidFill>
+              <a:schemeClr val="tx1"/>
+            </a:solidFill>
+          </a:ln>
+        </p:spPr>
+        <p:style>
+          <a:lnRef idx="1">
+            <a:schemeClr val="accent1"/>
+          </a:lnRef>
+          <a:fillRef idx="0">
+            <a:schemeClr val="accent1"/>
+          </a:fillRef>
+          <a:effectRef idx="0">
+            <a:schemeClr val="accent1"/>
+          </a:effectRef>
+          <a:fontRef idx="minor">
+            <a:schemeClr val="tx1"/>
+          </a:fontRef>
+        </p:style>
+      </p:cxnSp>
+      <p:sp>
+        <p:nvSpPr>
+          <p:cNvPr id="2" name="タイトル 1"/>
+          <p:cNvSpPr>
+            <a:spLocks noGrp="1"/>
+          </p:cNvSpPr>
+          <p:nvPr>
+            <p:ph type="ctrTitle"/>
+          </p:nvPr>
+        </p:nvSpPr>
+        <p:spPr>
+          <a:xfrm>
+            <a:off x="2078839" y="639775"/>
+            <a:ext cx="4936792" cy="516219"/>
+          </a:xfrm>
+        </p:spPr>
+        <p:txBody>
+          <a:bodyPr>
+            <a:noAutofit/>
+          </a:bodyPr>
+          <a:lstStyle/>
+          <a:p>
+            <a:r>
+              <a:rPr kumimoji="1" lang="ja-JP" altLang="en-US" sz="4000" dirty="0" smtClean="0">
+                <a:latin typeface="HGS明朝E" panose="02020900000000000000" pitchFamily="18" charset="-128"/>
+                <a:ea typeface="HGS明朝E" panose="02020900000000000000" pitchFamily="18" charset="-128"/>
+              </a:rPr>
+              <a:t>出力映像について</a:t>
+            </a:r>
+            <a:endParaRPr kumimoji="1" lang="ja-JP" altLang="en-US" sz="4000" dirty="0">
+              <a:latin typeface="HGS明朝E" panose="02020900000000000000" pitchFamily="18" charset="-128"/>
+              <a:ea typeface="HGS明朝E" panose="02020900000000000000" pitchFamily="18" charset="-128"/>
+            </a:endParaRPr>
+          </a:p>
+        </p:txBody>
+      </p:sp>
+      <p:pic>
+        <p:nvPicPr>
+          <p:cNvPr id="81" name="図 80"/>
+          <p:cNvPicPr>
+            <a:picLocks noChangeAspect="1"/>
+          </p:cNvPicPr>
+          <p:nvPr/>
+        </p:nvPicPr>
+        <p:blipFill>
+          <a:blip r:embed="rId2">
+            <a:extLst>
+              <a:ext uri="{28A0092B-C50C-407E-A947-70E740481C1C}">
+                <a14:useLocalDpi xmlns:a14="http://schemas.microsoft.com/office/drawing/2010/main" val="0"/>
+              </a:ext>
+            </a:extLst>
+          </a:blip>
+          <a:stretch>
+            <a:fillRect/>
+          </a:stretch>
+        </p:blipFill>
+        <p:spPr>
+          <a:xfrm>
+            <a:off x="469113" y="-33327"/>
+            <a:ext cx="2114755" cy="1572030"/>
+          </a:xfrm>
+          <a:prstGeom prst="rect">
+            <a:avLst/>
+          </a:prstGeom>
+        </p:spPr>
+      </p:pic>
+      <p:sp>
+        <p:nvSpPr>
+          <p:cNvPr id="71" name="正方形/長方形 70"/>
+          <p:cNvSpPr/>
+          <p:nvPr/>
+        </p:nvSpPr>
+        <p:spPr>
+          <a:xfrm>
+            <a:off x="142875" y="1658460"/>
+            <a:ext cx="6572250" cy="3664804"/>
+          </a:xfrm>
+          <a:prstGeom prst="rect">
+            <a:avLst/>
+          </a:prstGeom>
+          <a:solidFill>
+            <a:schemeClr val="bg1"/>
+          </a:solidFill>
+          <a:ln>
+            <a:solidFill>
+              <a:schemeClr val="tx1"/>
+            </a:solidFill>
+          </a:ln>
+        </p:spPr>
+        <p:style>
+          <a:lnRef idx="2">
+            <a:schemeClr val="accent1">
+              <a:shade val="50000"/>
+            </a:schemeClr>
+          </a:lnRef>
+          <a:fillRef idx="1">
+            <a:schemeClr val="accent1"/>
+          </a:fillRef>
+          <a:effectRef idx="0">
+            <a:schemeClr val="accent1"/>
+          </a:effectRef>
+          <a:fontRef idx="minor">
+            <a:schemeClr val="lt1"/>
+          </a:fontRef>
+        </p:style>
+        <p:txBody>
+          <a:bodyPr rtlCol="0" anchor="ctr"/>
+          <a:lstStyle/>
+          <a:p>
+            <a:pPr algn="ctr"/>
+            <a:r>
+              <a:rPr kumimoji="1" lang="ja-JP" altLang="en-US" dirty="0" smtClean="0"/>
+              <a:t>あああ</a:t>
+            </a:r>
+            <a:endParaRPr kumimoji="1" lang="ja-JP" altLang="en-US" dirty="0"/>
+          </a:p>
+        </p:txBody>
+      </p:sp>
+      <p:sp>
+        <p:nvSpPr>
+          <p:cNvPr id="3" name="テキスト ボックス 2"/>
+          <p:cNvSpPr txBox="1"/>
+          <p:nvPr/>
+        </p:nvSpPr>
+        <p:spPr>
+          <a:xfrm>
+            <a:off x="374004" y="1691290"/>
+            <a:ext cx="4346586" cy="461665"/>
+          </a:xfrm>
+          <a:prstGeom prst="rect">
+            <a:avLst/>
+          </a:prstGeom>
+          <a:noFill/>
+        </p:spPr>
+        <p:txBody>
+          <a:bodyPr wrap="square" rtlCol="0">
+            <a:spAutoFit/>
+          </a:bodyPr>
+          <a:lstStyle/>
+          <a:p>
+            <a:r>
+              <a:rPr lang="ja-JP" altLang="en-US" sz="2400" dirty="0" smtClean="0">
+                <a:latin typeface="HGS明朝E" panose="02020900000000000000" pitchFamily="18" charset="-128"/>
+                <a:ea typeface="HGS明朝E" panose="02020900000000000000" pitchFamily="18" charset="-128"/>
+              </a:rPr>
+              <a:t>ゲーム出力画面イメージ図</a:t>
+            </a:r>
+            <a:endParaRPr kumimoji="1" lang="ja-JP" altLang="en-US" sz="2400" dirty="0">
+              <a:latin typeface="HGS明朝E" panose="02020900000000000000" pitchFamily="18" charset="-128"/>
+              <a:ea typeface="HGS明朝E" panose="02020900000000000000" pitchFamily="18" charset="-128"/>
+            </a:endParaRPr>
+          </a:p>
+        </p:txBody>
+      </p:sp>
+      <p:cxnSp>
+        <p:nvCxnSpPr>
+          <p:cNvPr id="8" name="直線コネクタ 7"/>
+          <p:cNvCxnSpPr/>
+          <p:nvPr/>
+        </p:nvCxnSpPr>
+        <p:spPr>
+          <a:xfrm>
+            <a:off x="247650" y="2212834"/>
+            <a:ext cx="6324600" cy="0"/>
+          </a:xfrm>
+          <a:prstGeom prst="line">
+            <a:avLst/>
+          </a:prstGeom>
+          <a:ln>
+            <a:solidFill>
+              <a:schemeClr val="tx1"/>
+            </a:solidFill>
+          </a:ln>
+        </p:spPr>
+        <p:style>
+          <a:lnRef idx="1">
+            <a:schemeClr val="accent1"/>
+          </a:lnRef>
+          <a:fillRef idx="0">
+            <a:schemeClr val="accent1"/>
+          </a:fillRef>
+          <a:effectRef idx="0">
+            <a:schemeClr val="accent1"/>
+          </a:effectRef>
+          <a:fontRef idx="minor">
+            <a:schemeClr val="tx1"/>
+          </a:fontRef>
+        </p:style>
+      </p:cxnSp>
+      <p:sp>
+        <p:nvSpPr>
+          <p:cNvPr id="17" name="テキスト ボックス 16"/>
+          <p:cNvSpPr txBox="1"/>
+          <p:nvPr/>
+        </p:nvSpPr>
+        <p:spPr>
+          <a:xfrm>
+            <a:off x="266700" y="6329770"/>
+            <a:ext cx="6324600" cy="2985433"/>
+          </a:xfrm>
+          <a:prstGeom prst="rect">
+            <a:avLst/>
+          </a:prstGeom>
+          <a:noFill/>
+        </p:spPr>
+        <p:txBody>
+          <a:bodyPr wrap="square" rtlCol="0">
+            <a:spAutoFit/>
+          </a:bodyPr>
+          <a:lstStyle/>
+          <a:p>
+            <a:pPr>
+              <a:spcAft>
+                <a:spcPts val="600"/>
+              </a:spcAft>
+            </a:pPr>
+            <a:r>
+              <a:rPr lang="en-US" altLang="ja-JP" sz="2400" dirty="0" smtClean="0">
+                <a:latin typeface="HGS明朝E" panose="02020900000000000000" pitchFamily="18" charset="-128"/>
+                <a:ea typeface="HGS明朝E" panose="02020900000000000000" pitchFamily="18" charset="-128"/>
+              </a:rPr>
+              <a:t>Web</a:t>
+            </a:r>
+            <a:r>
+              <a:rPr lang="ja-JP" altLang="en-US" sz="2400" dirty="0" smtClean="0">
+                <a:latin typeface="HGS明朝E" panose="02020900000000000000" pitchFamily="18" charset="-128"/>
+                <a:ea typeface="HGS明朝E" panose="02020900000000000000" pitchFamily="18" charset="-128"/>
+              </a:rPr>
+              <a:t>カメラ</a:t>
+            </a:r>
+            <a:r>
+              <a:rPr lang="ja-JP" altLang="en-US" sz="2400" smtClean="0">
+                <a:latin typeface="HGS明朝E" panose="02020900000000000000" pitchFamily="18" charset="-128"/>
+                <a:ea typeface="HGS明朝E" panose="02020900000000000000" pitchFamily="18" charset="-128"/>
+              </a:rPr>
+              <a:t>を使って、プレイヤー</a:t>
+            </a:r>
+            <a:r>
+              <a:rPr lang="ja-JP" altLang="en-US" sz="2400" dirty="0" smtClean="0">
+                <a:latin typeface="HGS明朝E" panose="02020900000000000000" pitchFamily="18" charset="-128"/>
+                <a:ea typeface="HGS明朝E" panose="02020900000000000000" pitchFamily="18" charset="-128"/>
+              </a:rPr>
+              <a:t>の</a:t>
+            </a:r>
+            <a:r>
+              <a:rPr lang="ja-JP" altLang="en-US" sz="2400" smtClean="0">
+                <a:latin typeface="HGS明朝E" panose="02020900000000000000" pitchFamily="18" charset="-128"/>
+                <a:ea typeface="HGS明朝E" panose="02020900000000000000" pitchFamily="18" charset="-128"/>
+              </a:rPr>
+              <a:t>ワイプを映し出す</a:t>
+            </a:r>
+            <a:r>
+              <a:rPr lang="ja-JP" altLang="en-US" sz="2400" dirty="0" smtClean="0">
+                <a:latin typeface="HGS明朝E" panose="02020900000000000000" pitchFamily="18" charset="-128"/>
+                <a:ea typeface="HGS明朝E" panose="02020900000000000000" pitchFamily="18" charset="-128"/>
+              </a:rPr>
+              <a:t>。そうすることで誰が</a:t>
+            </a:r>
+            <a:r>
+              <a:rPr lang="en-US" altLang="ja-JP" sz="2400" dirty="0" smtClean="0">
+                <a:latin typeface="HGS明朝E" panose="02020900000000000000" pitchFamily="18" charset="-128"/>
+                <a:ea typeface="HGS明朝E" panose="02020900000000000000" pitchFamily="18" charset="-128"/>
+              </a:rPr>
+              <a:t>1P</a:t>
+            </a:r>
+            <a:r>
+              <a:rPr lang="ja-JP" altLang="en-US" sz="2400" dirty="0" err="1" smtClean="0">
+                <a:latin typeface="HGS明朝E" panose="02020900000000000000" pitchFamily="18" charset="-128"/>
+                <a:ea typeface="HGS明朝E" panose="02020900000000000000" pitchFamily="18" charset="-128"/>
+              </a:rPr>
+              <a:t>なのかを</a:t>
+            </a:r>
+            <a:r>
+              <a:rPr lang="ja-JP" altLang="en-US" sz="2400" dirty="0" smtClean="0">
+                <a:latin typeface="HGS明朝E" panose="02020900000000000000" pitchFamily="18" charset="-128"/>
+                <a:ea typeface="HGS明朝E" panose="02020900000000000000" pitchFamily="18" charset="-128"/>
+              </a:rPr>
+              <a:t>見てる人にもわかりやすくする。</a:t>
+            </a:r>
+            <a:endParaRPr lang="en-US" altLang="ja-JP" sz="2400" dirty="0" smtClean="0">
+              <a:latin typeface="HGS明朝E" panose="02020900000000000000" pitchFamily="18" charset="-128"/>
+              <a:ea typeface="HGS明朝E" panose="02020900000000000000" pitchFamily="18" charset="-128"/>
+            </a:endParaRPr>
+          </a:p>
+          <a:p>
+            <a:pPr>
+              <a:spcAft>
+                <a:spcPts val="600"/>
+              </a:spcAft>
+            </a:pPr>
+            <a:r>
+              <a:rPr lang="ja-JP" altLang="en-US" sz="2400" dirty="0">
+                <a:latin typeface="HGS明朝E" panose="02020900000000000000" pitchFamily="18" charset="-128"/>
+                <a:ea typeface="HGS明朝E" panose="02020900000000000000" pitchFamily="18" charset="-128"/>
+              </a:rPr>
+              <a:t>イメージ</a:t>
+            </a:r>
+            <a:r>
+              <a:rPr lang="ja-JP" altLang="en-US" sz="2400" dirty="0" smtClean="0">
+                <a:latin typeface="HGS明朝E" panose="02020900000000000000" pitchFamily="18" charset="-128"/>
+                <a:ea typeface="HGS明朝E" panose="02020900000000000000" pitchFamily="18" charset="-128"/>
+              </a:rPr>
+              <a:t>は</a:t>
+            </a:r>
+            <a:r>
+              <a:rPr lang="en-US" altLang="ja-JP" sz="2400" dirty="0" smtClean="0">
+                <a:latin typeface="HGS明朝E" panose="02020900000000000000" pitchFamily="18" charset="-128"/>
+                <a:ea typeface="HGS明朝E" panose="02020900000000000000" pitchFamily="18" charset="-128"/>
+              </a:rPr>
+              <a:t>e</a:t>
+            </a:r>
+            <a:r>
+              <a:rPr lang="ja-JP" altLang="en-US" sz="2400" dirty="0" smtClean="0">
+                <a:latin typeface="HGS明朝E" panose="02020900000000000000" pitchFamily="18" charset="-128"/>
+                <a:ea typeface="HGS明朝E" panose="02020900000000000000" pitchFamily="18" charset="-128"/>
+              </a:rPr>
+              <a:t>スポーツの生中継。</a:t>
+            </a:r>
+            <a:endParaRPr lang="en-US" altLang="ja-JP" sz="2400" dirty="0" smtClean="0">
+              <a:latin typeface="HGS明朝E" panose="02020900000000000000" pitchFamily="18" charset="-128"/>
+              <a:ea typeface="HGS明朝E" panose="02020900000000000000" pitchFamily="18" charset="-128"/>
+            </a:endParaRPr>
+          </a:p>
+          <a:p>
+            <a:pPr>
+              <a:spcAft>
+                <a:spcPts val="600"/>
+              </a:spcAft>
+            </a:pPr>
+            <a:r>
+              <a:rPr lang="ja-JP" altLang="en-US" sz="2400" dirty="0" smtClean="0">
+                <a:latin typeface="HGS明朝E" panose="02020900000000000000" pitchFamily="18" charset="-128"/>
+                <a:ea typeface="HGS明朝E" panose="02020900000000000000" pitchFamily="18" charset="-128"/>
+              </a:rPr>
+              <a:t>顔出しは恥ずかしい人もいると思うので、映さない状態にもできるようにする。</a:t>
+            </a:r>
+            <a:endParaRPr lang="en-US" altLang="ja-JP" sz="2400" dirty="0" smtClean="0">
+              <a:latin typeface="HGS明朝E" panose="02020900000000000000" pitchFamily="18" charset="-128"/>
+              <a:ea typeface="HGS明朝E" panose="02020900000000000000" pitchFamily="18" charset="-128"/>
+            </a:endParaRPr>
+          </a:p>
+          <a:p>
+            <a:pPr>
+              <a:spcAft>
+                <a:spcPts val="600"/>
+              </a:spcAft>
+            </a:pPr>
+            <a:r>
+              <a:rPr lang="ja-JP" altLang="en-US" sz="2400" dirty="0" smtClean="0">
+                <a:latin typeface="HGS明朝E" panose="02020900000000000000" pitchFamily="18" charset="-128"/>
+                <a:ea typeface="HGS明朝E" panose="02020900000000000000" pitchFamily="18" charset="-128"/>
+              </a:rPr>
+              <a:t>使うソフトは</a:t>
+            </a:r>
+            <a:r>
+              <a:rPr lang="en-US" altLang="ja-JP" sz="2400" dirty="0" smtClean="0">
+                <a:latin typeface="HGS明朝E" panose="02020900000000000000" pitchFamily="18" charset="-128"/>
+                <a:ea typeface="HGS明朝E" panose="02020900000000000000" pitchFamily="18" charset="-128"/>
+              </a:rPr>
+              <a:t>OBS Studio</a:t>
+            </a:r>
+            <a:r>
+              <a:rPr lang="ja-JP" altLang="en-US" sz="2400" dirty="0" err="1" smtClean="0">
+                <a:latin typeface="HGS明朝E" panose="02020900000000000000" pitchFamily="18" charset="-128"/>
+                <a:ea typeface="HGS明朝E" panose="02020900000000000000" pitchFamily="18" charset="-128"/>
+              </a:rPr>
+              <a:t>。</a:t>
+            </a:r>
+            <a:endParaRPr lang="en-US" altLang="ja-JP" sz="2400" dirty="0" smtClean="0">
+              <a:latin typeface="HGS明朝E" panose="02020900000000000000" pitchFamily="18" charset="-128"/>
+              <a:ea typeface="HGS明朝E" panose="02020900000000000000" pitchFamily="18" charset="-128"/>
+            </a:endParaRPr>
+          </a:p>
+        </p:txBody>
+      </p:sp>
+      <p:grpSp>
+        <p:nvGrpSpPr>
+          <p:cNvPr id="9" name="グループ化 8"/>
+          <p:cNvGrpSpPr/>
+          <p:nvPr/>
+        </p:nvGrpSpPr>
+        <p:grpSpPr>
+          <a:xfrm>
+            <a:off x="1192530" y="2436486"/>
+            <a:ext cx="4472940" cy="2311341"/>
+            <a:chOff x="247650" y="2432109"/>
+            <a:chExt cx="5029202" cy="2568023"/>
+          </a:xfrm>
+        </p:grpSpPr>
+        <p:sp>
+          <p:nvSpPr>
+            <p:cNvPr id="4" name="正方形/長方形 3"/>
+            <p:cNvSpPr/>
+            <p:nvPr/>
+          </p:nvSpPr>
+          <p:spPr>
+            <a:xfrm>
+              <a:off x="247650" y="2432110"/>
+              <a:ext cx="2514601" cy="1284011"/>
+            </a:xfrm>
+            <a:prstGeom prst="rect">
+              <a:avLst/>
+            </a:prstGeom>
+          </p:spPr>
+          <p:style>
+            <a:lnRef idx="2">
+              <a:schemeClr val="accent1">
+                <a:shade val="50000"/>
+              </a:schemeClr>
+            </a:lnRef>
+            <a:fillRef idx="1">
+              <a:schemeClr val="accent1"/>
+            </a:fillRef>
+            <a:effectRef idx="0">
+              <a:schemeClr val="accent1"/>
+            </a:effectRef>
+            <a:fontRef idx="minor">
+              <a:schemeClr val="lt1"/>
+            </a:fontRef>
+          </p:style>
+          <p:txBody>
+            <a:bodyPr rtlCol="0" anchor="ctr"/>
+            <a:lstStyle/>
+            <a:p>
+              <a:pPr algn="ctr"/>
+              <a:endParaRPr kumimoji="1" lang="ja-JP" altLang="en-US"/>
+            </a:p>
+          </p:txBody>
+        </p:sp>
+        <p:sp>
+          <p:nvSpPr>
+            <p:cNvPr id="13" name="正方形/長方形 12"/>
+            <p:cNvSpPr/>
+            <p:nvPr/>
+          </p:nvSpPr>
+          <p:spPr>
+            <a:xfrm>
+              <a:off x="2762251" y="2432109"/>
+              <a:ext cx="2514601" cy="1284011"/>
+            </a:xfrm>
+            <a:prstGeom prst="rect">
+              <a:avLst/>
+            </a:prstGeom>
+            <a:solidFill>
+              <a:srgbClr val="990000"/>
+            </a:solidFill>
+          </p:spPr>
+          <p:style>
+            <a:lnRef idx="2">
+              <a:schemeClr val="accent1">
+                <a:shade val="50000"/>
+              </a:schemeClr>
+            </a:lnRef>
+            <a:fillRef idx="1">
+              <a:schemeClr val="accent1"/>
+            </a:fillRef>
+            <a:effectRef idx="0">
+              <a:schemeClr val="accent1"/>
+            </a:effectRef>
+            <a:fontRef idx="minor">
+              <a:schemeClr val="lt1"/>
+            </a:fontRef>
+          </p:style>
+          <p:txBody>
+            <a:bodyPr rtlCol="0" anchor="ctr"/>
+            <a:lstStyle/>
+            <a:p>
+              <a:pPr algn="ctr"/>
+              <a:endParaRPr kumimoji="1" lang="ja-JP" altLang="en-US"/>
+            </a:p>
+          </p:txBody>
+        </p:sp>
+        <p:sp>
+          <p:nvSpPr>
+            <p:cNvPr id="14" name="正方形/長方形 13"/>
+            <p:cNvSpPr/>
+            <p:nvPr/>
+          </p:nvSpPr>
+          <p:spPr>
+            <a:xfrm>
+              <a:off x="247650" y="3716121"/>
+              <a:ext cx="2514601" cy="1284011"/>
+            </a:xfrm>
+            <a:prstGeom prst="rect">
+              <a:avLst/>
+            </a:prstGeom>
+            <a:solidFill>
+              <a:srgbClr val="00B050"/>
+            </a:solidFill>
+          </p:spPr>
+          <p:style>
+            <a:lnRef idx="2">
+              <a:schemeClr val="accent1">
+                <a:shade val="50000"/>
+              </a:schemeClr>
+            </a:lnRef>
+            <a:fillRef idx="1">
+              <a:schemeClr val="accent1"/>
+            </a:fillRef>
+            <a:effectRef idx="0">
+              <a:schemeClr val="accent1"/>
+            </a:effectRef>
+            <a:fontRef idx="minor">
+              <a:schemeClr val="lt1"/>
+            </a:fontRef>
+          </p:style>
+          <p:txBody>
+            <a:bodyPr rtlCol="0" anchor="ctr"/>
+            <a:lstStyle/>
+            <a:p>
+              <a:pPr algn="ctr"/>
+              <a:endParaRPr kumimoji="1" lang="ja-JP" altLang="en-US"/>
+            </a:p>
+          </p:txBody>
+        </p:sp>
+        <p:sp>
+          <p:nvSpPr>
+            <p:cNvPr id="15" name="正方形/長方形 14"/>
+            <p:cNvSpPr/>
+            <p:nvPr/>
+          </p:nvSpPr>
+          <p:spPr>
+            <a:xfrm>
+              <a:off x="2762251" y="3716120"/>
+              <a:ext cx="2514601" cy="1284011"/>
+            </a:xfrm>
+            <a:prstGeom prst="rect">
+              <a:avLst/>
+            </a:prstGeom>
+            <a:solidFill>
+              <a:srgbClr val="FFFF00"/>
+            </a:solidFill>
+          </p:spPr>
+          <p:style>
+            <a:lnRef idx="2">
+              <a:schemeClr val="accent1">
+                <a:shade val="50000"/>
+              </a:schemeClr>
+            </a:lnRef>
+            <a:fillRef idx="1">
+              <a:schemeClr val="accent1"/>
+            </a:fillRef>
+            <a:effectRef idx="0">
+              <a:schemeClr val="accent1"/>
+            </a:effectRef>
+            <a:fontRef idx="minor">
+              <a:schemeClr val="lt1"/>
+            </a:fontRef>
+          </p:style>
+          <p:txBody>
+            <a:bodyPr rtlCol="0" anchor="ctr"/>
+            <a:lstStyle/>
+            <a:p>
+              <a:pPr algn="ctr"/>
+              <a:endParaRPr kumimoji="1" lang="ja-JP" altLang="en-US"/>
+            </a:p>
+          </p:txBody>
+        </p:sp>
+        <p:sp>
+          <p:nvSpPr>
+            <p:cNvPr id="5" name="テキスト ボックス 4"/>
+            <p:cNvSpPr txBox="1"/>
+            <p:nvPr/>
+          </p:nvSpPr>
+          <p:spPr>
+            <a:xfrm>
+              <a:off x="1059180" y="2847815"/>
+              <a:ext cx="891540" cy="584775"/>
+            </a:xfrm>
+            <a:prstGeom prst="rect">
+              <a:avLst/>
+            </a:prstGeom>
+            <a:noFill/>
+          </p:spPr>
+          <p:txBody>
+            <a:bodyPr wrap="square" rtlCol="0">
+              <a:spAutoFit/>
+            </a:bodyPr>
+            <a:lstStyle/>
+            <a:p>
+              <a:r>
+                <a:rPr kumimoji="1" lang="en-US" altLang="ja-JP" sz="3200" dirty="0" smtClean="0">
+                  <a:latin typeface="Arial Black" panose="020B0A04020102020204" pitchFamily="34" charset="0"/>
+                </a:rPr>
+                <a:t>1P</a:t>
+              </a:r>
+              <a:endParaRPr kumimoji="1" lang="ja-JP" altLang="en-US" sz="3200" dirty="0">
+                <a:latin typeface="Arial Black" panose="020B0A04020102020204" pitchFamily="34" charset="0"/>
+              </a:endParaRPr>
+            </a:p>
+          </p:txBody>
+        </p:sp>
+        <p:sp>
+          <p:nvSpPr>
+            <p:cNvPr id="18" name="テキスト ボックス 17"/>
+            <p:cNvSpPr txBox="1"/>
+            <p:nvPr/>
+          </p:nvSpPr>
+          <p:spPr>
+            <a:xfrm>
+              <a:off x="3627121" y="2847815"/>
+              <a:ext cx="891540" cy="584775"/>
+            </a:xfrm>
+            <a:prstGeom prst="rect">
+              <a:avLst/>
+            </a:prstGeom>
+            <a:noFill/>
+          </p:spPr>
+          <p:txBody>
+            <a:bodyPr wrap="square" rtlCol="0">
+              <a:spAutoFit/>
+            </a:bodyPr>
+            <a:lstStyle/>
+            <a:p>
+              <a:r>
+                <a:rPr lang="en-US" altLang="ja-JP" sz="3200" dirty="0">
+                  <a:latin typeface="Arial Black" panose="020B0A04020102020204" pitchFamily="34" charset="0"/>
+                </a:rPr>
+                <a:t>2</a:t>
+              </a:r>
+              <a:r>
+                <a:rPr kumimoji="1" lang="en-US" altLang="ja-JP" sz="3200" dirty="0" smtClean="0">
+                  <a:latin typeface="Arial Black" panose="020B0A04020102020204" pitchFamily="34" charset="0"/>
+                </a:rPr>
+                <a:t>P</a:t>
+              </a:r>
+              <a:endParaRPr kumimoji="1" lang="ja-JP" altLang="en-US" sz="3200" dirty="0">
+                <a:latin typeface="Arial Black" panose="020B0A04020102020204" pitchFamily="34" charset="0"/>
+              </a:endParaRPr>
+            </a:p>
+          </p:txBody>
+        </p:sp>
+        <p:sp>
+          <p:nvSpPr>
+            <p:cNvPr id="19" name="テキスト ボックス 18"/>
+            <p:cNvSpPr txBox="1"/>
+            <p:nvPr/>
+          </p:nvSpPr>
+          <p:spPr>
+            <a:xfrm>
+              <a:off x="1044629" y="4065738"/>
+              <a:ext cx="891540" cy="584775"/>
+            </a:xfrm>
+            <a:prstGeom prst="rect">
+              <a:avLst/>
+            </a:prstGeom>
+            <a:noFill/>
+          </p:spPr>
+          <p:txBody>
+            <a:bodyPr wrap="square" rtlCol="0">
+              <a:spAutoFit/>
+            </a:bodyPr>
+            <a:lstStyle/>
+            <a:p>
+              <a:r>
+                <a:rPr lang="en-US" altLang="ja-JP" sz="3200" dirty="0" smtClean="0">
+                  <a:latin typeface="Arial Black" panose="020B0A04020102020204" pitchFamily="34" charset="0"/>
+                </a:rPr>
+                <a:t>3</a:t>
+              </a:r>
+              <a:r>
+                <a:rPr kumimoji="1" lang="en-US" altLang="ja-JP" sz="3200" dirty="0" smtClean="0">
+                  <a:latin typeface="Arial Black" panose="020B0A04020102020204" pitchFamily="34" charset="0"/>
+                </a:rPr>
+                <a:t>P</a:t>
+              </a:r>
+              <a:endParaRPr kumimoji="1" lang="ja-JP" altLang="en-US" sz="3200" dirty="0">
+                <a:latin typeface="Arial Black" panose="020B0A04020102020204" pitchFamily="34" charset="0"/>
+              </a:endParaRPr>
+            </a:p>
+          </p:txBody>
+        </p:sp>
+        <p:sp>
+          <p:nvSpPr>
+            <p:cNvPr id="20" name="テキスト ボックス 19"/>
+            <p:cNvSpPr txBox="1"/>
+            <p:nvPr/>
+          </p:nvSpPr>
+          <p:spPr>
+            <a:xfrm>
+              <a:off x="3627121" y="4104295"/>
+              <a:ext cx="891540" cy="584775"/>
+            </a:xfrm>
+            <a:prstGeom prst="rect">
+              <a:avLst/>
+            </a:prstGeom>
+            <a:noFill/>
+          </p:spPr>
+          <p:txBody>
+            <a:bodyPr wrap="square" rtlCol="0">
+              <a:spAutoFit/>
+            </a:bodyPr>
+            <a:lstStyle/>
+            <a:p>
+              <a:r>
+                <a:rPr lang="en-US" altLang="ja-JP" sz="3200" dirty="0">
+                  <a:latin typeface="Arial Black" panose="020B0A04020102020204" pitchFamily="34" charset="0"/>
+                </a:rPr>
+                <a:t>4</a:t>
+              </a:r>
+              <a:r>
+                <a:rPr kumimoji="1" lang="en-US" altLang="ja-JP" sz="3200" dirty="0" smtClean="0">
+                  <a:latin typeface="Arial Black" panose="020B0A04020102020204" pitchFamily="34" charset="0"/>
+                </a:rPr>
+                <a:t>P</a:t>
+              </a:r>
+              <a:endParaRPr kumimoji="1" lang="ja-JP" altLang="en-US" sz="3200" dirty="0">
+                <a:latin typeface="Arial Black" panose="020B0A04020102020204" pitchFamily="34" charset="0"/>
+              </a:endParaRPr>
+            </a:p>
+          </p:txBody>
+        </p:sp>
+        <p:pic>
+          <p:nvPicPr>
+            <p:cNvPr id="6" name="図 5"/>
+            <p:cNvPicPr>
+              <a:picLocks noChangeAspect="1"/>
+            </p:cNvPicPr>
+            <p:nvPr/>
+          </p:nvPicPr>
+          <p:blipFill rotWithShape="1">
+            <a:blip r:embed="rId3">
+              <a:extLst>
+                <a:ext uri="{28A0092B-C50C-407E-A947-70E740481C1C}">
+                  <a14:useLocalDpi xmlns:a14="http://schemas.microsoft.com/office/drawing/2010/main" val="0"/>
+                </a:ext>
+              </a:extLst>
+            </a:blip>
+            <a:srcRect l="77133" t="63851" r="8066" b="8250"/>
+            <a:stretch/>
+          </p:blipFill>
+          <p:spPr>
+            <a:xfrm>
+              <a:off x="4741912" y="4330647"/>
+              <a:ext cx="502280" cy="631244"/>
+            </a:xfrm>
+            <a:prstGeom prst="rect">
+              <a:avLst/>
+            </a:prstGeom>
+          </p:spPr>
+        </p:pic>
+        <p:pic>
+          <p:nvPicPr>
+            <p:cNvPr id="21" name="図 20"/>
+            <p:cNvPicPr>
+              <a:picLocks noChangeAspect="1"/>
+            </p:cNvPicPr>
+            <p:nvPr/>
+          </p:nvPicPr>
+          <p:blipFill rotWithShape="1">
+            <a:blip r:embed="rId3">
+              <a:extLst>
+                <a:ext uri="{28A0092B-C50C-407E-A947-70E740481C1C}">
+                  <a14:useLocalDpi xmlns:a14="http://schemas.microsoft.com/office/drawing/2010/main" val="0"/>
+                </a:ext>
+              </a:extLst>
+            </a:blip>
+            <a:srcRect l="6689" t="64520" r="79311" b="7280"/>
+            <a:stretch/>
+          </p:blipFill>
+          <p:spPr>
+            <a:xfrm>
+              <a:off x="290936" y="4330445"/>
+              <a:ext cx="468630" cy="629304"/>
+            </a:xfrm>
+            <a:prstGeom prst="rect">
+              <a:avLst/>
+            </a:prstGeom>
+          </p:spPr>
+        </p:pic>
+        <p:pic>
+          <p:nvPicPr>
+            <p:cNvPr id="22" name="図 21"/>
+            <p:cNvPicPr>
+              <a:picLocks noChangeAspect="1"/>
+            </p:cNvPicPr>
+            <p:nvPr/>
+          </p:nvPicPr>
+          <p:blipFill rotWithShape="1">
+            <a:blip r:embed="rId3">
+              <a:extLst>
+                <a:ext uri="{28A0092B-C50C-407E-A947-70E740481C1C}">
+                  <a14:useLocalDpi xmlns:a14="http://schemas.microsoft.com/office/drawing/2010/main" val="0"/>
+                </a:ext>
+              </a:extLst>
+            </a:blip>
+            <a:srcRect l="77217" t="2785" r="8583" b="66915"/>
+            <a:stretch/>
+          </p:blipFill>
+          <p:spPr>
+            <a:xfrm>
+              <a:off x="4813936" y="2469511"/>
+              <a:ext cx="430256" cy="612054"/>
+            </a:xfrm>
+            <a:prstGeom prst="rect">
+              <a:avLst/>
+            </a:prstGeom>
+          </p:spPr>
+        </p:pic>
+        <p:pic>
+          <p:nvPicPr>
+            <p:cNvPr id="23" name="図 22"/>
+            <p:cNvPicPr>
+              <a:picLocks noChangeAspect="1"/>
+            </p:cNvPicPr>
+            <p:nvPr/>
+          </p:nvPicPr>
+          <p:blipFill rotWithShape="1">
+            <a:blip r:embed="rId3">
+              <a:extLst>
+                <a:ext uri="{28A0092B-C50C-407E-A947-70E740481C1C}">
+                  <a14:useLocalDpi xmlns:a14="http://schemas.microsoft.com/office/drawing/2010/main" val="0"/>
+                </a:ext>
+              </a:extLst>
+            </a:blip>
+            <a:srcRect l="5772" t="3810" r="78627" b="66790"/>
+            <a:stretch/>
+          </p:blipFill>
+          <p:spPr>
+            <a:xfrm>
+              <a:off x="268606" y="2454644"/>
+              <a:ext cx="498978" cy="626921"/>
+            </a:xfrm>
+            <a:prstGeom prst="rect">
+              <a:avLst/>
+            </a:prstGeom>
+          </p:spPr>
+        </p:pic>
+      </p:grpSp>
+      <p:cxnSp>
+        <p:nvCxnSpPr>
+          <p:cNvPr id="24" name="カギ線コネクタ 23"/>
+          <p:cNvCxnSpPr>
+            <a:stCxn id="21" idx="2"/>
+          </p:cNvCxnSpPr>
+          <p:nvPr/>
+        </p:nvCxnSpPr>
+        <p:spPr>
+          <a:xfrm rot="16200000" flipH="1">
+            <a:off x="1714933" y="4435973"/>
+            <a:ext cx="327246" cy="878259"/>
+          </a:xfrm>
+          <a:prstGeom prst="bentConnector2">
+            <a:avLst/>
+          </a:prstGeom>
+          <a:ln>
+            <a:solidFill>
+              <a:schemeClr val="tx1"/>
+            </a:solidFill>
+            <a:tailEnd type="triangle"/>
+          </a:ln>
+        </p:spPr>
+        <p:style>
+          <a:lnRef idx="1">
+            <a:schemeClr val="accent1"/>
+          </a:lnRef>
+          <a:fillRef idx="0">
+            <a:schemeClr val="accent1"/>
+          </a:fillRef>
+          <a:effectRef idx="0">
+            <a:schemeClr val="accent1"/>
+          </a:effectRef>
+          <a:fontRef idx="minor">
+            <a:schemeClr val="tx1"/>
+          </a:fontRef>
+        </p:style>
+      </p:cxnSp>
+      <p:sp>
+        <p:nvSpPr>
+          <p:cNvPr id="32" name="テキスト ボックス 31"/>
+          <p:cNvSpPr txBox="1"/>
+          <p:nvPr/>
+        </p:nvSpPr>
+        <p:spPr>
+          <a:xfrm>
+            <a:off x="2427138" y="4807800"/>
+            <a:ext cx="2447614" cy="400110"/>
+          </a:xfrm>
+          <a:prstGeom prst="rect">
+            <a:avLst/>
+          </a:prstGeom>
+          <a:noFill/>
+        </p:spPr>
+        <p:txBody>
+          <a:bodyPr wrap="square" rtlCol="0">
+            <a:spAutoFit/>
+          </a:bodyPr>
+          <a:lstStyle/>
+          <a:p>
+            <a:r>
+              <a:rPr lang="en-US" altLang="ja-JP" sz="2000" dirty="0" smtClean="0">
+                <a:latin typeface="HGS明朝E" panose="02020900000000000000" pitchFamily="18" charset="-128"/>
+                <a:ea typeface="HGS明朝E" panose="02020900000000000000" pitchFamily="18" charset="-128"/>
+              </a:rPr>
+              <a:t>Web</a:t>
+            </a:r>
+            <a:r>
+              <a:rPr lang="ja-JP" altLang="en-US" sz="2000" dirty="0" smtClean="0">
+                <a:latin typeface="HGS明朝E" panose="02020900000000000000" pitchFamily="18" charset="-128"/>
+                <a:ea typeface="HGS明朝E" panose="02020900000000000000" pitchFamily="18" charset="-128"/>
+              </a:rPr>
+              <a:t>カメラ映像</a:t>
+            </a:r>
+            <a:endParaRPr kumimoji="1" lang="ja-JP" altLang="en-US" sz="2000" dirty="0">
+              <a:latin typeface="HGS明朝E" panose="02020900000000000000" pitchFamily="18" charset="-128"/>
+              <a:ea typeface="HGS明朝E" panose="02020900000000000000" pitchFamily="18" charset="-128"/>
+            </a:endParaRPr>
+          </a:p>
+        </p:txBody>
+      </p:sp>
+    </p:spTree>
+    <p:extLst>
+      <p:ext uri="{BB962C8B-B14F-4D97-AF65-F5344CB8AC3E}">
+        <p14:creationId xmlns:p14="http://schemas.microsoft.com/office/powerpoint/2010/main" val="3720622722"/>
       </p:ext>
     </p:extLst>
   </p:cSld>

--- a/ブース設計図/ブース設計図.pptx
+++ b/ブース設計図/ブース設計図.pptx
@@ -8,7 +8,8 @@
     <p:sldId id="256" r:id="rId2"/>
     <p:sldId id="258" r:id="rId3"/>
     <p:sldId id="259" r:id="rId4"/>
-    <p:sldId id="260" r:id="rId5"/>
+    <p:sldId id="261" r:id="rId5"/>
+    <p:sldId id="260" r:id="rId6"/>
   </p:sldIdLst>
   <p:sldSz cx="6858000" cy="9906000" type="A4"/>
   <p:notesSz cx="6858000" cy="9144000"/>
@@ -5518,14 +5519,21 @@
                 <a:latin typeface="HGS明朝E" panose="02020900000000000000" pitchFamily="18" charset="-128"/>
                 <a:ea typeface="HGS明朝E" panose="02020900000000000000" pitchFamily="18" charset="-128"/>
               </a:rPr>
-              <a:t>(※</a:t>
+              <a:t>(※3</a:t>
             </a:r>
             <a:r>
               <a:rPr lang="ja-JP" altLang="en-US" sz="2400" dirty="0" smtClean="0">
                 <a:latin typeface="HGS明朝E" panose="02020900000000000000" pitchFamily="18" charset="-128"/>
                 <a:ea typeface="HGS明朝E" panose="02020900000000000000" pitchFamily="18" charset="-128"/>
               </a:rPr>
-              <a:t>次ページ参考</a:t>
+              <a:t>ページ</a:t>
+            </a:r>
+            <a:r>
+              <a:rPr lang="ja-JP" altLang="en-US" sz="2400" dirty="0" smtClean="0">
+                <a:latin typeface="HGS明朝E" panose="02020900000000000000" pitchFamily="18" charset="-128"/>
+                <a:ea typeface="HGS明朝E" panose="02020900000000000000" pitchFamily="18" charset="-128"/>
+              </a:rPr>
+              <a:t>参考</a:t>
             </a:r>
             <a:r>
               <a:rPr lang="en-US" altLang="ja-JP" sz="2400" dirty="0" smtClean="0">
@@ -6318,8 +6326,8 @@
         </p:nvSpPr>
         <p:spPr>
           <a:xfrm>
-            <a:off x="1372568" y="641707"/>
-            <a:ext cx="5829300" cy="516219"/>
+            <a:off x="2583868" y="639775"/>
+            <a:ext cx="3760953" cy="516219"/>
           </a:xfrm>
         </p:spPr>
         <p:txBody>
@@ -6328,12 +6336,20 @@
           </a:bodyPr>
           <a:lstStyle/>
           <a:p>
+            <a:pPr algn="l"/>
             <a:r>
               <a:rPr lang="ja-JP" altLang="en-US" sz="4000" dirty="0" smtClean="0">
                 <a:latin typeface="HGS明朝E" panose="02020900000000000000" pitchFamily="18" charset="-128"/>
                 <a:ea typeface="HGS明朝E" panose="02020900000000000000" pitchFamily="18" charset="-128"/>
               </a:rPr>
-              <a:t>筐体について</a:t>
+              <a:t>筐体に</a:t>
+            </a:r>
+            <a:r>
+              <a:rPr lang="ja-JP" altLang="en-US" sz="4000" dirty="0" smtClean="0">
+                <a:latin typeface="HGS明朝E" panose="02020900000000000000" pitchFamily="18" charset="-128"/>
+                <a:ea typeface="HGS明朝E" panose="02020900000000000000" pitchFamily="18" charset="-128"/>
+              </a:rPr>
+              <a:t>ついて</a:t>
             </a:r>
             <a:endParaRPr kumimoji="1" lang="ja-JP" altLang="en-US" sz="4000" dirty="0">
               <a:latin typeface="HGS明朝E" panose="02020900000000000000" pitchFamily="18" charset="-128"/>
@@ -6495,16 +6511,246 @@
           </a:fontRef>
         </p:style>
       </p:cxnSp>
+      <p:sp>
+        <p:nvSpPr>
+          <p:cNvPr id="17" name="テキスト ボックス 16"/>
+          <p:cNvSpPr txBox="1"/>
+          <p:nvPr/>
+        </p:nvSpPr>
+        <p:spPr>
+          <a:xfrm>
+            <a:off x="247650" y="6280927"/>
+            <a:ext cx="6324600" cy="3724096"/>
+          </a:xfrm>
+          <a:prstGeom prst="rect">
+            <a:avLst/>
+          </a:prstGeom>
+          <a:noFill/>
+        </p:spPr>
+        <p:txBody>
+          <a:bodyPr wrap="square" rtlCol="0">
+            <a:spAutoFit/>
+          </a:bodyPr>
+          <a:lstStyle/>
+          <a:p>
+            <a:pPr>
+              <a:spcAft>
+                <a:spcPts val="600"/>
+              </a:spcAft>
+            </a:pPr>
+            <a:r>
+              <a:rPr lang="ja-JP" altLang="en-US" sz="2400" dirty="0" smtClean="0">
+                <a:latin typeface="HGS明朝E" panose="02020900000000000000" pitchFamily="18" charset="-128"/>
+                <a:ea typeface="HGS明朝E" panose="02020900000000000000" pitchFamily="18" charset="-128"/>
+              </a:rPr>
+              <a:t>･横に長めで</a:t>
+            </a:r>
+            <a:r>
+              <a:rPr lang="en-US" altLang="ja-JP" sz="2400" dirty="0" smtClean="0">
+                <a:latin typeface="HGS明朝E" panose="02020900000000000000" pitchFamily="18" charset="-128"/>
+                <a:ea typeface="HGS明朝E" panose="02020900000000000000" pitchFamily="18" charset="-128"/>
+              </a:rPr>
+              <a:t>4</a:t>
+            </a:r>
+            <a:r>
+              <a:rPr lang="ja-JP" altLang="en-US" sz="2400" dirty="0" smtClean="0">
+                <a:latin typeface="HGS明朝E" panose="02020900000000000000" pitchFamily="18" charset="-128"/>
+                <a:ea typeface="HGS明朝E" panose="02020900000000000000" pitchFamily="18" charset="-128"/>
+              </a:rPr>
+              <a:t>人が並んで遊べるように。</a:t>
+            </a:r>
+            <a:endParaRPr kumimoji="1" lang="en-US" altLang="ja-JP" sz="2400" dirty="0" smtClean="0">
+              <a:latin typeface="HGS明朝E" panose="02020900000000000000" pitchFamily="18" charset="-128"/>
+              <a:ea typeface="HGS明朝E" panose="02020900000000000000" pitchFamily="18" charset="-128"/>
+            </a:endParaRPr>
+          </a:p>
+          <a:p>
+            <a:pPr>
+              <a:spcAft>
+                <a:spcPts val="600"/>
+              </a:spcAft>
+            </a:pPr>
+            <a:r>
+              <a:rPr kumimoji="1" lang="ja-JP" altLang="en-US" sz="2400" dirty="0" smtClean="0">
+                <a:latin typeface="HGS明朝E" panose="02020900000000000000" pitchFamily="18" charset="-128"/>
+                <a:ea typeface="HGS明朝E" panose="02020900000000000000" pitchFamily="18" charset="-128"/>
+              </a:rPr>
+              <a:t>･配線を隠すために、筐体の後ろの幅は余裕を持たせる。</a:t>
+            </a:r>
+            <a:endParaRPr kumimoji="1" lang="en-US" altLang="ja-JP" sz="2400" dirty="0" smtClean="0">
+              <a:latin typeface="HGS明朝E" panose="02020900000000000000" pitchFamily="18" charset="-128"/>
+              <a:ea typeface="HGS明朝E" panose="02020900000000000000" pitchFamily="18" charset="-128"/>
+            </a:endParaRPr>
+          </a:p>
+          <a:p>
+            <a:pPr>
+              <a:spcAft>
+                <a:spcPts val="600"/>
+              </a:spcAft>
+            </a:pPr>
+            <a:r>
+              <a:rPr lang="ja-JP" altLang="en-US" sz="2400" dirty="0" smtClean="0">
+                <a:latin typeface="HGS明朝E" panose="02020900000000000000" pitchFamily="18" charset="-128"/>
+                <a:ea typeface="HGS明朝E" panose="02020900000000000000" pitchFamily="18" charset="-128"/>
+              </a:rPr>
+              <a:t>･画面を出力するための</a:t>
+            </a:r>
+            <a:r>
+              <a:rPr lang="en-US" altLang="ja-JP" sz="2400" dirty="0" smtClean="0">
+                <a:latin typeface="HGS明朝E" panose="02020900000000000000" pitchFamily="18" charset="-128"/>
+                <a:ea typeface="HGS明朝E" panose="02020900000000000000" pitchFamily="18" charset="-128"/>
+              </a:rPr>
+              <a:t>2</a:t>
+            </a:r>
+            <a:r>
+              <a:rPr lang="ja-JP" altLang="en-US" sz="2400" dirty="0" smtClean="0">
+                <a:latin typeface="HGS明朝E" panose="02020900000000000000" pitchFamily="18" charset="-128"/>
+                <a:ea typeface="HGS明朝E" panose="02020900000000000000" pitchFamily="18" charset="-128"/>
+              </a:rPr>
+              <a:t>台目のパソコンも隠せるようにする。</a:t>
+            </a:r>
+            <a:endParaRPr kumimoji="1" lang="en-US" altLang="ja-JP" sz="2400" dirty="0" smtClean="0">
+              <a:latin typeface="HGS明朝E" panose="02020900000000000000" pitchFamily="18" charset="-128"/>
+              <a:ea typeface="HGS明朝E" panose="02020900000000000000" pitchFamily="18" charset="-128"/>
+            </a:endParaRPr>
+          </a:p>
+          <a:p>
+            <a:pPr>
+              <a:spcAft>
+                <a:spcPts val="600"/>
+              </a:spcAft>
+            </a:pPr>
+            <a:r>
+              <a:rPr lang="ja-JP" altLang="en-US" sz="2400" dirty="0" smtClean="0">
+                <a:latin typeface="HGS明朝E" panose="02020900000000000000" pitchFamily="18" charset="-128"/>
+                <a:ea typeface="HGS明朝E" panose="02020900000000000000" pitchFamily="18" charset="-128"/>
+              </a:rPr>
+              <a:t>･モニター</a:t>
+            </a:r>
+            <a:r>
+              <a:rPr lang="ja-JP" altLang="en-US" sz="2400" dirty="0" smtClean="0">
+                <a:latin typeface="HGS明朝E" panose="02020900000000000000" pitchFamily="18" charset="-128"/>
+                <a:ea typeface="HGS明朝E" panose="02020900000000000000" pitchFamily="18" charset="-128"/>
+              </a:rPr>
+              <a:t>の上部に</a:t>
+            </a:r>
+            <a:r>
+              <a:rPr lang="en-US" altLang="ja-JP" sz="2400" dirty="0" smtClean="0">
+                <a:latin typeface="HGS明朝E" panose="02020900000000000000" pitchFamily="18" charset="-128"/>
+                <a:ea typeface="HGS明朝E" panose="02020900000000000000" pitchFamily="18" charset="-128"/>
+              </a:rPr>
+              <a:t>Web</a:t>
+            </a:r>
+            <a:r>
+              <a:rPr lang="ja-JP" altLang="en-US" sz="2400" dirty="0" smtClean="0">
+                <a:latin typeface="HGS明朝E" panose="02020900000000000000" pitchFamily="18" charset="-128"/>
+                <a:ea typeface="HGS明朝E" panose="02020900000000000000" pitchFamily="18" charset="-128"/>
+              </a:rPr>
+              <a:t>カメラを</a:t>
+            </a:r>
+            <a:r>
+              <a:rPr lang="en-US" altLang="ja-JP" sz="2400" dirty="0" smtClean="0">
+                <a:latin typeface="HGS明朝E" panose="02020900000000000000" pitchFamily="18" charset="-128"/>
+                <a:ea typeface="HGS明朝E" panose="02020900000000000000" pitchFamily="18" charset="-128"/>
+              </a:rPr>
+              <a:t>4</a:t>
+            </a:r>
+            <a:r>
+              <a:rPr lang="ja-JP" altLang="en-US" sz="2400" dirty="0" smtClean="0">
+                <a:latin typeface="HGS明朝E" panose="02020900000000000000" pitchFamily="18" charset="-128"/>
+                <a:ea typeface="HGS明朝E" panose="02020900000000000000" pitchFamily="18" charset="-128"/>
+              </a:rPr>
+              <a:t>台</a:t>
+            </a:r>
+            <a:r>
+              <a:rPr lang="ja-JP" altLang="en-US" sz="2400" dirty="0" smtClean="0">
+                <a:latin typeface="HGS明朝E" panose="02020900000000000000" pitchFamily="18" charset="-128"/>
+                <a:ea typeface="HGS明朝E" panose="02020900000000000000" pitchFamily="18" charset="-128"/>
+              </a:rPr>
+              <a:t>仕込み、プレイヤーの顔を映せるように</a:t>
+            </a:r>
+            <a:r>
+              <a:rPr lang="ja-JP" altLang="en-US" sz="2400" dirty="0" smtClean="0">
+                <a:latin typeface="HGS明朝E" panose="02020900000000000000" pitchFamily="18" charset="-128"/>
+                <a:ea typeface="HGS明朝E" panose="02020900000000000000" pitchFamily="18" charset="-128"/>
+              </a:rPr>
+              <a:t>する</a:t>
+            </a:r>
+            <a:r>
+              <a:rPr lang="ja-JP" altLang="en-US" sz="2400" dirty="0" smtClean="0">
+                <a:latin typeface="HGS明朝E" panose="02020900000000000000" pitchFamily="18" charset="-128"/>
+                <a:ea typeface="HGS明朝E" panose="02020900000000000000" pitchFamily="18" charset="-128"/>
+              </a:rPr>
+              <a:t>。</a:t>
+            </a:r>
+            <a:r>
+              <a:rPr lang="ja-JP" altLang="en-US" sz="2400" dirty="0">
+                <a:latin typeface="HGS明朝E" panose="02020900000000000000" pitchFamily="18" charset="-128"/>
+                <a:ea typeface="HGS明朝E" panose="02020900000000000000" pitchFamily="18" charset="-128"/>
+              </a:rPr>
+              <a:t>　</a:t>
+            </a:r>
+            <a:r>
+              <a:rPr lang="ja-JP" altLang="en-US" sz="2400" dirty="0" smtClean="0">
+                <a:latin typeface="HGS明朝E" panose="02020900000000000000" pitchFamily="18" charset="-128"/>
+                <a:ea typeface="HGS明朝E" panose="02020900000000000000" pitchFamily="18" charset="-128"/>
+              </a:rPr>
+              <a:t>　　　　</a:t>
+            </a:r>
+            <a:r>
+              <a:rPr lang="en-US" altLang="ja-JP" sz="2400" dirty="0" smtClean="0">
+                <a:latin typeface="HGS明朝E" panose="02020900000000000000" pitchFamily="18" charset="-128"/>
+                <a:ea typeface="HGS明朝E" panose="02020900000000000000" pitchFamily="18" charset="-128"/>
+              </a:rPr>
+              <a:t>				</a:t>
+            </a:r>
+            <a:r>
+              <a:rPr lang="en-US" altLang="ja-JP" sz="2400" dirty="0" smtClean="0">
+                <a:latin typeface="HGS明朝E" panose="02020900000000000000" pitchFamily="18" charset="-128"/>
+                <a:ea typeface="HGS明朝E" panose="02020900000000000000" pitchFamily="18" charset="-128"/>
+              </a:rPr>
+              <a:t>(※5</a:t>
+            </a:r>
+            <a:r>
+              <a:rPr lang="ja-JP" altLang="en-US" sz="2400" dirty="0" smtClean="0">
+                <a:latin typeface="HGS明朝E" panose="02020900000000000000" pitchFamily="18" charset="-128"/>
+                <a:ea typeface="HGS明朝E" panose="02020900000000000000" pitchFamily="18" charset="-128"/>
+              </a:rPr>
+              <a:t>ページ</a:t>
+            </a:r>
+            <a:r>
+              <a:rPr lang="ja-JP" altLang="en-US" sz="2400" dirty="0" smtClean="0">
+                <a:latin typeface="HGS明朝E" panose="02020900000000000000" pitchFamily="18" charset="-128"/>
+                <a:ea typeface="HGS明朝E" panose="02020900000000000000" pitchFamily="18" charset="-128"/>
+              </a:rPr>
+              <a:t>参考</a:t>
+            </a:r>
+            <a:r>
+              <a:rPr lang="en-US" altLang="ja-JP" sz="2400" dirty="0" smtClean="0">
+                <a:latin typeface="HGS明朝E" panose="02020900000000000000" pitchFamily="18" charset="-128"/>
+                <a:ea typeface="HGS明朝E" panose="02020900000000000000" pitchFamily="18" charset="-128"/>
+              </a:rPr>
+              <a:t>)</a:t>
+            </a:r>
+          </a:p>
+          <a:p>
+            <a:endParaRPr kumimoji="1" lang="ja-JP" altLang="en-US" sz="2400" dirty="0">
+              <a:latin typeface="HGS明朝E" panose="02020900000000000000" pitchFamily="18" charset="-128"/>
+              <a:ea typeface="HGS明朝E" panose="02020900000000000000" pitchFamily="18" charset="-128"/>
+            </a:endParaRPr>
+          </a:p>
+        </p:txBody>
+      </p:sp>
       <p:pic>
         <p:nvPicPr>
-          <p:cNvPr id="16" name="図 15"/>
+          <p:cNvPr id="5" name="図 4"/>
           <p:cNvPicPr>
             <a:picLocks noChangeAspect="1"/>
           </p:cNvPicPr>
           <p:nvPr/>
         </p:nvPicPr>
         <p:blipFill>
-          <a:blip r:embed="rId3" cstate="print">
+          <a:blip r:embed="rId3">
             <a:extLst>
               <a:ext uri="{28A0092B-C50C-407E-A947-70E740481C1C}">
                 <a14:useLocalDpi xmlns:a14="http://schemas.microsoft.com/office/drawing/2010/main" val="0"/>
@@ -6517,188 +6763,14 @@
         </p:blipFill>
         <p:spPr>
           <a:xfrm>
-            <a:off x="1510237" y="2295053"/>
-            <a:ext cx="3799426" cy="2849570"/>
+            <a:off x="435791" y="2314281"/>
+            <a:ext cx="6057900" cy="2907537"/>
           </a:xfrm>
           <a:prstGeom prst="rect">
             <a:avLst/>
           </a:prstGeom>
         </p:spPr>
       </p:pic>
-      <p:sp>
-        <p:nvSpPr>
-          <p:cNvPr id="17" name="テキスト ボックス 16"/>
-          <p:cNvSpPr txBox="1"/>
-          <p:nvPr/>
-        </p:nvSpPr>
-        <p:spPr>
-          <a:xfrm>
-            <a:off x="247650" y="6280927"/>
-            <a:ext cx="6324600" cy="3354765"/>
-          </a:xfrm>
-          <a:prstGeom prst="rect">
-            <a:avLst/>
-          </a:prstGeom>
-          <a:noFill/>
-        </p:spPr>
-        <p:txBody>
-          <a:bodyPr wrap="square" rtlCol="0">
-            <a:spAutoFit/>
-          </a:bodyPr>
-          <a:lstStyle/>
-          <a:p>
-            <a:pPr>
-              <a:spcAft>
-                <a:spcPts val="600"/>
-              </a:spcAft>
-            </a:pPr>
-            <a:r>
-              <a:rPr lang="ja-JP" altLang="en-US" sz="2400" dirty="0" smtClean="0">
-                <a:latin typeface="HGS明朝E" panose="02020900000000000000" pitchFamily="18" charset="-128"/>
-                <a:ea typeface="HGS明朝E" panose="02020900000000000000" pitchFamily="18" charset="-128"/>
-              </a:rPr>
-              <a:t>･横に長めで</a:t>
-            </a:r>
-            <a:r>
-              <a:rPr lang="en-US" altLang="ja-JP" sz="2400" dirty="0" smtClean="0">
-                <a:latin typeface="HGS明朝E" panose="02020900000000000000" pitchFamily="18" charset="-128"/>
-                <a:ea typeface="HGS明朝E" panose="02020900000000000000" pitchFamily="18" charset="-128"/>
-              </a:rPr>
-              <a:t>4</a:t>
-            </a:r>
-            <a:r>
-              <a:rPr lang="ja-JP" altLang="en-US" sz="2400" dirty="0" smtClean="0">
-                <a:latin typeface="HGS明朝E" panose="02020900000000000000" pitchFamily="18" charset="-128"/>
-                <a:ea typeface="HGS明朝E" panose="02020900000000000000" pitchFamily="18" charset="-128"/>
-              </a:rPr>
-              <a:t>人が並んで遊べるように。</a:t>
-            </a:r>
-            <a:endParaRPr kumimoji="1" lang="en-US" altLang="ja-JP" sz="2400" dirty="0" smtClean="0">
-              <a:latin typeface="HGS明朝E" panose="02020900000000000000" pitchFamily="18" charset="-128"/>
-              <a:ea typeface="HGS明朝E" panose="02020900000000000000" pitchFamily="18" charset="-128"/>
-            </a:endParaRPr>
-          </a:p>
-          <a:p>
-            <a:pPr>
-              <a:spcAft>
-                <a:spcPts val="600"/>
-              </a:spcAft>
-            </a:pPr>
-            <a:r>
-              <a:rPr kumimoji="1" lang="ja-JP" altLang="en-US" sz="2400" dirty="0" smtClean="0">
-                <a:latin typeface="HGS明朝E" panose="02020900000000000000" pitchFamily="18" charset="-128"/>
-                <a:ea typeface="HGS明朝E" panose="02020900000000000000" pitchFamily="18" charset="-128"/>
-              </a:rPr>
-              <a:t>･配線を隠すために、筐体の後ろの幅は余裕を持たせる。</a:t>
-            </a:r>
-            <a:endParaRPr kumimoji="1" lang="en-US" altLang="ja-JP" sz="2400" dirty="0" smtClean="0">
-              <a:latin typeface="HGS明朝E" panose="02020900000000000000" pitchFamily="18" charset="-128"/>
-              <a:ea typeface="HGS明朝E" panose="02020900000000000000" pitchFamily="18" charset="-128"/>
-            </a:endParaRPr>
-          </a:p>
-          <a:p>
-            <a:pPr>
-              <a:spcAft>
-                <a:spcPts val="600"/>
-              </a:spcAft>
-            </a:pPr>
-            <a:r>
-              <a:rPr lang="ja-JP" altLang="en-US" sz="2400" dirty="0" smtClean="0">
-                <a:latin typeface="HGS明朝E" panose="02020900000000000000" pitchFamily="18" charset="-128"/>
-                <a:ea typeface="HGS明朝E" panose="02020900000000000000" pitchFamily="18" charset="-128"/>
-              </a:rPr>
-              <a:t>･画面を出力するための</a:t>
-            </a:r>
-            <a:r>
-              <a:rPr lang="en-US" altLang="ja-JP" sz="2400" dirty="0" smtClean="0">
-                <a:latin typeface="HGS明朝E" panose="02020900000000000000" pitchFamily="18" charset="-128"/>
-                <a:ea typeface="HGS明朝E" panose="02020900000000000000" pitchFamily="18" charset="-128"/>
-              </a:rPr>
-              <a:t>2</a:t>
-            </a:r>
-            <a:r>
-              <a:rPr lang="ja-JP" altLang="en-US" sz="2400" dirty="0" smtClean="0">
-                <a:latin typeface="HGS明朝E" panose="02020900000000000000" pitchFamily="18" charset="-128"/>
-                <a:ea typeface="HGS明朝E" panose="02020900000000000000" pitchFamily="18" charset="-128"/>
-              </a:rPr>
-              <a:t>台目のパソコンも隠せるようにする。</a:t>
-            </a:r>
-            <a:endParaRPr kumimoji="1" lang="en-US" altLang="ja-JP" sz="2400" dirty="0" smtClean="0">
-              <a:latin typeface="HGS明朝E" panose="02020900000000000000" pitchFamily="18" charset="-128"/>
-              <a:ea typeface="HGS明朝E" panose="02020900000000000000" pitchFamily="18" charset="-128"/>
-            </a:endParaRPr>
-          </a:p>
-          <a:p>
-            <a:pPr>
-              <a:spcAft>
-                <a:spcPts val="600"/>
-              </a:spcAft>
-            </a:pPr>
-            <a:r>
-              <a:rPr lang="ja-JP" altLang="en-US" sz="2400" dirty="0" smtClean="0">
-                <a:latin typeface="HGS明朝E" panose="02020900000000000000" pitchFamily="18" charset="-128"/>
-                <a:ea typeface="HGS明朝E" panose="02020900000000000000" pitchFamily="18" charset="-128"/>
-              </a:rPr>
-              <a:t>･モニターの下あたりに</a:t>
-            </a:r>
-            <a:r>
-              <a:rPr lang="en-US" altLang="ja-JP" sz="2400" dirty="0" smtClean="0">
-                <a:latin typeface="HGS明朝E" panose="02020900000000000000" pitchFamily="18" charset="-128"/>
-                <a:ea typeface="HGS明朝E" panose="02020900000000000000" pitchFamily="18" charset="-128"/>
-              </a:rPr>
-              <a:t>Web</a:t>
-            </a:r>
-            <a:r>
-              <a:rPr lang="ja-JP" altLang="en-US" sz="2400" dirty="0" smtClean="0">
-                <a:latin typeface="HGS明朝E" panose="02020900000000000000" pitchFamily="18" charset="-128"/>
-                <a:ea typeface="HGS明朝E" panose="02020900000000000000" pitchFamily="18" charset="-128"/>
-              </a:rPr>
-              <a:t>カメラを</a:t>
-            </a:r>
-            <a:r>
-              <a:rPr lang="en-US" altLang="ja-JP" sz="2400" dirty="0" smtClean="0">
-                <a:latin typeface="HGS明朝E" panose="02020900000000000000" pitchFamily="18" charset="-128"/>
-                <a:ea typeface="HGS明朝E" panose="02020900000000000000" pitchFamily="18" charset="-128"/>
-              </a:rPr>
-              <a:t>4</a:t>
-            </a:r>
-            <a:r>
-              <a:rPr lang="ja-JP" altLang="en-US" sz="2400" dirty="0" smtClean="0">
-                <a:latin typeface="HGS明朝E" panose="02020900000000000000" pitchFamily="18" charset="-128"/>
-                <a:ea typeface="HGS明朝E" panose="02020900000000000000" pitchFamily="18" charset="-128"/>
-              </a:rPr>
-              <a:t>台仕込めるようにする。</a:t>
-            </a:r>
-            <a:r>
-              <a:rPr lang="en-US" altLang="ja-JP" sz="2400" dirty="0" smtClean="0">
-                <a:latin typeface="HGS明朝E" panose="02020900000000000000" pitchFamily="18" charset="-128"/>
-                <a:ea typeface="HGS明朝E" panose="02020900000000000000" pitchFamily="18" charset="-128"/>
-              </a:rPr>
-              <a:t>(※</a:t>
-            </a:r>
-            <a:r>
-              <a:rPr lang="ja-JP" altLang="en-US" sz="2400" dirty="0" smtClean="0">
-                <a:latin typeface="HGS明朝E" panose="02020900000000000000" pitchFamily="18" charset="-128"/>
-                <a:ea typeface="HGS明朝E" panose="02020900000000000000" pitchFamily="18" charset="-128"/>
-              </a:rPr>
-              <a:t>次ページ参考</a:t>
-            </a:r>
-            <a:r>
-              <a:rPr lang="en-US" altLang="ja-JP" sz="2400" dirty="0" smtClean="0">
-                <a:latin typeface="HGS明朝E" panose="02020900000000000000" pitchFamily="18" charset="-128"/>
-                <a:ea typeface="HGS明朝E" panose="02020900000000000000" pitchFamily="18" charset="-128"/>
-              </a:rPr>
-              <a:t>)</a:t>
-            </a:r>
-          </a:p>
-          <a:p>
-            <a:endParaRPr kumimoji="1" lang="ja-JP" altLang="en-US" sz="2400" dirty="0">
-              <a:latin typeface="HGS明朝E" panose="02020900000000000000" pitchFamily="18" charset="-128"/>
-              <a:ea typeface="HGS明朝E" panose="02020900000000000000" pitchFamily="18" charset="-128"/>
-            </a:endParaRPr>
-          </a:p>
-        </p:txBody>
-      </p:sp>
     </p:spTree>
     <p:extLst>
       <p:ext uri="{BB962C8B-B14F-4D97-AF65-F5344CB8AC3E}">
@@ -6790,14 +6862,60 @@
       </p:sp>
       <p:sp>
         <p:nvSpPr>
+          <p:cNvPr id="19" name="縦巻き 18"/>
+          <p:cNvSpPr/>
+          <p:nvPr/>
+        </p:nvSpPr>
+        <p:spPr>
+          <a:xfrm flipH="1">
+            <a:off x="3480888" y="6057275"/>
+            <a:ext cx="3151187" cy="2934325"/>
+          </a:xfrm>
+          <a:prstGeom prst="verticalScroll">
+            <a:avLst/>
+          </a:prstGeom>
+          <a:solidFill>
+            <a:schemeClr val="accent4">
+              <a:lumMod val="60000"/>
+              <a:lumOff val="40000"/>
+            </a:schemeClr>
+          </a:solidFill>
+        </p:spPr>
+        <p:style>
+          <a:lnRef idx="2">
+            <a:schemeClr val="accent1">
+              <a:shade val="50000"/>
+            </a:schemeClr>
+          </a:lnRef>
+          <a:fillRef idx="1">
+            <a:schemeClr val="accent1"/>
+          </a:fillRef>
+          <a:effectRef idx="0">
+            <a:schemeClr val="accent1"/>
+          </a:effectRef>
+          <a:fontRef idx="minor">
+            <a:schemeClr val="lt1"/>
+          </a:fontRef>
+        </p:style>
+        <p:txBody>
+          <a:bodyPr rtlCol="0" anchor="ctr"/>
+          <a:lstStyle/>
+          <a:p>
+            <a:pPr algn="ctr"/>
+            <a:endParaRPr kumimoji="1" lang="ja-JP" altLang="en-US"/>
+          </a:p>
+        </p:txBody>
+      </p:sp>
+      <p:sp>
+        <p:nvSpPr>
           <p:cNvPr id="30" name="テキスト ボックス 29"/>
           <p:cNvSpPr txBox="1"/>
           <p:nvPr/>
         </p:nvSpPr>
         <p:spPr>
           <a:xfrm>
-            <a:off x="374004" y="5475851"/>
-            <a:ext cx="2723525" cy="461665"/>
+            <a:off x="2841302" y="5451998"/>
+            <a:ext cx="1175396" cy="461665"/>
           </a:xfrm>
           <a:prstGeom prst="rect">
             <a:avLst/>
@@ -6811,11 +6929,11 @@
           <a:lstStyle/>
           <a:p>
             <a:r>
-              <a:rPr kumimoji="1" lang="ja-JP" altLang="en-US" sz="2400" dirty="0" smtClean="0">
-                <a:latin typeface="HGS明朝E" panose="02020900000000000000" pitchFamily="18" charset="-128"/>
-                <a:ea typeface="HGS明朝E" panose="02020900000000000000" pitchFamily="18" charset="-128"/>
-              </a:rPr>
-              <a:t>解説</a:t>
+              <a:rPr lang="ja-JP" altLang="en-US" sz="2400" dirty="0" smtClean="0">
+                <a:latin typeface="HGS明朝E" panose="02020900000000000000" pitchFamily="18" charset="-128"/>
+                <a:ea typeface="HGS明朝E" panose="02020900000000000000" pitchFamily="18" charset="-128"/>
+              </a:rPr>
+              <a:t>使い方</a:t>
             </a:r>
             <a:endParaRPr kumimoji="1" lang="ja-JP" altLang="en-US" sz="2400" dirty="0">
               <a:latin typeface="HGS明朝E" panose="02020900000000000000" pitchFamily="18" charset="-128"/>
@@ -6871,8 +6989,8 @@
         </p:nvSpPr>
         <p:spPr>
           <a:xfrm>
-            <a:off x="2078839" y="639775"/>
-            <a:ext cx="4936792" cy="516219"/>
+            <a:off x="2811297" y="616095"/>
+            <a:ext cx="3760953" cy="516219"/>
           </a:xfrm>
         </p:spPr>
         <p:txBody>
@@ -6881,12 +6999,13 @@
           </a:bodyPr>
           <a:lstStyle/>
           <a:p>
-            <a:r>
-              <a:rPr kumimoji="1" lang="ja-JP" altLang="en-US" sz="4000" dirty="0" smtClean="0">
-                <a:latin typeface="HGS明朝E" panose="02020900000000000000" pitchFamily="18" charset="-128"/>
-                <a:ea typeface="HGS明朝E" panose="02020900000000000000" pitchFamily="18" charset="-128"/>
-              </a:rPr>
-              <a:t>出力映像について</a:t>
+            <a:pPr algn="l"/>
+            <a:r>
+              <a:rPr lang="ja-JP" altLang="en-US" sz="4000" dirty="0" smtClean="0">
+                <a:latin typeface="HGS明朝E" panose="02020900000000000000" pitchFamily="18" charset="-128"/>
+                <a:ea typeface="HGS明朝E" panose="02020900000000000000" pitchFamily="18" charset="-128"/>
+              </a:rPr>
+              <a:t>装飾について</a:t>
             </a:r>
             <a:endParaRPr kumimoji="1" lang="ja-JP" altLang="en-US" sz="4000" dirty="0">
               <a:latin typeface="HGS明朝E" panose="02020900000000000000" pitchFamily="18" charset="-128"/>
@@ -6986,7 +7105,7 @@
         <p:spPr>
           <a:xfrm>
             <a:off x="374004" y="1691290"/>
-            <a:ext cx="4346586" cy="461665"/>
+            <a:ext cx="2723525" cy="461665"/>
           </a:xfrm>
           <a:prstGeom prst="rect">
             <a:avLst/>
@@ -7004,7 +7123,14 @@
                 <a:latin typeface="HGS明朝E" panose="02020900000000000000" pitchFamily="18" charset="-128"/>
                 <a:ea typeface="HGS明朝E" panose="02020900000000000000" pitchFamily="18" charset="-128"/>
               </a:rPr>
-              <a:t>ゲーム出力画面イメージ図</a:t>
+              <a:t>ロゴの</a:t>
+            </a:r>
+            <a:r>
+              <a:rPr lang="ja-JP" altLang="en-US" sz="2400" dirty="0" smtClean="0">
+                <a:latin typeface="HGS明朝E" panose="02020900000000000000" pitchFamily="18" charset="-128"/>
+                <a:ea typeface="HGS明朝E" panose="02020900000000000000" pitchFamily="18" charset="-128"/>
+              </a:rPr>
+              <a:t>イメージ</a:t>
             </a:r>
             <a:endParaRPr kumimoji="1" lang="ja-JP" altLang="en-US" sz="2400" dirty="0">
               <a:latin typeface="HGS明朝E" panose="02020900000000000000" pitchFamily="18" charset="-128"/>
@@ -7056,8 +7182,8 @@
         </p:nvSpPr>
         <p:spPr>
           <a:xfrm>
-            <a:off x="266700" y="6329770"/>
-            <a:ext cx="6324600" cy="2985433"/>
+            <a:off x="4416034" y="9023271"/>
+            <a:ext cx="1613212" cy="461665"/>
           </a:xfrm>
           <a:prstGeom prst="rect">
             <a:avLst/>
@@ -7076,6 +7202,740 @@
               </a:spcAft>
             </a:pPr>
             <a:r>
+              <a:rPr lang="ja-JP" altLang="en-US" sz="2400" dirty="0" smtClean="0">
+                <a:latin typeface="HGS明朝E" panose="02020900000000000000" pitchFamily="18" charset="-128"/>
+                <a:ea typeface="HGS明朝E" panose="02020900000000000000" pitchFamily="18" charset="-128"/>
+              </a:rPr>
+              <a:t>ポスター</a:t>
+            </a:r>
+            <a:endParaRPr kumimoji="1" lang="en-US" altLang="ja-JP" sz="2400" dirty="0" smtClean="0">
+              <a:latin typeface="HGS明朝E" panose="02020900000000000000" pitchFamily="18" charset="-128"/>
+              <a:ea typeface="HGS明朝E" panose="02020900000000000000" pitchFamily="18" charset="-128"/>
+            </a:endParaRPr>
+          </a:p>
+        </p:txBody>
+      </p:sp>
+      <p:pic>
+        <p:nvPicPr>
+          <p:cNvPr id="4" name="図 3"/>
+          <p:cNvPicPr>
+            <a:picLocks noChangeAspect="1"/>
+          </p:cNvPicPr>
+          <p:nvPr/>
+        </p:nvPicPr>
+        <p:blipFill rotWithShape="1">
+          <a:blip r:embed="rId3">
+            <a:extLst>
+              <a:ext uri="{28A0092B-C50C-407E-A947-70E740481C1C}">
+                <a14:useLocalDpi xmlns:a14="http://schemas.microsoft.com/office/drawing/2010/main" val="0"/>
+              </a:ext>
+            </a:extLst>
+          </a:blip>
+          <a:srcRect l="27275" t="11697" r="24109" b="3949"/>
+          <a:stretch/>
+        </p:blipFill>
+        <p:spPr>
+          <a:xfrm>
+            <a:off x="2052138" y="2342573"/>
+            <a:ext cx="2857500" cy="2788920"/>
+          </a:xfrm>
+          <a:prstGeom prst="rect">
+            <a:avLst/>
+          </a:prstGeom>
+        </p:spPr>
+      </p:pic>
+      <p:cxnSp>
+        <p:nvCxnSpPr>
+          <p:cNvPr id="7" name="直線コネクタ 6"/>
+          <p:cNvCxnSpPr/>
+          <p:nvPr/>
+        </p:nvCxnSpPr>
+        <p:spPr>
+          <a:xfrm>
+            <a:off x="3390900" y="6317901"/>
+            <a:ext cx="0" cy="2980301"/>
+          </a:xfrm>
+          <a:prstGeom prst="line">
+            <a:avLst/>
+          </a:prstGeom>
+          <a:ln>
+            <a:solidFill>
+              <a:schemeClr val="tx1"/>
+            </a:solidFill>
+          </a:ln>
+        </p:spPr>
+        <p:style>
+          <a:lnRef idx="1">
+            <a:schemeClr val="accent1"/>
+          </a:lnRef>
+          <a:fillRef idx="0">
+            <a:schemeClr val="accent1"/>
+          </a:fillRef>
+          <a:effectRef idx="0">
+            <a:schemeClr val="accent1"/>
+          </a:effectRef>
+          <a:fontRef idx="minor">
+            <a:schemeClr val="tx1"/>
+          </a:fontRef>
+        </p:style>
+      </p:cxnSp>
+      <p:grpSp>
+        <p:nvGrpSpPr>
+          <p:cNvPr id="16" name="グループ化 15"/>
+          <p:cNvGrpSpPr/>
+          <p:nvPr/>
+        </p:nvGrpSpPr>
+        <p:grpSpPr>
+          <a:xfrm>
+            <a:off x="335286" y="6798293"/>
+            <a:ext cx="2863203" cy="1320801"/>
+            <a:chOff x="3715397" y="2715301"/>
+            <a:chExt cx="2863203" cy="1320801"/>
+          </a:xfrm>
+        </p:grpSpPr>
+        <p:pic>
+          <p:nvPicPr>
+            <p:cNvPr id="15" name="図 14"/>
+            <p:cNvPicPr>
+              <a:picLocks noChangeAspect="1"/>
+            </p:cNvPicPr>
+            <p:nvPr/>
+          </p:nvPicPr>
+          <p:blipFill rotWithShape="1">
+            <a:blip r:embed="rId4" cstate="print">
+              <a:extLst>
+                <a:ext uri="{28A0092B-C50C-407E-A947-70E740481C1C}">
+                  <a14:useLocalDpi xmlns:a14="http://schemas.microsoft.com/office/drawing/2010/main" val="0"/>
+                </a:ext>
+              </a:extLst>
+            </a:blip>
+            <a:srcRect l="8225" t="12344" r="30012" b="13120"/>
+            <a:stretch/>
+          </p:blipFill>
+          <p:spPr>
+            <a:xfrm>
+              <a:off x="3715397" y="2715301"/>
+              <a:ext cx="2863203" cy="1320801"/>
+            </a:xfrm>
+            <a:prstGeom prst="rect">
+              <a:avLst/>
+            </a:prstGeom>
+          </p:spPr>
+        </p:pic>
+        <p:pic>
+          <p:nvPicPr>
+            <p:cNvPr id="22" name="図 21"/>
+            <p:cNvPicPr>
+              <a:picLocks noChangeAspect="1"/>
+            </p:cNvPicPr>
+            <p:nvPr/>
+          </p:nvPicPr>
+          <p:blipFill rotWithShape="1">
+            <a:blip r:embed="rId5" cstate="print">
+              <a:extLst>
+                <a:ext uri="{28A0092B-C50C-407E-A947-70E740481C1C}">
+                  <a14:useLocalDpi xmlns:a14="http://schemas.microsoft.com/office/drawing/2010/main" val="0"/>
+                </a:ext>
+              </a:extLst>
+            </a:blip>
+            <a:srcRect l="27275" t="11697" r="24109" b="3949"/>
+            <a:stretch/>
+          </p:blipFill>
+          <p:spPr>
+            <a:xfrm>
+              <a:off x="4292894" y="2939896"/>
+              <a:ext cx="863306" cy="842586"/>
+            </a:xfrm>
+            <a:prstGeom prst="rect">
+              <a:avLst/>
+            </a:prstGeom>
+          </p:spPr>
+        </p:pic>
+        <p:pic>
+          <p:nvPicPr>
+            <p:cNvPr id="23" name="図 22"/>
+            <p:cNvPicPr>
+              <a:picLocks noChangeAspect="1"/>
+            </p:cNvPicPr>
+            <p:nvPr/>
+          </p:nvPicPr>
+          <p:blipFill rotWithShape="1">
+            <a:blip r:embed="rId5" cstate="print">
+              <a:extLst>
+                <a:ext uri="{28A0092B-C50C-407E-A947-70E740481C1C}">
+                  <a14:useLocalDpi xmlns:a14="http://schemas.microsoft.com/office/drawing/2010/main" val="0"/>
+                </a:ext>
+              </a:extLst>
+            </a:blip>
+            <a:srcRect l="27275" t="11697" r="48202" b="3949"/>
+            <a:stretch/>
+          </p:blipFill>
+          <p:spPr>
+            <a:xfrm>
+              <a:off x="6130426" y="2939896"/>
+              <a:ext cx="435474" cy="842586"/>
+            </a:xfrm>
+            <a:prstGeom prst="rect">
+              <a:avLst/>
+            </a:prstGeom>
+          </p:spPr>
+        </p:pic>
+      </p:grpSp>
+      <p:sp>
+        <p:nvSpPr>
+          <p:cNvPr id="25" name="テキスト ボックス 24"/>
+          <p:cNvSpPr txBox="1"/>
+          <p:nvPr/>
+        </p:nvSpPr>
+        <p:spPr>
+          <a:xfrm>
+            <a:off x="894431" y="8430878"/>
+            <a:ext cx="1744911" cy="461665"/>
+          </a:xfrm>
+          <a:prstGeom prst="rect">
+            <a:avLst/>
+          </a:prstGeom>
+          <a:noFill/>
+        </p:spPr>
+        <p:txBody>
+          <a:bodyPr wrap="square" rtlCol="0">
+            <a:spAutoFit/>
+          </a:bodyPr>
+          <a:lstStyle/>
+          <a:p>
+            <a:r>
+              <a:rPr kumimoji="1" lang="ja-JP" altLang="en-US" sz="2400" dirty="0" smtClean="0">
+                <a:latin typeface="HGS明朝E" panose="02020900000000000000" pitchFamily="18" charset="-128"/>
+                <a:ea typeface="HGS明朝E" panose="02020900000000000000" pitchFamily="18" charset="-128"/>
+              </a:rPr>
+              <a:t>筐体の裏側</a:t>
+            </a:r>
+            <a:endParaRPr kumimoji="1" lang="ja-JP" altLang="en-US" sz="2400" dirty="0">
+              <a:latin typeface="HGS明朝E" panose="02020900000000000000" pitchFamily="18" charset="-128"/>
+              <a:ea typeface="HGS明朝E" panose="02020900000000000000" pitchFamily="18" charset="-128"/>
+            </a:endParaRPr>
+          </a:p>
+        </p:txBody>
+      </p:sp>
+      <p:pic>
+        <p:nvPicPr>
+          <p:cNvPr id="26" name="図 25"/>
+          <p:cNvPicPr>
+            <a:picLocks noChangeAspect="1"/>
+          </p:cNvPicPr>
+          <p:nvPr/>
+        </p:nvPicPr>
+        <p:blipFill rotWithShape="1">
+          <a:blip r:embed="rId6" cstate="print">
+            <a:extLst>
+              <a:ext uri="{28A0092B-C50C-407E-A947-70E740481C1C}">
+                <a14:useLocalDpi xmlns:a14="http://schemas.microsoft.com/office/drawing/2010/main" val="0"/>
+              </a:ext>
+            </a:extLst>
+          </a:blip>
+          <a:srcRect l="27275" t="11697" r="24109" b="3949"/>
+          <a:stretch/>
+        </p:blipFill>
+        <p:spPr>
+          <a:xfrm>
+            <a:off x="4060391" y="6486510"/>
+            <a:ext cx="1992180" cy="1944368"/>
+          </a:xfrm>
+          <a:prstGeom prst="rect">
+            <a:avLst/>
+          </a:prstGeom>
+        </p:spPr>
+      </p:pic>
+      <p:sp>
+        <p:nvSpPr>
+          <p:cNvPr id="32" name="テキスト ボックス 31"/>
+          <p:cNvSpPr txBox="1"/>
+          <p:nvPr/>
+        </p:nvSpPr>
+        <p:spPr>
+          <a:xfrm>
+            <a:off x="3859109" y="8218314"/>
+            <a:ext cx="2394746" cy="646331"/>
+          </a:xfrm>
+          <a:prstGeom prst="rect">
+            <a:avLst/>
+          </a:prstGeom>
+          <a:noFill/>
+        </p:spPr>
+        <p:txBody>
+          <a:bodyPr wrap="square" rtlCol="0">
+            <a:spAutoFit/>
+          </a:bodyPr>
+          <a:lstStyle/>
+          <a:p>
+            <a:pPr algn="ctr"/>
+            <a:r>
+              <a:rPr lang="ja-JP" altLang="en-US" b="1" dirty="0">
+                <a:ln>
+                  <a:solidFill>
+                    <a:schemeClr val="tx1"/>
+                  </a:solidFill>
+                </a:ln>
+                <a:solidFill>
+                  <a:srgbClr val="FF0000"/>
+                </a:solidFill>
+                <a:latin typeface="HGS明朝E" panose="02020900000000000000" pitchFamily="18" charset="-128"/>
+                <a:ea typeface="HGS明朝E" panose="02020900000000000000" pitchFamily="18" charset="-128"/>
+              </a:rPr>
+              <a:t>場所 </a:t>
+            </a:r>
+            <a:endParaRPr lang="en-US" altLang="ja-JP" b="1" dirty="0" smtClean="0">
+              <a:ln>
+                <a:solidFill>
+                  <a:schemeClr val="tx1"/>
+                </a:solidFill>
+              </a:ln>
+              <a:solidFill>
+                <a:srgbClr val="FF0000"/>
+              </a:solidFill>
+              <a:latin typeface="HGS明朝E" panose="02020900000000000000" pitchFamily="18" charset="-128"/>
+              <a:ea typeface="HGS明朝E" panose="02020900000000000000" pitchFamily="18" charset="-128"/>
+            </a:endParaRPr>
+          </a:p>
+          <a:p>
+            <a:pPr algn="ctr"/>
+            <a:r>
+              <a:rPr lang="en-US" altLang="ja-JP" b="1" dirty="0" smtClean="0">
+                <a:ln>
+                  <a:solidFill>
+                    <a:schemeClr val="tx1"/>
+                  </a:solidFill>
+                </a:ln>
+                <a:solidFill>
+                  <a:srgbClr val="FF0000"/>
+                </a:solidFill>
+                <a:latin typeface="HGS明朝E" panose="02020900000000000000" pitchFamily="18" charset="-128"/>
+                <a:ea typeface="HGS明朝E" panose="02020900000000000000" pitchFamily="18" charset="-128"/>
+              </a:rPr>
+              <a:t> </a:t>
+            </a:r>
+            <a:r>
+              <a:rPr lang="en-US" altLang="ja-JP" b="1" dirty="0" err="1">
+                <a:ln>
+                  <a:solidFill>
+                    <a:schemeClr val="tx1"/>
+                  </a:solidFill>
+                </a:ln>
+                <a:solidFill>
+                  <a:srgbClr val="FF0000"/>
+                </a:solidFill>
+                <a:latin typeface="HGS明朝E" panose="02020900000000000000" pitchFamily="18" charset="-128"/>
+                <a:ea typeface="HGS明朝E" panose="02020900000000000000" pitchFamily="18" charset="-128"/>
+              </a:rPr>
+              <a:t>JoBi</a:t>
+            </a:r>
+            <a:r>
+              <a:rPr lang="ja-JP" altLang="en-US" b="1" dirty="0">
+                <a:ln>
+                  <a:solidFill>
+                    <a:schemeClr val="tx1"/>
+                  </a:solidFill>
+                </a:ln>
+                <a:solidFill>
+                  <a:srgbClr val="FF0000"/>
+                </a:solidFill>
+                <a:latin typeface="HGS明朝E" panose="02020900000000000000" pitchFamily="18" charset="-128"/>
+                <a:ea typeface="HGS明朝E" panose="02020900000000000000" pitchFamily="18" charset="-128"/>
+              </a:rPr>
+              <a:t>ホール左側手前</a:t>
+            </a:r>
+            <a:endParaRPr lang="ja-JP" altLang="en-US" b="1" dirty="0">
+              <a:ln>
+                <a:solidFill>
+                  <a:schemeClr val="tx1"/>
+                </a:solidFill>
+              </a:ln>
+              <a:solidFill>
+                <a:srgbClr val="FF0000"/>
+              </a:solidFill>
+              <a:latin typeface="HGS明朝E" panose="02020900000000000000" pitchFamily="18" charset="-128"/>
+              <a:ea typeface="HGS明朝E" panose="02020900000000000000" pitchFamily="18" charset="-128"/>
+            </a:endParaRPr>
+          </a:p>
+        </p:txBody>
+      </p:sp>
+    </p:spTree>
+    <p:extLst>
+      <p:ext uri="{BB962C8B-B14F-4D97-AF65-F5344CB8AC3E}">
+        <p14:creationId xmlns:p14="http://schemas.microsoft.com/office/powerpoint/2010/main" val="684994245"/>
+      </p:ext>
+    </p:extLst>
+  </p:cSld>
+  <p:clrMapOvr>
+    <a:masterClrMapping/>
+  </p:clrMapOvr>
+  <p:timing>
+    <p:tnLst>
+      <p:par>
+        <p:cTn id="1" dur="indefinite" restart="never" nodeType="tmRoot"/>
+      </p:par>
+    </p:tnLst>
+  </p:timing>
+</p:sld>
+</file>
+
+<file path=ppt/slides/slide5.xml><?xml version="1.0" encoding="utf-8"?>
+<p:sld xmlns:a="http://schemas.openxmlformats.org/drawingml/2006/main" xmlns:r="http://schemas.openxmlformats.org/officeDocument/2006/relationships" xmlns:p="http://schemas.openxmlformats.org/presentationml/2006/main">
+  <p:cSld>
+    <p:spTree>
+      <p:nvGrpSpPr>
+        <p:cNvPr id="1" name=""/>
+        <p:cNvGrpSpPr/>
+        <p:nvPr/>
+      </p:nvGrpSpPr>
+      <p:grpSpPr>
+        <a:xfrm>
+          <a:off x="0" y="0"/>
+          <a:ext cx="0" cy="0"/>
+          <a:chOff x="0" y="0"/>
+          <a:chExt cx="0" cy="0"/>
+        </a:xfrm>
+      </p:grpSpPr>
+      <p:sp>
+        <p:nvSpPr>
+          <p:cNvPr id="29" name="正方形/長方形 28"/>
+          <p:cNvSpPr/>
+          <p:nvPr/>
+        </p:nvSpPr>
+        <p:spPr>
+          <a:xfrm>
+            <a:off x="142875" y="5443021"/>
+            <a:ext cx="6572250" cy="4132792"/>
+          </a:xfrm>
+          <a:prstGeom prst="rect">
+            <a:avLst/>
+          </a:prstGeom>
+          <a:solidFill>
+            <a:schemeClr val="bg1"/>
+          </a:solidFill>
+          <a:ln>
+            <a:solidFill>
+              <a:schemeClr val="tx1"/>
+            </a:solidFill>
+          </a:ln>
+        </p:spPr>
+        <p:style>
+          <a:lnRef idx="2">
+            <a:schemeClr val="accent1">
+              <a:shade val="50000"/>
+            </a:schemeClr>
+          </a:lnRef>
+          <a:fillRef idx="1">
+            <a:schemeClr val="accent1"/>
+          </a:fillRef>
+          <a:effectRef idx="0">
+            <a:schemeClr val="accent1"/>
+          </a:effectRef>
+          <a:fontRef idx="minor">
+            <a:schemeClr val="lt1"/>
+          </a:fontRef>
+        </p:style>
+        <p:txBody>
+          <a:bodyPr rtlCol="0" anchor="ctr"/>
+          <a:lstStyle/>
+          <a:p>
+            <a:pPr algn="ctr"/>
+            <a:r>
+              <a:rPr kumimoji="1" lang="ja-JP" altLang="en-US" dirty="0" smtClean="0"/>
+              <a:t>あああ</a:t>
+            </a:r>
+            <a:endParaRPr kumimoji="1" lang="ja-JP" altLang="en-US" dirty="0"/>
+          </a:p>
+        </p:txBody>
+      </p:sp>
+      <p:sp>
+        <p:nvSpPr>
+          <p:cNvPr id="30" name="テキスト ボックス 29"/>
+          <p:cNvSpPr txBox="1"/>
+          <p:nvPr/>
+        </p:nvSpPr>
+        <p:spPr>
+          <a:xfrm>
+            <a:off x="374004" y="5475851"/>
+            <a:ext cx="2723525" cy="461665"/>
+          </a:xfrm>
+          <a:prstGeom prst="rect">
+            <a:avLst/>
+          </a:prstGeom>
+          <a:noFill/>
+        </p:spPr>
+        <p:txBody>
+          <a:bodyPr wrap="square" rtlCol="0">
+            <a:spAutoFit/>
+          </a:bodyPr>
+          <a:lstStyle/>
+          <a:p>
+            <a:r>
+              <a:rPr kumimoji="1" lang="ja-JP" altLang="en-US" sz="2400" dirty="0" smtClean="0">
+                <a:latin typeface="HGS明朝E" panose="02020900000000000000" pitchFamily="18" charset="-128"/>
+                <a:ea typeface="HGS明朝E" panose="02020900000000000000" pitchFamily="18" charset="-128"/>
+              </a:rPr>
+              <a:t>解説</a:t>
+            </a:r>
+            <a:endParaRPr kumimoji="1" lang="ja-JP" altLang="en-US" sz="2400" dirty="0">
+              <a:latin typeface="HGS明朝E" panose="02020900000000000000" pitchFamily="18" charset="-128"/>
+              <a:ea typeface="HGS明朝E" panose="02020900000000000000" pitchFamily="18" charset="-128"/>
+            </a:endParaRPr>
+          </a:p>
+        </p:txBody>
+      </p:sp>
+      <p:cxnSp>
+        <p:nvCxnSpPr>
+          <p:cNvPr id="31" name="直線コネクタ 30"/>
+          <p:cNvCxnSpPr/>
+          <p:nvPr/>
+        </p:nvCxnSpPr>
+        <p:spPr>
+          <a:xfrm>
+            <a:off x="247650" y="5997395"/>
+            <a:ext cx="6324600" cy="0"/>
+          </a:xfrm>
+          <a:prstGeom prst="line">
+            <a:avLst/>
+          </a:prstGeom>
+          <a:ln>
+            <a:solidFill>
+              <a:schemeClr val="tx1"/>
+            </a:solidFill>
+          </a:ln>
+        </p:spPr>
+        <p:style>
+          <a:lnRef idx="1">
+            <a:schemeClr val="accent1"/>
+          </a:lnRef>
+          <a:fillRef idx="0">
+            <a:schemeClr val="accent1"/>
+          </a:fillRef>
+          <a:effectRef idx="0">
+            <a:schemeClr val="accent1"/>
+          </a:effectRef>
+          <a:fontRef idx="minor">
+            <a:schemeClr val="tx1"/>
+          </a:fontRef>
+        </p:style>
+      </p:cxnSp>
+      <p:sp>
+        <p:nvSpPr>
+          <p:cNvPr id="2" name="タイトル 1"/>
+          <p:cNvSpPr>
+            <a:spLocks noGrp="1"/>
+          </p:cNvSpPr>
+          <p:nvPr>
+            <p:ph type="ctrTitle"/>
+          </p:nvPr>
+        </p:nvSpPr>
+        <p:spPr>
+          <a:xfrm>
+            <a:off x="2078839" y="639775"/>
+            <a:ext cx="4936792" cy="516219"/>
+          </a:xfrm>
+        </p:spPr>
+        <p:txBody>
+          <a:bodyPr>
+            <a:noAutofit/>
+          </a:bodyPr>
+          <a:lstStyle/>
+          <a:p>
+            <a:r>
+              <a:rPr kumimoji="1" lang="ja-JP" altLang="en-US" sz="4000" dirty="0" smtClean="0">
+                <a:latin typeface="HGS明朝E" panose="02020900000000000000" pitchFamily="18" charset="-128"/>
+                <a:ea typeface="HGS明朝E" panose="02020900000000000000" pitchFamily="18" charset="-128"/>
+              </a:rPr>
+              <a:t>出力映像について</a:t>
+            </a:r>
+            <a:endParaRPr kumimoji="1" lang="ja-JP" altLang="en-US" sz="4000" dirty="0">
+              <a:latin typeface="HGS明朝E" panose="02020900000000000000" pitchFamily="18" charset="-128"/>
+              <a:ea typeface="HGS明朝E" panose="02020900000000000000" pitchFamily="18" charset="-128"/>
+            </a:endParaRPr>
+          </a:p>
+        </p:txBody>
+      </p:sp>
+      <p:pic>
+        <p:nvPicPr>
+          <p:cNvPr id="81" name="図 80"/>
+          <p:cNvPicPr>
+            <a:picLocks noChangeAspect="1"/>
+          </p:cNvPicPr>
+          <p:nvPr/>
+        </p:nvPicPr>
+        <p:blipFill>
+          <a:blip r:embed="rId2">
+            <a:extLst>
+              <a:ext uri="{28A0092B-C50C-407E-A947-70E740481C1C}">
+                <a14:useLocalDpi xmlns:a14="http://schemas.microsoft.com/office/drawing/2010/main" val="0"/>
+              </a:ext>
+            </a:extLst>
+          </a:blip>
+          <a:stretch>
+            <a:fillRect/>
+          </a:stretch>
+        </p:blipFill>
+        <p:spPr>
+          <a:xfrm>
+            <a:off x="469113" y="-33327"/>
+            <a:ext cx="2114755" cy="1572030"/>
+          </a:xfrm>
+          <a:prstGeom prst="rect">
+            <a:avLst/>
+          </a:prstGeom>
+        </p:spPr>
+      </p:pic>
+      <p:sp>
+        <p:nvSpPr>
+          <p:cNvPr id="71" name="正方形/長方形 70"/>
+          <p:cNvSpPr/>
+          <p:nvPr/>
+        </p:nvSpPr>
+        <p:spPr>
+          <a:xfrm>
+            <a:off x="142875" y="1658460"/>
+            <a:ext cx="6572250" cy="3664804"/>
+          </a:xfrm>
+          <a:prstGeom prst="rect">
+            <a:avLst/>
+          </a:prstGeom>
+          <a:solidFill>
+            <a:schemeClr val="bg1"/>
+          </a:solidFill>
+          <a:ln>
+            <a:solidFill>
+              <a:schemeClr val="tx1"/>
+            </a:solidFill>
+          </a:ln>
+        </p:spPr>
+        <p:style>
+          <a:lnRef idx="2">
+            <a:schemeClr val="accent1">
+              <a:shade val="50000"/>
+            </a:schemeClr>
+          </a:lnRef>
+          <a:fillRef idx="1">
+            <a:schemeClr val="accent1"/>
+          </a:fillRef>
+          <a:effectRef idx="0">
+            <a:schemeClr val="accent1"/>
+          </a:effectRef>
+          <a:fontRef idx="minor">
+            <a:schemeClr val="lt1"/>
+          </a:fontRef>
+        </p:style>
+        <p:txBody>
+          <a:bodyPr rtlCol="0" anchor="ctr"/>
+          <a:lstStyle/>
+          <a:p>
+            <a:pPr algn="ctr"/>
+            <a:r>
+              <a:rPr kumimoji="1" lang="ja-JP" altLang="en-US" dirty="0" smtClean="0"/>
+              <a:t>あああ</a:t>
+            </a:r>
+            <a:endParaRPr kumimoji="1" lang="ja-JP" altLang="en-US" dirty="0"/>
+          </a:p>
+        </p:txBody>
+      </p:sp>
+      <p:sp>
+        <p:nvSpPr>
+          <p:cNvPr id="3" name="テキスト ボックス 2"/>
+          <p:cNvSpPr txBox="1"/>
+          <p:nvPr/>
+        </p:nvSpPr>
+        <p:spPr>
+          <a:xfrm>
+            <a:off x="374004" y="1691290"/>
+            <a:ext cx="4346586" cy="461665"/>
+          </a:xfrm>
+          <a:prstGeom prst="rect">
+            <a:avLst/>
+          </a:prstGeom>
+          <a:noFill/>
+        </p:spPr>
+        <p:txBody>
+          <a:bodyPr wrap="square" rtlCol="0">
+            <a:spAutoFit/>
+          </a:bodyPr>
+          <a:lstStyle/>
+          <a:p>
+            <a:r>
+              <a:rPr lang="ja-JP" altLang="en-US" sz="2400" dirty="0" smtClean="0">
+                <a:latin typeface="HGS明朝E" panose="02020900000000000000" pitchFamily="18" charset="-128"/>
+                <a:ea typeface="HGS明朝E" panose="02020900000000000000" pitchFamily="18" charset="-128"/>
+              </a:rPr>
+              <a:t>ゲーム出力画面イメージ図</a:t>
+            </a:r>
+            <a:endParaRPr kumimoji="1" lang="ja-JP" altLang="en-US" sz="2400" dirty="0">
+              <a:latin typeface="HGS明朝E" panose="02020900000000000000" pitchFamily="18" charset="-128"/>
+              <a:ea typeface="HGS明朝E" panose="02020900000000000000" pitchFamily="18" charset="-128"/>
+            </a:endParaRPr>
+          </a:p>
+        </p:txBody>
+      </p:sp>
+      <p:cxnSp>
+        <p:nvCxnSpPr>
+          <p:cNvPr id="8" name="直線コネクタ 7"/>
+          <p:cNvCxnSpPr/>
+          <p:nvPr/>
+        </p:nvCxnSpPr>
+        <p:spPr>
+          <a:xfrm>
+            <a:off x="247650" y="2212834"/>
+            <a:ext cx="6324600" cy="0"/>
+          </a:xfrm>
+          <a:prstGeom prst="line">
+            <a:avLst/>
+          </a:prstGeom>
+          <a:ln>
+            <a:solidFill>
+              <a:schemeClr val="tx1"/>
+            </a:solidFill>
+          </a:ln>
+        </p:spPr>
+        <p:style>
+          <a:lnRef idx="1">
+            <a:schemeClr val="accent1"/>
+          </a:lnRef>
+          <a:fillRef idx="0">
+            <a:schemeClr val="accent1"/>
+          </a:fillRef>
+          <a:effectRef idx="0">
+            <a:schemeClr val="accent1"/>
+          </a:effectRef>
+          <a:fontRef idx="minor">
+            <a:schemeClr val="tx1"/>
+          </a:fontRef>
+        </p:style>
+      </p:cxnSp>
+      <p:sp>
+        <p:nvSpPr>
+          <p:cNvPr id="17" name="テキスト ボックス 16"/>
+          <p:cNvSpPr txBox="1"/>
+          <p:nvPr/>
+        </p:nvSpPr>
+        <p:spPr>
+          <a:xfrm>
+            <a:off x="266700" y="6329770"/>
+            <a:ext cx="6324600" cy="2985433"/>
+          </a:xfrm>
+          <a:prstGeom prst="rect">
+            <a:avLst/>
+          </a:prstGeom>
+          <a:noFill/>
+        </p:spPr>
+        <p:txBody>
+          <a:bodyPr wrap="square" rtlCol="0">
+            <a:spAutoFit/>
+          </a:bodyPr>
+          <a:lstStyle/>
+          <a:p>
+            <a:pPr>
+              <a:spcAft>
+                <a:spcPts val="600"/>
+              </a:spcAft>
+            </a:pPr>
+            <a:r>
               <a:rPr lang="en-US" altLang="ja-JP" sz="2400" dirty="0" smtClean="0">
                 <a:latin typeface="HGS明朝E" panose="02020900000000000000" pitchFamily="18" charset="-128"/>
                 <a:ea typeface="HGS明朝E" panose="02020900000000000000" pitchFamily="18" charset="-128"/>
@@ -7087,35 +7947,7 @@
                 <a:latin typeface="HGS明朝E" panose="02020900000000000000" pitchFamily="18" charset="-128"/>
                 <a:ea typeface="HGS明朝E" panose="02020900000000000000" pitchFamily="18" charset="-128"/>
               </a:rPr>
-              <a:t>カメラ</a:t>
-            </a:r>
-            <a:r>
-              <a:rPr lang="ja-JP" altLang="en-US" sz="2400" smtClean="0">
-                <a:latin typeface="HGS明朝E" panose="02020900000000000000" pitchFamily="18" charset="-128"/>
-                <a:ea typeface="HGS明朝E" panose="02020900000000000000" pitchFamily="18" charset="-128"/>
-              </a:rPr>
-              <a:t>を使って、プレイヤー</a:t>
-            </a:r>
-            <a:r>
-              <a:rPr lang="ja-JP" altLang="en-US" sz="2400" dirty="0" smtClean="0">
-                <a:latin typeface="HGS明朝E" panose="02020900000000000000" pitchFamily="18" charset="-128"/>
-                <a:ea typeface="HGS明朝E" panose="02020900000000000000" pitchFamily="18" charset="-128"/>
-              </a:rPr>
-              <a:t>の</a:t>
-            </a:r>
-            <a:r>
-              <a:rPr lang="ja-JP" altLang="en-US" sz="2400" smtClean="0">
-                <a:latin typeface="HGS明朝E" panose="02020900000000000000" pitchFamily="18" charset="-128"/>
-                <a:ea typeface="HGS明朝E" panose="02020900000000000000" pitchFamily="18" charset="-128"/>
-              </a:rPr>
-              <a:t>ワイプを映し出す</a:t>
-            </a:r>
-            <a:r>
-              <a:rPr lang="ja-JP" altLang="en-US" sz="2400" dirty="0" smtClean="0">
-                <a:latin typeface="HGS明朝E" panose="02020900000000000000" pitchFamily="18" charset="-128"/>
-                <a:ea typeface="HGS明朝E" panose="02020900000000000000" pitchFamily="18" charset="-128"/>
-              </a:rPr>
-              <a:t>。そうすることで誰が</a:t>
+              <a:t>カメラを使って、プレイヤーのワイプを映し出す。そうすることで誰が</a:t>
             </a:r>
             <a:r>
               <a:rPr lang="en-US" altLang="ja-JP" sz="2400" dirty="0" smtClean="0">
